--- a/卒業制作_大元_ミニゲーム大全（仮）.pptx
+++ b/卒業制作_大元_ミニゲーム大全（仮）.pptx
@@ -4,11 +4,26 @@
   <p:sldMasterIdLst>
     <p:sldMasterId id="2147483648" r:id="rId1"/>
   </p:sldMasterIdLst>
+  <p:notesMasterIdLst>
+    <p:notesMasterId r:id="rId18"/>
+  </p:notesMasterIdLst>
   <p:sldIdLst>
     <p:sldId id="256" r:id="rId2"/>
     <p:sldId id="258" r:id="rId3"/>
     <p:sldId id="257" r:id="rId4"/>
-    <p:sldId id="259" r:id="rId5"/>
+    <p:sldId id="261" r:id="rId5"/>
+    <p:sldId id="262" r:id="rId6"/>
+    <p:sldId id="260" r:id="rId7"/>
+    <p:sldId id="259" r:id="rId8"/>
+    <p:sldId id="264" r:id="rId9"/>
+    <p:sldId id="263" r:id="rId10"/>
+    <p:sldId id="266" r:id="rId11"/>
+    <p:sldId id="269" r:id="rId12"/>
+    <p:sldId id="267" r:id="rId13"/>
+    <p:sldId id="271" r:id="rId14"/>
+    <p:sldId id="270" r:id="rId15"/>
+    <p:sldId id="268" r:id="rId16"/>
+    <p:sldId id="265" r:id="rId17"/>
   </p:sldIdLst>
   <p:sldSz cx="12192000" cy="6858000"/>
   <p:notesSz cx="6858000" cy="9144000"/>
@@ -113,6 +128,480 @@
     </p:ext>
   </p:extLst>
 </p:presentation>
+</file>
+
+<file path=ppt/notesMasters/notesMaster1.xml><?xml version="1.0" encoding="utf-8"?>
+<p:notesMaster xmlns:a="http://schemas.openxmlformats.org/drawingml/2006/main" xmlns:r="http://schemas.openxmlformats.org/officeDocument/2006/relationships" xmlns:p="http://schemas.openxmlformats.org/presentationml/2006/main">
+  <p:cSld>
+    <p:bg>
+      <p:bgRef idx="1001">
+        <a:schemeClr val="bg1"/>
+      </p:bgRef>
+    </p:bg>
+    <p:spTree>
+      <p:nvGrpSpPr>
+        <p:cNvPr id="1" name=""/>
+        <p:cNvGrpSpPr/>
+        <p:nvPr/>
+      </p:nvGrpSpPr>
+      <p:grpSpPr>
+        <a:xfrm>
+          <a:off x="0" y="0"/>
+          <a:ext cx="0" cy="0"/>
+          <a:chOff x="0" y="0"/>
+          <a:chExt cx="0" cy="0"/>
+        </a:xfrm>
+      </p:grpSpPr>
+      <p:sp>
+        <p:nvSpPr>
+          <p:cNvPr id="2" name="ヘッダー プレースホルダー 1"/>
+          <p:cNvSpPr>
+            <a:spLocks noGrp="1"/>
+          </p:cNvSpPr>
+          <p:nvPr>
+            <p:ph type="hdr" sz="quarter"/>
+          </p:nvPr>
+        </p:nvSpPr>
+        <p:spPr>
+          <a:xfrm>
+            <a:off x="0" y="0"/>
+            <a:ext cx="2971800" cy="458788"/>
+          </a:xfrm>
+          <a:prstGeom prst="rect">
+            <a:avLst/>
+          </a:prstGeom>
+        </p:spPr>
+        <p:txBody>
+          <a:bodyPr vert="horz" lIns="91440" tIns="45720" rIns="91440" bIns="45720" rtlCol="0"/>
+          <a:lstStyle>
+            <a:lvl1pPr algn="l">
+              <a:defRPr sz="1200"/>
+            </a:lvl1pPr>
+          </a:lstStyle>
+          <a:p>
+            <a:endParaRPr kumimoji="1" lang="ja-JP" altLang="en-US"/>
+          </a:p>
+        </p:txBody>
+      </p:sp>
+      <p:sp>
+        <p:nvSpPr>
+          <p:cNvPr id="3" name="日付プレースホルダー 2"/>
+          <p:cNvSpPr>
+            <a:spLocks noGrp="1"/>
+          </p:cNvSpPr>
+          <p:nvPr>
+            <p:ph type="dt" idx="1"/>
+          </p:nvPr>
+        </p:nvSpPr>
+        <p:spPr>
+          <a:xfrm>
+            <a:off x="3884613" y="0"/>
+            <a:ext cx="2971800" cy="458788"/>
+          </a:xfrm>
+          <a:prstGeom prst="rect">
+            <a:avLst/>
+          </a:prstGeom>
+        </p:spPr>
+        <p:txBody>
+          <a:bodyPr vert="horz" lIns="91440" tIns="45720" rIns="91440" bIns="45720" rtlCol="0"/>
+          <a:lstStyle>
+            <a:lvl1pPr algn="r">
+              <a:defRPr sz="1200"/>
+            </a:lvl1pPr>
+          </a:lstStyle>
+          <a:p>
+            <a:fld id="{9F0EE0E9-C29C-4E39-90B8-02C3958C3D1E}" type="datetimeFigureOut">
+              <a:rPr kumimoji="1" lang="ja-JP" altLang="en-US" smtClean="0"/>
+              <a:t>2022/10/18</a:t>
+            </a:fld>
+            <a:endParaRPr kumimoji="1" lang="ja-JP" altLang="en-US"/>
+          </a:p>
+        </p:txBody>
+      </p:sp>
+      <p:sp>
+        <p:nvSpPr>
+          <p:cNvPr id="4" name="スライド イメージ プレースホルダー 3"/>
+          <p:cNvSpPr>
+            <a:spLocks noGrp="1" noRot="1" noChangeAspect="1"/>
+          </p:cNvSpPr>
+          <p:nvPr>
+            <p:ph type="sldImg" idx="2"/>
+          </p:nvPr>
+        </p:nvSpPr>
+        <p:spPr>
+          <a:xfrm>
+            <a:off x="685800" y="1143000"/>
+            <a:ext cx="5486400" cy="3086100"/>
+          </a:xfrm>
+          <a:prstGeom prst="rect">
+            <a:avLst/>
+          </a:prstGeom>
+          <a:noFill/>
+          <a:ln w="12700">
+            <a:solidFill>
+              <a:prstClr val="black"/>
+            </a:solidFill>
+          </a:ln>
+        </p:spPr>
+        <p:txBody>
+          <a:bodyPr vert="horz" lIns="91440" tIns="45720" rIns="91440" bIns="45720" rtlCol="0" anchor="ctr"/>
+          <a:lstStyle/>
+          <a:p>
+            <a:endParaRPr lang="ja-JP" altLang="en-US"/>
+          </a:p>
+        </p:txBody>
+      </p:sp>
+      <p:sp>
+        <p:nvSpPr>
+          <p:cNvPr id="5" name="ノート プレースホルダー 4"/>
+          <p:cNvSpPr>
+            <a:spLocks noGrp="1"/>
+          </p:cNvSpPr>
+          <p:nvPr>
+            <p:ph type="body" sz="quarter" idx="3"/>
+          </p:nvPr>
+        </p:nvSpPr>
+        <p:spPr>
+          <a:xfrm>
+            <a:off x="685800" y="4400550"/>
+            <a:ext cx="5486400" cy="3600450"/>
+          </a:xfrm>
+          <a:prstGeom prst="rect">
+            <a:avLst/>
+          </a:prstGeom>
+        </p:spPr>
+        <p:txBody>
+          <a:bodyPr vert="horz" lIns="91440" tIns="45720" rIns="91440" bIns="45720" rtlCol="0"/>
+          <a:lstStyle/>
+          <a:p>
+            <a:pPr lvl="0"/>
+            <a:r>
+              <a:rPr kumimoji="1" lang="ja-JP" altLang="en-US" smtClean="0"/>
+              <a:t>マスター テキストの書式設定</a:t>
+            </a:r>
+          </a:p>
+          <a:p>
+            <a:pPr lvl="1"/>
+            <a:r>
+              <a:rPr kumimoji="1" lang="ja-JP" altLang="en-US" smtClean="0"/>
+              <a:t>第 </a:t>
+            </a:r>
+            <a:r>
+              <a:rPr kumimoji="1" lang="en-US" altLang="ja-JP" smtClean="0"/>
+              <a:t>2 </a:t>
+            </a:r>
+            <a:r>
+              <a:rPr kumimoji="1" lang="ja-JP" altLang="en-US" smtClean="0"/>
+              <a:t>レベル</a:t>
+            </a:r>
+          </a:p>
+          <a:p>
+            <a:pPr lvl="2"/>
+            <a:r>
+              <a:rPr kumimoji="1" lang="ja-JP" altLang="en-US" smtClean="0"/>
+              <a:t>第 </a:t>
+            </a:r>
+            <a:r>
+              <a:rPr kumimoji="1" lang="en-US" altLang="ja-JP" smtClean="0"/>
+              <a:t>3 </a:t>
+            </a:r>
+            <a:r>
+              <a:rPr kumimoji="1" lang="ja-JP" altLang="en-US" smtClean="0"/>
+              <a:t>レベル</a:t>
+            </a:r>
+          </a:p>
+          <a:p>
+            <a:pPr lvl="3"/>
+            <a:r>
+              <a:rPr kumimoji="1" lang="ja-JP" altLang="en-US" smtClean="0"/>
+              <a:t>第 </a:t>
+            </a:r>
+            <a:r>
+              <a:rPr kumimoji="1" lang="en-US" altLang="ja-JP" smtClean="0"/>
+              <a:t>4 </a:t>
+            </a:r>
+            <a:r>
+              <a:rPr kumimoji="1" lang="ja-JP" altLang="en-US" smtClean="0"/>
+              <a:t>レベル</a:t>
+            </a:r>
+          </a:p>
+          <a:p>
+            <a:pPr lvl="4"/>
+            <a:r>
+              <a:rPr kumimoji="1" lang="ja-JP" altLang="en-US" smtClean="0"/>
+              <a:t>第 </a:t>
+            </a:r>
+            <a:r>
+              <a:rPr kumimoji="1" lang="en-US" altLang="ja-JP" smtClean="0"/>
+              <a:t>5 </a:t>
+            </a:r>
+            <a:r>
+              <a:rPr kumimoji="1" lang="ja-JP" altLang="en-US" smtClean="0"/>
+              <a:t>レベル</a:t>
+            </a:r>
+            <a:endParaRPr kumimoji="1" lang="ja-JP" altLang="en-US"/>
+          </a:p>
+        </p:txBody>
+      </p:sp>
+      <p:sp>
+        <p:nvSpPr>
+          <p:cNvPr id="6" name="フッター プレースホルダー 5"/>
+          <p:cNvSpPr>
+            <a:spLocks noGrp="1"/>
+          </p:cNvSpPr>
+          <p:nvPr>
+            <p:ph type="ftr" sz="quarter" idx="4"/>
+          </p:nvPr>
+        </p:nvSpPr>
+        <p:spPr>
+          <a:xfrm>
+            <a:off x="0" y="8685213"/>
+            <a:ext cx="2971800" cy="458787"/>
+          </a:xfrm>
+          <a:prstGeom prst="rect">
+            <a:avLst/>
+          </a:prstGeom>
+        </p:spPr>
+        <p:txBody>
+          <a:bodyPr vert="horz" lIns="91440" tIns="45720" rIns="91440" bIns="45720" rtlCol="0" anchor="b"/>
+          <a:lstStyle>
+            <a:lvl1pPr algn="l">
+              <a:defRPr sz="1200"/>
+            </a:lvl1pPr>
+          </a:lstStyle>
+          <a:p>
+            <a:endParaRPr kumimoji="1" lang="ja-JP" altLang="en-US"/>
+          </a:p>
+        </p:txBody>
+      </p:sp>
+      <p:sp>
+        <p:nvSpPr>
+          <p:cNvPr id="7" name="スライド番号プレースホルダー 6"/>
+          <p:cNvSpPr>
+            <a:spLocks noGrp="1"/>
+          </p:cNvSpPr>
+          <p:nvPr>
+            <p:ph type="sldNum" sz="quarter" idx="5"/>
+          </p:nvPr>
+        </p:nvSpPr>
+        <p:spPr>
+          <a:xfrm>
+            <a:off x="3884613" y="8685213"/>
+            <a:ext cx="2971800" cy="458787"/>
+          </a:xfrm>
+          <a:prstGeom prst="rect">
+            <a:avLst/>
+          </a:prstGeom>
+        </p:spPr>
+        <p:txBody>
+          <a:bodyPr vert="horz" lIns="91440" tIns="45720" rIns="91440" bIns="45720" rtlCol="0" anchor="b"/>
+          <a:lstStyle>
+            <a:lvl1pPr algn="r">
+              <a:defRPr sz="1200"/>
+            </a:lvl1pPr>
+          </a:lstStyle>
+          <a:p>
+            <a:fld id="{3A85D7C9-14B5-47D1-808A-4C4B529D4D14}" type="slidenum">
+              <a:rPr kumimoji="1" lang="ja-JP" altLang="en-US" smtClean="0"/>
+              <a:t>‹#›</a:t>
+            </a:fld>
+            <a:endParaRPr kumimoji="1" lang="ja-JP" altLang="en-US"/>
+          </a:p>
+        </p:txBody>
+      </p:sp>
+    </p:spTree>
+    <p:extLst>
+      <p:ext uri="{BB962C8B-B14F-4D97-AF65-F5344CB8AC3E}">
+        <p14:creationId xmlns:p14="http://schemas.microsoft.com/office/powerpoint/2010/main" val="2058084596"/>
+      </p:ext>
+    </p:extLst>
+  </p:cSld>
+  <p:clrMap bg1="lt1" tx1="dk1" bg2="lt2" tx2="dk2" accent1="accent1" accent2="accent2" accent3="accent3" accent4="accent4" accent5="accent5" accent6="accent6" hlink="hlink" folHlink="folHlink"/>
+  <p:notesStyle>
+    <a:lvl1pPr marL="0" algn="l" defTabSz="914400" rtl="0" eaLnBrk="1" latinLnBrk="0" hangingPunct="1">
+      <a:defRPr kumimoji="1" sz="1200" kern="1200">
+        <a:solidFill>
+          <a:schemeClr val="tx1"/>
+        </a:solidFill>
+        <a:latin typeface="+mn-lt"/>
+        <a:ea typeface="+mn-ea"/>
+        <a:cs typeface="+mn-cs"/>
+      </a:defRPr>
+    </a:lvl1pPr>
+    <a:lvl2pPr marL="457200" algn="l" defTabSz="914400" rtl="0" eaLnBrk="1" latinLnBrk="0" hangingPunct="1">
+      <a:defRPr kumimoji="1" sz="1200" kern="1200">
+        <a:solidFill>
+          <a:schemeClr val="tx1"/>
+        </a:solidFill>
+        <a:latin typeface="+mn-lt"/>
+        <a:ea typeface="+mn-ea"/>
+        <a:cs typeface="+mn-cs"/>
+      </a:defRPr>
+    </a:lvl2pPr>
+    <a:lvl3pPr marL="914400" algn="l" defTabSz="914400" rtl="0" eaLnBrk="1" latinLnBrk="0" hangingPunct="1">
+      <a:defRPr kumimoji="1" sz="1200" kern="1200">
+        <a:solidFill>
+          <a:schemeClr val="tx1"/>
+        </a:solidFill>
+        <a:latin typeface="+mn-lt"/>
+        <a:ea typeface="+mn-ea"/>
+        <a:cs typeface="+mn-cs"/>
+      </a:defRPr>
+    </a:lvl3pPr>
+    <a:lvl4pPr marL="1371600" algn="l" defTabSz="914400" rtl="0" eaLnBrk="1" latinLnBrk="0" hangingPunct="1">
+      <a:defRPr kumimoji="1" sz="1200" kern="1200">
+        <a:solidFill>
+          <a:schemeClr val="tx1"/>
+        </a:solidFill>
+        <a:latin typeface="+mn-lt"/>
+        <a:ea typeface="+mn-ea"/>
+        <a:cs typeface="+mn-cs"/>
+      </a:defRPr>
+    </a:lvl4pPr>
+    <a:lvl5pPr marL="1828800" algn="l" defTabSz="914400" rtl="0" eaLnBrk="1" latinLnBrk="0" hangingPunct="1">
+      <a:defRPr kumimoji="1" sz="1200" kern="1200">
+        <a:solidFill>
+          <a:schemeClr val="tx1"/>
+        </a:solidFill>
+        <a:latin typeface="+mn-lt"/>
+        <a:ea typeface="+mn-ea"/>
+        <a:cs typeface="+mn-cs"/>
+      </a:defRPr>
+    </a:lvl5pPr>
+    <a:lvl6pPr marL="2286000" algn="l" defTabSz="914400" rtl="0" eaLnBrk="1" latinLnBrk="0" hangingPunct="1">
+      <a:defRPr kumimoji="1" sz="1200" kern="1200">
+        <a:solidFill>
+          <a:schemeClr val="tx1"/>
+        </a:solidFill>
+        <a:latin typeface="+mn-lt"/>
+        <a:ea typeface="+mn-ea"/>
+        <a:cs typeface="+mn-cs"/>
+      </a:defRPr>
+    </a:lvl6pPr>
+    <a:lvl7pPr marL="2743200" algn="l" defTabSz="914400" rtl="0" eaLnBrk="1" latinLnBrk="0" hangingPunct="1">
+      <a:defRPr kumimoji="1" sz="1200" kern="1200">
+        <a:solidFill>
+          <a:schemeClr val="tx1"/>
+        </a:solidFill>
+        <a:latin typeface="+mn-lt"/>
+        <a:ea typeface="+mn-ea"/>
+        <a:cs typeface="+mn-cs"/>
+      </a:defRPr>
+    </a:lvl7pPr>
+    <a:lvl8pPr marL="3200400" algn="l" defTabSz="914400" rtl="0" eaLnBrk="1" latinLnBrk="0" hangingPunct="1">
+      <a:defRPr kumimoji="1" sz="1200" kern="1200">
+        <a:solidFill>
+          <a:schemeClr val="tx1"/>
+        </a:solidFill>
+        <a:latin typeface="+mn-lt"/>
+        <a:ea typeface="+mn-ea"/>
+        <a:cs typeface="+mn-cs"/>
+      </a:defRPr>
+    </a:lvl8pPr>
+    <a:lvl9pPr marL="3657600" algn="l" defTabSz="914400" rtl="0" eaLnBrk="1" latinLnBrk="0" hangingPunct="1">
+      <a:defRPr kumimoji="1" sz="1200" kern="1200">
+        <a:solidFill>
+          <a:schemeClr val="tx1"/>
+        </a:solidFill>
+        <a:latin typeface="+mn-lt"/>
+        <a:ea typeface="+mn-ea"/>
+        <a:cs typeface="+mn-cs"/>
+      </a:defRPr>
+    </a:lvl9pPr>
+  </p:notesStyle>
+</p:notesMaster>
+</file>
+
+<file path=ppt/notesSlides/notesSlide1.xml><?xml version="1.0" encoding="utf-8"?>
+<p:notes xmlns:a="http://schemas.openxmlformats.org/drawingml/2006/main" xmlns:r="http://schemas.openxmlformats.org/officeDocument/2006/relationships" xmlns:p="http://schemas.openxmlformats.org/presentationml/2006/main">
+  <p:cSld>
+    <p:spTree>
+      <p:nvGrpSpPr>
+        <p:cNvPr id="1" name=""/>
+        <p:cNvGrpSpPr/>
+        <p:nvPr/>
+      </p:nvGrpSpPr>
+      <p:grpSpPr>
+        <a:xfrm>
+          <a:off x="0" y="0"/>
+          <a:ext cx="0" cy="0"/>
+          <a:chOff x="0" y="0"/>
+          <a:chExt cx="0" cy="0"/>
+        </a:xfrm>
+      </p:grpSpPr>
+      <p:sp>
+        <p:nvSpPr>
+          <p:cNvPr id="2" name="スライド イメージ プレースホルダー 1"/>
+          <p:cNvSpPr>
+            <a:spLocks noGrp="1" noRot="1" noChangeAspect="1"/>
+          </p:cNvSpPr>
+          <p:nvPr>
+            <p:ph type="sldImg"/>
+          </p:nvPr>
+        </p:nvSpPr>
+        <p:spPr/>
+      </p:sp>
+      <p:sp>
+        <p:nvSpPr>
+          <p:cNvPr id="3" name="ノート プレースホルダー 2"/>
+          <p:cNvSpPr>
+            <a:spLocks noGrp="1"/>
+          </p:cNvSpPr>
+          <p:nvPr>
+            <p:ph type="body" idx="1"/>
+          </p:nvPr>
+        </p:nvSpPr>
+        <p:spPr/>
+        <p:txBody>
+          <a:bodyPr/>
+          <a:lstStyle/>
+          <a:p>
+            <a:r>
+              <a:rPr kumimoji="1" lang="ja-JP" altLang="en-US" dirty="0" smtClean="0"/>
+              <a:t>押されたら→</a:t>
+            </a:r>
+            <a:r>
+              <a:rPr kumimoji="1" lang="en-US" altLang="ja-JP" smtClean="0"/>
+              <a:t>STATE or A</a:t>
+            </a:r>
+            <a:endParaRPr kumimoji="1" lang="ja-JP" altLang="en-US"/>
+          </a:p>
+        </p:txBody>
+      </p:sp>
+      <p:sp>
+        <p:nvSpPr>
+          <p:cNvPr id="4" name="スライド番号プレースホルダー 3"/>
+          <p:cNvSpPr>
+            <a:spLocks noGrp="1"/>
+          </p:cNvSpPr>
+          <p:nvPr>
+            <p:ph type="sldNum" sz="quarter" idx="10"/>
+          </p:nvPr>
+        </p:nvSpPr>
+        <p:spPr/>
+        <p:txBody>
+          <a:bodyPr/>
+          <a:lstStyle/>
+          <a:p>
+            <a:fld id="{0CE132E9-7DC1-45B7-9235-E08A2307EA51}" type="slidenum">
+              <a:rPr kumimoji="1" lang="ja-JP" altLang="en-US" smtClean="0"/>
+              <a:t>5</a:t>
+            </a:fld>
+            <a:endParaRPr kumimoji="1" lang="ja-JP" altLang="en-US"/>
+          </a:p>
+        </p:txBody>
+      </p:sp>
+    </p:spTree>
+    <p:extLst>
+      <p:ext uri="{BB962C8B-B14F-4D97-AF65-F5344CB8AC3E}">
+        <p14:creationId xmlns:p14="http://schemas.microsoft.com/office/powerpoint/2010/main" val="3539548063"/>
+      </p:ext>
+    </p:extLst>
+  </p:cSld>
+  <p:clrMapOvr>
+    <a:masterClrMapping/>
+  </p:clrMapOvr>
+</p:notes>
 </file>
 
 <file path=ppt/slideLayouts/slideLayout1.xml><?xml version="1.0" encoding="utf-8"?>
@@ -3329,6 +3818,2039 @@
 </p:sld>
 </file>
 
+<file path=ppt/slides/slide10.xml><?xml version="1.0" encoding="utf-8"?>
+<p:sld xmlns:a="http://schemas.openxmlformats.org/drawingml/2006/main" xmlns:r="http://schemas.openxmlformats.org/officeDocument/2006/relationships" xmlns:p="http://schemas.openxmlformats.org/presentationml/2006/main">
+  <p:cSld>
+    <p:spTree>
+      <p:nvGrpSpPr>
+        <p:cNvPr id="1" name=""/>
+        <p:cNvGrpSpPr/>
+        <p:nvPr/>
+      </p:nvGrpSpPr>
+      <p:grpSpPr>
+        <a:xfrm>
+          <a:off x="0" y="0"/>
+          <a:ext cx="0" cy="0"/>
+          <a:chOff x="0" y="0"/>
+          <a:chExt cx="0" cy="0"/>
+        </a:xfrm>
+      </p:grpSpPr>
+      <p:sp>
+        <p:nvSpPr>
+          <p:cNvPr id="2" name="楕円 1"/>
+          <p:cNvSpPr/>
+          <p:nvPr/>
+        </p:nvSpPr>
+        <p:spPr>
+          <a:xfrm>
+            <a:off x="2823814" y="1292468"/>
+            <a:ext cx="6303857" cy="5402403"/>
+          </a:xfrm>
+          <a:prstGeom prst="ellipse">
+            <a:avLst/>
+          </a:prstGeom>
+          <a:solidFill>
+            <a:schemeClr val="bg1"/>
+          </a:solidFill>
+          <a:ln w="57150">
+            <a:solidFill>
+              <a:schemeClr val="tx1"/>
+            </a:solidFill>
+          </a:ln>
+        </p:spPr>
+        <p:style>
+          <a:lnRef idx="2">
+            <a:schemeClr val="accent1">
+              <a:shade val="50000"/>
+            </a:schemeClr>
+          </a:lnRef>
+          <a:fillRef idx="1">
+            <a:schemeClr val="accent1"/>
+          </a:fillRef>
+          <a:effectRef idx="0">
+            <a:schemeClr val="accent1"/>
+          </a:effectRef>
+          <a:fontRef idx="minor">
+            <a:schemeClr val="lt1"/>
+          </a:fontRef>
+        </p:style>
+        <p:txBody>
+          <a:bodyPr rtlCol="0" anchor="ctr"/>
+          <a:lstStyle/>
+          <a:p>
+            <a:pPr algn="ctr"/>
+            <a:endParaRPr kumimoji="1" lang="ja-JP" altLang="en-US">
+              <a:ln>
+                <a:solidFill>
+                  <a:srgbClr val="0070C0"/>
+                </a:solidFill>
+              </a:ln>
+              <a:solidFill>
+                <a:schemeClr val="bg1"/>
+              </a:solidFill>
+            </a:endParaRPr>
+          </a:p>
+        </p:txBody>
+      </p:sp>
+      <p:sp>
+        <p:nvSpPr>
+          <p:cNvPr id="29" name="角丸四角形吹き出し 28"/>
+          <p:cNvSpPr/>
+          <p:nvPr/>
+        </p:nvSpPr>
+        <p:spPr>
+          <a:xfrm rot="20793906">
+            <a:off x="1916381" y="911360"/>
+            <a:ext cx="705469" cy="1821618"/>
+          </a:xfrm>
+          <a:prstGeom prst="wedgeRoundRectCallout">
+            <a:avLst>
+              <a:gd name="adj1" fmla="val 49488"/>
+              <a:gd name="adj2" fmla="val 68969"/>
+              <a:gd name="adj3" fmla="val 16667"/>
+            </a:avLst>
+          </a:prstGeom>
+          <a:ln/>
+        </p:spPr>
+        <p:style>
+          <a:lnRef idx="2">
+            <a:schemeClr val="accent4">
+              <a:shade val="50000"/>
+            </a:schemeClr>
+          </a:lnRef>
+          <a:fillRef idx="1">
+            <a:schemeClr val="accent4"/>
+          </a:fillRef>
+          <a:effectRef idx="0">
+            <a:schemeClr val="accent4"/>
+          </a:effectRef>
+          <a:fontRef idx="minor">
+            <a:schemeClr val="lt1"/>
+          </a:fontRef>
+        </p:style>
+        <p:txBody>
+          <a:bodyPr rtlCol="0" anchor="ctr"/>
+          <a:lstStyle/>
+          <a:p>
+            <a:pPr algn="ctr"/>
+            <a:endParaRPr kumimoji="1" lang="ja-JP" altLang="en-US"/>
+          </a:p>
+        </p:txBody>
+      </p:sp>
+      <p:sp>
+        <p:nvSpPr>
+          <p:cNvPr id="30" name="テキスト ボックス 29"/>
+          <p:cNvSpPr txBox="1"/>
+          <p:nvPr/>
+        </p:nvSpPr>
+        <p:spPr>
+          <a:xfrm rot="20682272">
+            <a:off x="2068933" y="1012174"/>
+            <a:ext cx="413795" cy="1754326"/>
+          </a:xfrm>
+          <a:prstGeom prst="rect">
+            <a:avLst/>
+          </a:prstGeom>
+          <a:noFill/>
+          <a:ln>
+            <a:noFill/>
+          </a:ln>
+        </p:spPr>
+        <p:style>
+          <a:lnRef idx="0">
+            <a:scrgbClr r="0" g="0" b="0"/>
+          </a:lnRef>
+          <a:fillRef idx="0">
+            <a:scrgbClr r="0" g="0" b="0"/>
+          </a:fillRef>
+          <a:effectRef idx="0">
+            <a:scrgbClr r="0" g="0" b="0"/>
+          </a:effectRef>
+          <a:fontRef idx="minor">
+            <a:schemeClr val="dk1"/>
+          </a:fontRef>
+        </p:style>
+        <p:txBody>
+          <a:bodyPr wrap="square" rtlCol="0">
+            <a:spAutoFit/>
+          </a:bodyPr>
+          <a:lstStyle/>
+          <a:p>
+            <a:r>
+              <a:rPr kumimoji="1" lang="ja-JP" altLang="en-US" dirty="0" smtClean="0"/>
+              <a:t>上から見た図</a:t>
+            </a:r>
+            <a:endParaRPr kumimoji="1" lang="ja-JP" altLang="en-US" dirty="0"/>
+          </a:p>
+        </p:txBody>
+      </p:sp>
+      <p:sp>
+        <p:nvSpPr>
+          <p:cNvPr id="39" name="正方形/長方形 38"/>
+          <p:cNvSpPr/>
+          <p:nvPr/>
+        </p:nvSpPr>
+        <p:spPr>
+          <a:xfrm>
+            <a:off x="3993019" y="314285"/>
+            <a:ext cx="3622432" cy="699047"/>
+          </a:xfrm>
+          <a:prstGeom prst="rect">
+            <a:avLst/>
+          </a:prstGeom>
+        </p:spPr>
+        <p:style>
+          <a:lnRef idx="2">
+            <a:schemeClr val="dk1"/>
+          </a:lnRef>
+          <a:fillRef idx="1">
+            <a:schemeClr val="lt1"/>
+          </a:fillRef>
+          <a:effectRef idx="0">
+            <a:schemeClr val="dk1"/>
+          </a:effectRef>
+          <a:fontRef idx="minor">
+            <a:schemeClr val="dk1"/>
+          </a:fontRef>
+        </p:style>
+        <p:txBody>
+          <a:bodyPr rtlCol="0" anchor="ctr"/>
+          <a:lstStyle/>
+          <a:p>
+            <a:pPr algn="ctr"/>
+            <a:endParaRPr kumimoji="1" lang="ja-JP" altLang="en-US"/>
+          </a:p>
+        </p:txBody>
+      </p:sp>
+      <p:sp>
+        <p:nvSpPr>
+          <p:cNvPr id="40" name="正方形/長方形 39"/>
+          <p:cNvSpPr/>
+          <p:nvPr/>
+        </p:nvSpPr>
+        <p:spPr>
+          <a:xfrm>
+            <a:off x="4891164" y="419788"/>
+            <a:ext cx="1826141" cy="584775"/>
+          </a:xfrm>
+          <a:prstGeom prst="rect">
+            <a:avLst/>
+          </a:prstGeom>
+        </p:spPr>
+        <p:txBody>
+          <a:bodyPr wrap="none">
+            <a:spAutoFit/>
+          </a:bodyPr>
+          <a:lstStyle/>
+          <a:p>
+            <a:r>
+              <a:rPr lang="ja-JP" altLang="en-US" sz="3200" dirty="0"/>
+              <a:t>モード１</a:t>
+            </a:r>
+            <a:endParaRPr lang="ja-JP" altLang="en-US" sz="3200" b="1" dirty="0"/>
+          </a:p>
+        </p:txBody>
+      </p:sp>
+      <p:sp>
+        <p:nvSpPr>
+          <p:cNvPr id="45" name="楕円 44"/>
+          <p:cNvSpPr/>
+          <p:nvPr/>
+        </p:nvSpPr>
+        <p:spPr>
+          <a:xfrm>
+            <a:off x="5975743" y="2479430"/>
+            <a:ext cx="2165933" cy="1940132"/>
+          </a:xfrm>
+          <a:prstGeom prst="ellipse">
+            <a:avLst/>
+          </a:prstGeom>
+          <a:solidFill>
+            <a:srgbClr val="FF3399"/>
+          </a:solidFill>
+          <a:ln>
+            <a:solidFill>
+              <a:srgbClr val="FF3399"/>
+            </a:solidFill>
+          </a:ln>
+        </p:spPr>
+        <p:style>
+          <a:lnRef idx="2">
+            <a:schemeClr val="accent2"/>
+          </a:lnRef>
+          <a:fillRef idx="1">
+            <a:schemeClr val="lt1"/>
+          </a:fillRef>
+          <a:effectRef idx="0">
+            <a:schemeClr val="accent2"/>
+          </a:effectRef>
+          <a:fontRef idx="minor">
+            <a:schemeClr val="dk1"/>
+          </a:fontRef>
+        </p:style>
+        <p:txBody>
+          <a:bodyPr rtlCol="0" anchor="ctr"/>
+          <a:lstStyle/>
+          <a:p>
+            <a:pPr algn="ctr"/>
+            <a:endParaRPr kumimoji="1" lang="ja-JP" altLang="en-US"/>
+          </a:p>
+        </p:txBody>
+      </p:sp>
+      <p:sp>
+        <p:nvSpPr>
+          <p:cNvPr id="47" name="テキスト ボックス 46"/>
+          <p:cNvSpPr txBox="1"/>
+          <p:nvPr/>
+        </p:nvSpPr>
+        <p:spPr>
+          <a:xfrm>
+            <a:off x="6398528" y="3095553"/>
+            <a:ext cx="1320361" cy="707886"/>
+          </a:xfrm>
+          <a:prstGeom prst="rect">
+            <a:avLst/>
+          </a:prstGeom>
+          <a:noFill/>
+        </p:spPr>
+        <p:txBody>
+          <a:bodyPr wrap="square" rtlCol="0">
+            <a:spAutoFit/>
+          </a:bodyPr>
+          <a:lstStyle/>
+          <a:p>
+            <a:pPr algn="ctr"/>
+            <a:r>
+              <a:rPr kumimoji="1" lang="ja-JP" altLang="en-US" sz="4000" b="1" dirty="0" smtClean="0">
+                <a:solidFill>
+                  <a:schemeClr val="bg2"/>
+                </a:solidFill>
+              </a:rPr>
+              <a:t>風船</a:t>
+            </a:r>
+            <a:endParaRPr kumimoji="1" lang="ja-JP" altLang="en-US" sz="4000" b="1" dirty="0">
+              <a:solidFill>
+                <a:schemeClr val="bg2"/>
+              </a:solidFill>
+            </a:endParaRPr>
+          </a:p>
+        </p:txBody>
+      </p:sp>
+      <p:sp>
+        <p:nvSpPr>
+          <p:cNvPr id="48" name="正方形/長方形 47"/>
+          <p:cNvSpPr/>
+          <p:nvPr/>
+        </p:nvSpPr>
+        <p:spPr>
+          <a:xfrm>
+            <a:off x="3837391" y="4382444"/>
+            <a:ext cx="2236254" cy="1309639"/>
+          </a:xfrm>
+          <a:prstGeom prst="rect">
+            <a:avLst/>
+          </a:prstGeom>
+          <a:ln w="38100"/>
+        </p:spPr>
+        <p:style>
+          <a:lnRef idx="2">
+            <a:schemeClr val="accent5"/>
+          </a:lnRef>
+          <a:fillRef idx="1">
+            <a:schemeClr val="lt1"/>
+          </a:fillRef>
+          <a:effectRef idx="0">
+            <a:schemeClr val="accent5"/>
+          </a:effectRef>
+          <a:fontRef idx="minor">
+            <a:schemeClr val="dk1"/>
+          </a:fontRef>
+        </p:style>
+        <p:txBody>
+          <a:bodyPr rtlCol="0" anchor="ctr"/>
+          <a:lstStyle/>
+          <a:p>
+            <a:pPr algn="ctr"/>
+            <a:endParaRPr kumimoji="1" lang="ja-JP" altLang="en-US"/>
+          </a:p>
+        </p:txBody>
+      </p:sp>
+      <p:sp>
+        <p:nvSpPr>
+          <p:cNvPr id="49" name="テキスト ボックス 48"/>
+          <p:cNvSpPr txBox="1"/>
+          <p:nvPr/>
+        </p:nvSpPr>
+        <p:spPr>
+          <a:xfrm>
+            <a:off x="4522545" y="4674560"/>
+            <a:ext cx="712177" cy="830997"/>
+          </a:xfrm>
+          <a:prstGeom prst="rect">
+            <a:avLst/>
+          </a:prstGeom>
+          <a:noFill/>
+        </p:spPr>
+        <p:txBody>
+          <a:bodyPr wrap="square" rtlCol="0">
+            <a:spAutoFit/>
+          </a:bodyPr>
+          <a:lstStyle/>
+          <a:p>
+            <a:pPr algn="ctr"/>
+            <a:r>
+              <a:rPr kumimoji="1" lang="ja-JP" altLang="en-US" sz="4800" b="1" dirty="0" smtClean="0"/>
+              <a:t>車</a:t>
+            </a:r>
+            <a:endParaRPr kumimoji="1" lang="ja-JP" altLang="en-US" sz="4800" b="1" dirty="0"/>
+          </a:p>
+        </p:txBody>
+      </p:sp>
+      <p:pic>
+        <p:nvPicPr>
+          <p:cNvPr id="50" name="図 49"/>
+          <p:cNvPicPr>
+            <a:picLocks noChangeAspect="1"/>
+          </p:cNvPicPr>
+          <p:nvPr/>
+        </p:nvPicPr>
+        <p:blipFill>
+          <a:blip r:embed="rId2">
+            <a:extLst>
+              <a:ext uri="{BEBA8EAE-BF5A-486C-A8C5-ECC9F3942E4B}">
+                <a14:imgProps xmlns:a14="http://schemas.microsoft.com/office/drawing/2010/main">
+                  <a14:imgLayer r:embed="rId3">
+                    <a14:imgEffect>
+                      <a14:backgroundRemoval t="10000" b="90000" l="2053" r="95894"/>
+                    </a14:imgEffect>
+                  </a14:imgLayer>
+                </a14:imgProps>
+              </a:ext>
+            </a:extLst>
+          </a:blip>
+          <a:stretch>
+            <a:fillRect/>
+          </a:stretch>
+        </p:blipFill>
+        <p:spPr>
+          <a:xfrm>
+            <a:off x="5595338" y="3581611"/>
+            <a:ext cx="1606377" cy="1601666"/>
+          </a:xfrm>
+          <a:prstGeom prst="rect">
+            <a:avLst/>
+          </a:prstGeom>
+        </p:spPr>
+      </p:pic>
+    </p:spTree>
+    <p:extLst>
+      <p:ext uri="{BB962C8B-B14F-4D97-AF65-F5344CB8AC3E}">
+        <p14:creationId xmlns:p14="http://schemas.microsoft.com/office/powerpoint/2010/main" val="1859998447"/>
+      </p:ext>
+    </p:extLst>
+  </p:cSld>
+  <p:clrMapOvr>
+    <a:masterClrMapping/>
+  </p:clrMapOvr>
+  <mc:AlternateContent xmlns:mc="http://schemas.openxmlformats.org/markup-compatibility/2006">
+    <mc:Choice xmlns:p14="http://schemas.microsoft.com/office/powerpoint/2010/main" Requires="p14">
+      <p:transition spd="slow" p14:dur="2000"/>
+    </mc:Choice>
+    <mc:Fallback>
+      <p:transition spd="slow"/>
+    </mc:Fallback>
+  </mc:AlternateContent>
+</p:sld>
+</file>
+
+<file path=ppt/slides/slide11.xml><?xml version="1.0" encoding="utf-8"?>
+<p:sld xmlns:a="http://schemas.openxmlformats.org/drawingml/2006/main" xmlns:r="http://schemas.openxmlformats.org/officeDocument/2006/relationships" xmlns:p="http://schemas.openxmlformats.org/presentationml/2006/main">
+  <p:cSld>
+    <p:spTree>
+      <p:nvGrpSpPr>
+        <p:cNvPr id="1" name=""/>
+        <p:cNvGrpSpPr/>
+        <p:nvPr/>
+      </p:nvGrpSpPr>
+      <p:grpSpPr>
+        <a:xfrm>
+          <a:off x="0" y="0"/>
+          <a:ext cx="0" cy="0"/>
+          <a:chOff x="0" y="0"/>
+          <a:chExt cx="0" cy="0"/>
+        </a:xfrm>
+      </p:grpSpPr>
+      <p:sp>
+        <p:nvSpPr>
+          <p:cNvPr id="2" name="タイトル 1"/>
+          <p:cNvSpPr>
+            <a:spLocks noGrp="1"/>
+          </p:cNvSpPr>
+          <p:nvPr>
+            <p:ph type="title"/>
+          </p:nvPr>
+        </p:nvSpPr>
+        <p:spPr>
+          <a:xfrm>
+            <a:off x="732692" y="2545617"/>
+            <a:ext cx="10515600" cy="1325563"/>
+          </a:xfrm>
+        </p:spPr>
+        <p:txBody>
+          <a:bodyPr>
+            <a:normAutofit/>
+          </a:bodyPr>
+          <a:lstStyle/>
+          <a:p>
+            <a:pPr algn="ctr"/>
+            <a:r>
+              <a:rPr lang="ja-JP" altLang="en-US" sz="7200" dirty="0" smtClean="0"/>
+              <a:t>モード２</a:t>
+            </a:r>
+            <a:endParaRPr kumimoji="1" lang="ja-JP" altLang="en-US" sz="7200" dirty="0"/>
+          </a:p>
+        </p:txBody>
+      </p:sp>
+    </p:spTree>
+    <p:extLst>
+      <p:ext uri="{BB962C8B-B14F-4D97-AF65-F5344CB8AC3E}">
+        <p14:creationId xmlns:p14="http://schemas.microsoft.com/office/powerpoint/2010/main" val="3644831302"/>
+      </p:ext>
+    </p:extLst>
+  </p:cSld>
+  <p:clrMapOvr>
+    <a:masterClrMapping/>
+  </p:clrMapOvr>
+  <mc:AlternateContent xmlns:mc="http://schemas.openxmlformats.org/markup-compatibility/2006">
+    <mc:Choice xmlns:p14="http://schemas.microsoft.com/office/powerpoint/2010/main" Requires="p14">
+      <p:transition spd="slow" p14:dur="2000"/>
+    </mc:Choice>
+    <mc:Fallback>
+      <p:transition spd="slow"/>
+    </mc:Fallback>
+  </mc:AlternateContent>
+</p:sld>
+</file>
+
+<file path=ppt/slides/slide12.xml><?xml version="1.0" encoding="utf-8"?>
+<p:sld xmlns:a="http://schemas.openxmlformats.org/drawingml/2006/main" xmlns:r="http://schemas.openxmlformats.org/officeDocument/2006/relationships" xmlns:p="http://schemas.openxmlformats.org/presentationml/2006/main">
+  <p:cSld>
+    <p:spTree>
+      <p:nvGrpSpPr>
+        <p:cNvPr id="1" name=""/>
+        <p:cNvGrpSpPr/>
+        <p:nvPr/>
+      </p:nvGrpSpPr>
+      <p:grpSpPr>
+        <a:xfrm>
+          <a:off x="0" y="0"/>
+          <a:ext cx="0" cy="0"/>
+          <a:chOff x="0" y="0"/>
+          <a:chExt cx="0" cy="0"/>
+        </a:xfrm>
+      </p:grpSpPr>
+      <p:sp>
+        <p:nvSpPr>
+          <p:cNvPr id="4" name="フローチャート: 磁気ディスク 3"/>
+          <p:cNvSpPr/>
+          <p:nvPr/>
+        </p:nvSpPr>
+        <p:spPr>
+          <a:xfrm>
+            <a:off x="3226777" y="2998176"/>
+            <a:ext cx="5389685" cy="3692770"/>
+          </a:xfrm>
+          <a:prstGeom prst="flowChartMagneticDisk">
+            <a:avLst/>
+          </a:prstGeom>
+        </p:spPr>
+        <p:style>
+          <a:lnRef idx="2">
+            <a:schemeClr val="accent1">
+              <a:shade val="50000"/>
+            </a:schemeClr>
+          </a:lnRef>
+          <a:fillRef idx="1">
+            <a:schemeClr val="accent1"/>
+          </a:fillRef>
+          <a:effectRef idx="0">
+            <a:schemeClr val="accent1"/>
+          </a:effectRef>
+          <a:fontRef idx="minor">
+            <a:schemeClr val="lt1"/>
+          </a:fontRef>
+        </p:style>
+        <p:txBody>
+          <a:bodyPr rtlCol="0" anchor="ctr"/>
+          <a:lstStyle/>
+          <a:p>
+            <a:pPr algn="ctr"/>
+            <a:endParaRPr kumimoji="1" lang="ja-JP" altLang="en-US">
+              <a:ln w="28575">
+                <a:solidFill>
+                  <a:schemeClr val="tx1"/>
+                </a:solidFill>
+              </a:ln>
+            </a:endParaRPr>
+          </a:p>
+        </p:txBody>
+      </p:sp>
+      <p:pic>
+        <p:nvPicPr>
+          <p:cNvPr id="1026" name="Picture 2" descr="まとめ】車の無料イラスト素材｜イラストイメージ"/>
+          <p:cNvPicPr>
+            <a:picLocks noChangeAspect="1" noChangeArrowheads="1"/>
+          </p:cNvPicPr>
+          <p:nvPr/>
+        </p:nvPicPr>
+        <p:blipFill rotWithShape="1">
+          <a:blip r:embed="rId2">
+            <a:extLst>
+              <a:ext uri="{BEBA8EAE-BF5A-486C-A8C5-ECC9F3942E4B}">
+                <a14:imgProps xmlns:a14="http://schemas.microsoft.com/office/drawing/2010/main">
+                  <a14:imgLayer r:embed="rId3">
+                    <a14:imgEffect>
+                      <a14:backgroundRemoval t="27500" b="74167" l="10000" r="91667"/>
+                    </a14:imgEffect>
+                  </a14:imgLayer>
+                </a14:imgProps>
+              </a:ext>
+              <a:ext uri="{28A0092B-C50C-407E-A947-70E740481C1C}">
+                <a14:useLocalDpi xmlns:a14="http://schemas.microsoft.com/office/drawing/2010/main" val="0"/>
+              </a:ext>
+            </a:extLst>
+          </a:blip>
+          <a:srcRect l="9232" t="27790" r="8845" b="25671"/>
+          <a:stretch/>
+        </p:blipFill>
+        <p:spPr bwMode="auto">
+          <a:xfrm>
+            <a:off x="6200042" y="2466241"/>
+            <a:ext cx="1872761" cy="1063870"/>
+          </a:xfrm>
+          <a:prstGeom prst="rect">
+            <a:avLst/>
+          </a:prstGeom>
+          <a:noFill/>
+          <a:extLst>
+            <a:ext uri="{909E8E84-426E-40DD-AFC4-6F175D3DCCD1}">
+              <a14:hiddenFill xmlns:a14="http://schemas.microsoft.com/office/drawing/2010/main">
+                <a:solidFill>
+                  <a:srgbClr val="FFFFFF"/>
+                </a:solidFill>
+              </a14:hiddenFill>
+            </a:ext>
+          </a:extLst>
+        </p:spPr>
+      </p:pic>
+      <p:pic>
+        <p:nvPicPr>
+          <p:cNvPr id="7" name="図 6"/>
+          <p:cNvPicPr>
+            <a:picLocks noChangeAspect="1"/>
+          </p:cNvPicPr>
+          <p:nvPr/>
+        </p:nvPicPr>
+        <p:blipFill rotWithShape="1">
+          <a:blip r:embed="rId4">
+            <a:extLst>
+              <a:ext uri="{BEBA8EAE-BF5A-486C-A8C5-ECC9F3942E4B}">
+                <a14:imgProps xmlns:a14="http://schemas.microsoft.com/office/drawing/2010/main">
+                  <a14:imgLayer r:embed="rId5">
+                    <a14:imgEffect>
+                      <a14:backgroundRemoval t="27917" b="74167" l="9167" r="89167"/>
+                    </a14:imgEffect>
+                  </a14:imgLayer>
+                </a14:imgProps>
+              </a:ext>
+            </a:extLst>
+          </a:blip>
+          <a:srcRect l="9052" t="29808" r="9483" b="25961"/>
+          <a:stretch/>
+        </p:blipFill>
+        <p:spPr>
+          <a:xfrm flipH="1">
+            <a:off x="3644412" y="2925820"/>
+            <a:ext cx="1872761" cy="1011116"/>
+          </a:xfrm>
+          <a:prstGeom prst="rect">
+            <a:avLst/>
+          </a:prstGeom>
+        </p:spPr>
+      </p:pic>
+      <p:pic>
+        <p:nvPicPr>
+          <p:cNvPr id="2" name="図 1"/>
+          <p:cNvPicPr>
+            <a:picLocks noChangeAspect="1"/>
+          </p:cNvPicPr>
+          <p:nvPr/>
+        </p:nvPicPr>
+        <p:blipFill rotWithShape="1">
+          <a:blip r:embed="rId6">
+            <a:extLst>
+              <a:ext uri="{BEBA8EAE-BF5A-486C-A8C5-ECC9F3942E4B}">
+                <a14:imgProps xmlns:a14="http://schemas.microsoft.com/office/drawing/2010/main">
+                  <a14:imgLayer r:embed="rId7">
+                    <a14:imgEffect>
+                      <a14:backgroundRemoval t="1471" b="91765" l="4706" r="99412">
+                        <a14:foregroundMark x1="15588" y1="40000" x2="29412" y2="69118"/>
+                        <a14:foregroundMark x1="46176" y1="10294" x2="46765" y2="18824"/>
+                        <a14:foregroundMark x1="34706" y1="28235" x2="36176" y2="36471"/>
+                        <a14:foregroundMark x1="51471" y1="70294" x2="52941" y2="75588"/>
+                        <a14:foregroundMark x1="81471" y1="37941" x2="82059" y2="55294"/>
+                        <a14:foregroundMark x1="82941" y1="59706" x2="83824" y2="65294"/>
+                        <a14:foregroundMark x1="52647" y1="50882" x2="62353" y2="53235"/>
+                      </a14:backgroundRemoval>
+                    </a14:imgEffect>
+                  </a14:imgLayer>
+                </a14:imgProps>
+              </a:ext>
+            </a:extLst>
+          </a:blip>
+          <a:srcRect l="5113" b="7827"/>
+          <a:stretch/>
+        </p:blipFill>
+        <p:spPr>
+          <a:xfrm>
+            <a:off x="5088991" y="2363436"/>
+            <a:ext cx="1487892" cy="1445326"/>
+          </a:xfrm>
+          <a:prstGeom prst="rect">
+            <a:avLst/>
+          </a:prstGeom>
+        </p:spPr>
+      </p:pic>
+      <p:sp>
+        <p:nvSpPr>
+          <p:cNvPr id="9" name="正方形/長方形 8"/>
+          <p:cNvSpPr/>
+          <p:nvPr/>
+        </p:nvSpPr>
+        <p:spPr>
+          <a:xfrm>
+            <a:off x="1667513" y="1648072"/>
+            <a:ext cx="8487602" cy="5139590"/>
+          </a:xfrm>
+          <a:prstGeom prst="rect">
+            <a:avLst/>
+          </a:prstGeom>
+          <a:noFill/>
+          <a:ln w="28575" cap="flat" cmpd="sng" algn="ctr">
+            <a:solidFill>
+              <a:schemeClr val="dk1"/>
+            </a:solidFill>
+            <a:prstDash val="solid"/>
+            <a:round/>
+            <a:headEnd type="none" w="med" len="med"/>
+            <a:tailEnd type="none" w="med" len="med"/>
+          </a:ln>
+        </p:spPr>
+        <p:style>
+          <a:lnRef idx="0">
+            <a:scrgbClr r="0" g="0" b="0"/>
+          </a:lnRef>
+          <a:fillRef idx="0">
+            <a:scrgbClr r="0" g="0" b="0"/>
+          </a:fillRef>
+          <a:effectRef idx="0">
+            <a:scrgbClr r="0" g="0" b="0"/>
+          </a:effectRef>
+          <a:fontRef idx="minor">
+            <a:schemeClr val="dk1"/>
+          </a:fontRef>
+        </p:style>
+        <p:txBody>
+          <a:bodyPr rtlCol="0" anchor="ctr"/>
+          <a:lstStyle/>
+          <a:p>
+            <a:pPr algn="ctr"/>
+            <a:endParaRPr kumimoji="1" lang="ja-JP" altLang="en-US"/>
+          </a:p>
+        </p:txBody>
+      </p:sp>
+      <p:sp>
+        <p:nvSpPr>
+          <p:cNvPr id="5" name="正方形/長方形 4"/>
+          <p:cNvSpPr/>
+          <p:nvPr/>
+        </p:nvSpPr>
+        <p:spPr>
+          <a:xfrm>
+            <a:off x="3993019" y="314285"/>
+            <a:ext cx="3622432" cy="699047"/>
+          </a:xfrm>
+          <a:prstGeom prst="rect">
+            <a:avLst/>
+          </a:prstGeom>
+          <a:solidFill>
+            <a:schemeClr val="bg1"/>
+          </a:solidFill>
+        </p:spPr>
+        <p:style>
+          <a:lnRef idx="2">
+            <a:schemeClr val="dk1"/>
+          </a:lnRef>
+          <a:fillRef idx="1">
+            <a:schemeClr val="lt1"/>
+          </a:fillRef>
+          <a:effectRef idx="0">
+            <a:schemeClr val="dk1"/>
+          </a:effectRef>
+          <a:fontRef idx="minor">
+            <a:schemeClr val="dk1"/>
+          </a:fontRef>
+        </p:style>
+        <p:txBody>
+          <a:bodyPr rtlCol="0" anchor="ctr"/>
+          <a:lstStyle/>
+          <a:p>
+            <a:pPr algn="ctr"/>
+            <a:endParaRPr kumimoji="1" lang="ja-JP" altLang="en-US"/>
+          </a:p>
+        </p:txBody>
+      </p:sp>
+      <p:sp>
+        <p:nvSpPr>
+          <p:cNvPr id="6" name="正方形/長方形 5"/>
+          <p:cNvSpPr/>
+          <p:nvPr/>
+        </p:nvSpPr>
+        <p:spPr>
+          <a:xfrm>
+            <a:off x="4891164" y="419788"/>
+            <a:ext cx="1826141" cy="584775"/>
+          </a:xfrm>
+          <a:prstGeom prst="rect">
+            <a:avLst/>
+          </a:prstGeom>
+        </p:spPr>
+        <p:txBody>
+          <a:bodyPr wrap="none">
+            <a:spAutoFit/>
+          </a:bodyPr>
+          <a:lstStyle/>
+          <a:p>
+            <a:r>
+              <a:rPr lang="ja-JP" altLang="en-US" sz="3200" dirty="0" smtClean="0"/>
+              <a:t>モード２</a:t>
+            </a:r>
+            <a:endParaRPr lang="ja-JP" altLang="en-US" sz="3200" b="1" dirty="0"/>
+          </a:p>
+        </p:txBody>
+      </p:sp>
+      <p:sp>
+        <p:nvSpPr>
+          <p:cNvPr id="10" name="角丸四角形 9"/>
+          <p:cNvSpPr/>
+          <p:nvPr/>
+        </p:nvSpPr>
+        <p:spPr>
+          <a:xfrm>
+            <a:off x="3644412" y="1235282"/>
+            <a:ext cx="4203540" cy="906203"/>
+          </a:xfrm>
+          <a:prstGeom prst="roundRect">
+            <a:avLst/>
+          </a:prstGeom>
+        </p:spPr>
+        <p:style>
+          <a:lnRef idx="1">
+            <a:schemeClr val="accent2"/>
+          </a:lnRef>
+          <a:fillRef idx="2">
+            <a:schemeClr val="accent2"/>
+          </a:fillRef>
+          <a:effectRef idx="1">
+            <a:schemeClr val="accent2"/>
+          </a:effectRef>
+          <a:fontRef idx="minor">
+            <a:schemeClr val="dk1"/>
+          </a:fontRef>
+        </p:style>
+        <p:txBody>
+          <a:bodyPr rtlCol="0" anchor="ctr"/>
+          <a:lstStyle/>
+          <a:p>
+            <a:pPr algn="ctr"/>
+            <a:endParaRPr kumimoji="1" lang="ja-JP" altLang="en-US"/>
+          </a:p>
+        </p:txBody>
+      </p:sp>
+      <p:sp>
+        <p:nvSpPr>
+          <p:cNvPr id="11" name="テキスト ボックス 10"/>
+          <p:cNvSpPr txBox="1"/>
+          <p:nvPr/>
+        </p:nvSpPr>
+        <p:spPr>
+          <a:xfrm>
+            <a:off x="3793968" y="1247975"/>
+            <a:ext cx="4053984" cy="830997"/>
+          </a:xfrm>
+          <a:prstGeom prst="rect">
+            <a:avLst/>
+          </a:prstGeom>
+          <a:noFill/>
+        </p:spPr>
+        <p:txBody>
+          <a:bodyPr wrap="square" rtlCol="0">
+            <a:spAutoFit/>
+          </a:bodyPr>
+          <a:lstStyle/>
+          <a:p>
+            <a:pPr algn="ctr"/>
+            <a:r>
+              <a:rPr kumimoji="1" lang="ja-JP" altLang="en-US" sz="4800" dirty="0" smtClean="0"/>
+              <a:t>タイトルロゴ</a:t>
+            </a:r>
+            <a:endParaRPr kumimoji="1" lang="ja-JP" altLang="en-US" sz="4800" dirty="0"/>
+          </a:p>
+        </p:txBody>
+      </p:sp>
+    </p:spTree>
+    <p:extLst>
+      <p:ext uri="{BB962C8B-B14F-4D97-AF65-F5344CB8AC3E}">
+        <p14:creationId xmlns:p14="http://schemas.microsoft.com/office/powerpoint/2010/main" val="820925761"/>
+      </p:ext>
+    </p:extLst>
+  </p:cSld>
+  <p:clrMapOvr>
+    <a:masterClrMapping/>
+  </p:clrMapOvr>
+</p:sld>
+</file>
+
+<file path=ppt/slides/slide13.xml><?xml version="1.0" encoding="utf-8"?>
+<p:sld xmlns:a="http://schemas.openxmlformats.org/drawingml/2006/main" xmlns:r="http://schemas.openxmlformats.org/officeDocument/2006/relationships" xmlns:p="http://schemas.openxmlformats.org/presentationml/2006/main">
+  <p:cSld>
+    <p:spTree>
+      <p:nvGrpSpPr>
+        <p:cNvPr id="1" name=""/>
+        <p:cNvGrpSpPr/>
+        <p:nvPr/>
+      </p:nvGrpSpPr>
+      <p:grpSpPr>
+        <a:xfrm>
+          <a:off x="0" y="0"/>
+          <a:ext cx="0" cy="0"/>
+          <a:chOff x="0" y="0"/>
+          <a:chExt cx="0" cy="0"/>
+        </a:xfrm>
+      </p:grpSpPr>
+      <p:sp>
+        <p:nvSpPr>
+          <p:cNvPr id="29" name="角丸四角形吹き出し 28"/>
+          <p:cNvSpPr/>
+          <p:nvPr/>
+        </p:nvSpPr>
+        <p:spPr>
+          <a:xfrm rot="20793906">
+            <a:off x="1834514" y="1061594"/>
+            <a:ext cx="705469" cy="1821618"/>
+          </a:xfrm>
+          <a:prstGeom prst="wedgeRoundRectCallout">
+            <a:avLst>
+              <a:gd name="adj1" fmla="val 49488"/>
+              <a:gd name="adj2" fmla="val 68969"/>
+              <a:gd name="adj3" fmla="val 16667"/>
+            </a:avLst>
+          </a:prstGeom>
+          <a:ln/>
+        </p:spPr>
+        <p:style>
+          <a:lnRef idx="2">
+            <a:schemeClr val="accent4">
+              <a:shade val="50000"/>
+            </a:schemeClr>
+          </a:lnRef>
+          <a:fillRef idx="1">
+            <a:schemeClr val="accent4"/>
+          </a:fillRef>
+          <a:effectRef idx="0">
+            <a:schemeClr val="accent4"/>
+          </a:effectRef>
+          <a:fontRef idx="minor">
+            <a:schemeClr val="lt1"/>
+          </a:fontRef>
+        </p:style>
+        <p:txBody>
+          <a:bodyPr rtlCol="0" anchor="ctr"/>
+          <a:lstStyle/>
+          <a:p>
+            <a:pPr algn="ctr"/>
+            <a:endParaRPr kumimoji="1" lang="ja-JP" altLang="en-US"/>
+          </a:p>
+        </p:txBody>
+      </p:sp>
+      <p:sp>
+        <p:nvSpPr>
+          <p:cNvPr id="30" name="テキスト ボックス 29"/>
+          <p:cNvSpPr txBox="1"/>
+          <p:nvPr/>
+        </p:nvSpPr>
+        <p:spPr>
+          <a:xfrm rot="20682272">
+            <a:off x="1987066" y="1162331"/>
+            <a:ext cx="413795" cy="1754326"/>
+          </a:xfrm>
+          <a:prstGeom prst="rect">
+            <a:avLst/>
+          </a:prstGeom>
+          <a:noFill/>
+          <a:ln>
+            <a:noFill/>
+          </a:ln>
+        </p:spPr>
+        <p:style>
+          <a:lnRef idx="0">
+            <a:scrgbClr r="0" g="0" b="0"/>
+          </a:lnRef>
+          <a:fillRef idx="0">
+            <a:scrgbClr r="0" g="0" b="0"/>
+          </a:fillRef>
+          <a:effectRef idx="0">
+            <a:scrgbClr r="0" g="0" b="0"/>
+          </a:effectRef>
+          <a:fontRef idx="minor">
+            <a:schemeClr val="dk1"/>
+          </a:fontRef>
+        </p:style>
+        <p:txBody>
+          <a:bodyPr wrap="square" rtlCol="0">
+            <a:spAutoFit/>
+          </a:bodyPr>
+          <a:lstStyle/>
+          <a:p>
+            <a:r>
+              <a:rPr kumimoji="1" lang="ja-JP" altLang="en-US" dirty="0" smtClean="0"/>
+              <a:t>上から見た図</a:t>
+            </a:r>
+            <a:endParaRPr kumimoji="1" lang="ja-JP" altLang="en-US" dirty="0"/>
+          </a:p>
+        </p:txBody>
+      </p:sp>
+      <p:sp>
+        <p:nvSpPr>
+          <p:cNvPr id="39" name="正方形/長方形 38"/>
+          <p:cNvSpPr/>
+          <p:nvPr/>
+        </p:nvSpPr>
+        <p:spPr>
+          <a:xfrm>
+            <a:off x="3993019" y="314285"/>
+            <a:ext cx="3622432" cy="699047"/>
+          </a:xfrm>
+          <a:prstGeom prst="rect">
+            <a:avLst/>
+          </a:prstGeom>
+        </p:spPr>
+        <p:style>
+          <a:lnRef idx="2">
+            <a:schemeClr val="dk1"/>
+          </a:lnRef>
+          <a:fillRef idx="1">
+            <a:schemeClr val="lt1"/>
+          </a:fillRef>
+          <a:effectRef idx="0">
+            <a:schemeClr val="dk1"/>
+          </a:effectRef>
+          <a:fontRef idx="minor">
+            <a:schemeClr val="dk1"/>
+          </a:fontRef>
+        </p:style>
+        <p:txBody>
+          <a:bodyPr rtlCol="0" anchor="ctr"/>
+          <a:lstStyle/>
+          <a:p>
+            <a:pPr algn="ctr"/>
+            <a:endParaRPr kumimoji="1" lang="ja-JP" altLang="en-US"/>
+          </a:p>
+        </p:txBody>
+      </p:sp>
+      <p:sp>
+        <p:nvSpPr>
+          <p:cNvPr id="40" name="正方形/長方形 39"/>
+          <p:cNvSpPr/>
+          <p:nvPr/>
+        </p:nvSpPr>
+        <p:spPr>
+          <a:xfrm>
+            <a:off x="4891164" y="419788"/>
+            <a:ext cx="1826141" cy="584775"/>
+          </a:xfrm>
+          <a:prstGeom prst="rect">
+            <a:avLst/>
+          </a:prstGeom>
+        </p:spPr>
+        <p:txBody>
+          <a:bodyPr wrap="none">
+            <a:spAutoFit/>
+          </a:bodyPr>
+          <a:lstStyle/>
+          <a:p>
+            <a:r>
+              <a:rPr lang="ja-JP" altLang="en-US" sz="3200" dirty="0" smtClean="0"/>
+              <a:t>モード２</a:t>
+            </a:r>
+            <a:endParaRPr lang="ja-JP" altLang="en-US" sz="3200" b="1" dirty="0"/>
+          </a:p>
+        </p:txBody>
+      </p:sp>
+      <p:sp>
+        <p:nvSpPr>
+          <p:cNvPr id="48" name="正方形/長方形 47"/>
+          <p:cNvSpPr/>
+          <p:nvPr/>
+        </p:nvSpPr>
+        <p:spPr>
+          <a:xfrm rot="20287922">
+            <a:off x="3284477" y="4172247"/>
+            <a:ext cx="2032975" cy="1299916"/>
+          </a:xfrm>
+          <a:prstGeom prst="rect">
+            <a:avLst/>
+          </a:prstGeom>
+          <a:ln w="38100"/>
+        </p:spPr>
+        <p:style>
+          <a:lnRef idx="2">
+            <a:schemeClr val="accent5"/>
+          </a:lnRef>
+          <a:fillRef idx="1">
+            <a:schemeClr val="lt1"/>
+          </a:fillRef>
+          <a:effectRef idx="0">
+            <a:schemeClr val="accent5"/>
+          </a:effectRef>
+          <a:fontRef idx="minor">
+            <a:schemeClr val="dk1"/>
+          </a:fontRef>
+        </p:style>
+        <p:txBody>
+          <a:bodyPr rtlCol="0" anchor="ctr"/>
+          <a:lstStyle/>
+          <a:p>
+            <a:pPr algn="ctr"/>
+            <a:endParaRPr kumimoji="1" lang="ja-JP" altLang="en-US"/>
+          </a:p>
+        </p:txBody>
+      </p:sp>
+      <p:sp>
+        <p:nvSpPr>
+          <p:cNvPr id="49" name="テキスト ボックス 48"/>
+          <p:cNvSpPr txBox="1"/>
+          <p:nvPr/>
+        </p:nvSpPr>
+        <p:spPr>
+          <a:xfrm>
+            <a:off x="3964129" y="4426157"/>
+            <a:ext cx="647439" cy="824828"/>
+          </a:xfrm>
+          <a:prstGeom prst="rect">
+            <a:avLst/>
+          </a:prstGeom>
+          <a:noFill/>
+        </p:spPr>
+        <p:txBody>
+          <a:bodyPr wrap="square" rtlCol="0">
+            <a:spAutoFit/>
+          </a:bodyPr>
+          <a:lstStyle/>
+          <a:p>
+            <a:pPr algn="ctr"/>
+            <a:r>
+              <a:rPr kumimoji="1" lang="ja-JP" altLang="en-US" sz="4800" b="1" dirty="0" smtClean="0"/>
+              <a:t>車</a:t>
+            </a:r>
+            <a:endParaRPr kumimoji="1" lang="ja-JP" altLang="en-US" sz="4800" b="1" dirty="0"/>
+          </a:p>
+        </p:txBody>
+      </p:sp>
+      <p:sp>
+        <p:nvSpPr>
+          <p:cNvPr id="13" name="正方形/長方形 12"/>
+          <p:cNvSpPr/>
+          <p:nvPr/>
+        </p:nvSpPr>
+        <p:spPr>
+          <a:xfrm rot="20132869">
+            <a:off x="7107742" y="2643580"/>
+            <a:ext cx="1867369" cy="1148853"/>
+          </a:xfrm>
+          <a:prstGeom prst="rect">
+            <a:avLst/>
+          </a:prstGeom>
+          <a:ln w="38100">
+            <a:solidFill>
+              <a:srgbClr val="FF0000"/>
+            </a:solidFill>
+          </a:ln>
+        </p:spPr>
+        <p:style>
+          <a:lnRef idx="2">
+            <a:schemeClr val="accent5"/>
+          </a:lnRef>
+          <a:fillRef idx="1">
+            <a:schemeClr val="lt1"/>
+          </a:fillRef>
+          <a:effectRef idx="0">
+            <a:schemeClr val="accent5"/>
+          </a:effectRef>
+          <a:fontRef idx="minor">
+            <a:schemeClr val="dk1"/>
+          </a:fontRef>
+        </p:style>
+        <p:txBody>
+          <a:bodyPr rtlCol="0" anchor="ctr"/>
+          <a:lstStyle/>
+          <a:p>
+            <a:pPr algn="ctr"/>
+            <a:endParaRPr kumimoji="1" lang="ja-JP" altLang="en-US"/>
+          </a:p>
+        </p:txBody>
+      </p:sp>
+      <p:sp>
+        <p:nvSpPr>
+          <p:cNvPr id="14" name="テキスト ボックス 13"/>
+          <p:cNvSpPr txBox="1"/>
+          <p:nvPr/>
+        </p:nvSpPr>
+        <p:spPr>
+          <a:xfrm>
+            <a:off x="7666534" y="2882916"/>
+            <a:ext cx="712177" cy="769441"/>
+          </a:xfrm>
+          <a:prstGeom prst="rect">
+            <a:avLst/>
+          </a:prstGeom>
+          <a:noFill/>
+        </p:spPr>
+        <p:txBody>
+          <a:bodyPr wrap="square" rtlCol="0">
+            <a:spAutoFit/>
+          </a:bodyPr>
+          <a:lstStyle/>
+          <a:p>
+            <a:pPr algn="ctr"/>
+            <a:r>
+              <a:rPr kumimoji="1" lang="ja-JP" altLang="en-US" sz="4400" b="1" dirty="0" smtClean="0"/>
+              <a:t>車</a:t>
+            </a:r>
+            <a:endParaRPr kumimoji="1" lang="ja-JP" altLang="en-US" sz="4400" b="1" dirty="0"/>
+          </a:p>
+        </p:txBody>
+      </p:sp>
+      <p:pic>
+        <p:nvPicPr>
+          <p:cNvPr id="15" name="図 14"/>
+          <p:cNvPicPr>
+            <a:picLocks noChangeAspect="1"/>
+          </p:cNvPicPr>
+          <p:nvPr/>
+        </p:nvPicPr>
+        <p:blipFill rotWithShape="1">
+          <a:blip r:embed="rId2">
+            <a:extLst>
+              <a:ext uri="{BEBA8EAE-BF5A-486C-A8C5-ECC9F3942E4B}">
+                <a14:imgProps xmlns:a14="http://schemas.microsoft.com/office/drawing/2010/main">
+                  <a14:imgLayer r:embed="rId3">
+                    <a14:imgEffect>
+                      <a14:backgroundRemoval t="1471" b="91765" l="4706" r="99412">
+                        <a14:foregroundMark x1="15588" y1="40000" x2="29412" y2="69118"/>
+                        <a14:foregroundMark x1="46176" y1="10294" x2="46765" y2="18824"/>
+                        <a14:foregroundMark x1="34706" y1="28235" x2="36176" y2="36471"/>
+                        <a14:foregroundMark x1="51471" y1="70294" x2="52941" y2="75588"/>
+                        <a14:foregroundMark x1="81471" y1="37941" x2="82059" y2="55294"/>
+                        <a14:foregroundMark x1="82941" y1="59706" x2="83824" y2="65294"/>
+                        <a14:foregroundMark x1="52647" y1="50882" x2="62353" y2="53235"/>
+                      </a14:backgroundRemoval>
+                    </a14:imgEffect>
+                  </a14:imgLayer>
+                </a14:imgProps>
+              </a:ext>
+            </a:extLst>
+          </a:blip>
+          <a:srcRect l="5113" b="7827"/>
+          <a:stretch/>
+        </p:blipFill>
+        <p:spPr>
+          <a:xfrm>
+            <a:off x="5651249" y="3343534"/>
+            <a:ext cx="1487892" cy="1445326"/>
+          </a:xfrm>
+          <a:prstGeom prst="rect">
+            <a:avLst/>
+          </a:prstGeom>
+        </p:spPr>
+      </p:pic>
+      <p:sp>
+        <p:nvSpPr>
+          <p:cNvPr id="18" name="楕円 17"/>
+          <p:cNvSpPr/>
+          <p:nvPr/>
+        </p:nvSpPr>
+        <p:spPr>
+          <a:xfrm>
+            <a:off x="2655278" y="1155276"/>
+            <a:ext cx="6805246" cy="5539595"/>
+          </a:xfrm>
+          <a:prstGeom prst="ellipse">
+            <a:avLst/>
+          </a:prstGeom>
+          <a:noFill/>
+          <a:ln w="57150">
+            <a:solidFill>
+              <a:schemeClr val="tx1"/>
+            </a:solidFill>
+          </a:ln>
+        </p:spPr>
+        <p:style>
+          <a:lnRef idx="2">
+            <a:schemeClr val="accent1">
+              <a:shade val="50000"/>
+            </a:schemeClr>
+          </a:lnRef>
+          <a:fillRef idx="1">
+            <a:schemeClr val="accent1"/>
+          </a:fillRef>
+          <a:effectRef idx="0">
+            <a:schemeClr val="accent1"/>
+          </a:effectRef>
+          <a:fontRef idx="minor">
+            <a:schemeClr val="lt1"/>
+          </a:fontRef>
+        </p:style>
+        <p:txBody>
+          <a:bodyPr rtlCol="0" anchor="ctr"/>
+          <a:lstStyle/>
+          <a:p>
+            <a:pPr algn="ctr"/>
+            <a:endParaRPr kumimoji="1" lang="ja-JP" altLang="en-US">
+              <a:ln>
+                <a:solidFill>
+                  <a:srgbClr val="0070C0"/>
+                </a:solidFill>
+              </a:ln>
+              <a:solidFill>
+                <a:schemeClr val="bg1"/>
+              </a:solidFill>
+            </a:endParaRPr>
+          </a:p>
+        </p:txBody>
+      </p:sp>
+      <p:sp>
+        <p:nvSpPr>
+          <p:cNvPr id="16" name="円形吹き出し 15"/>
+          <p:cNvSpPr/>
+          <p:nvPr/>
+        </p:nvSpPr>
+        <p:spPr>
+          <a:xfrm rot="10800000">
+            <a:off x="6508728" y="4883378"/>
+            <a:ext cx="2011924" cy="1338330"/>
+          </a:xfrm>
+          <a:prstGeom prst="wedgeEllipseCallout">
+            <a:avLst>
+              <a:gd name="adj1" fmla="val 34561"/>
+              <a:gd name="adj2" fmla="val 71031"/>
+            </a:avLst>
+          </a:prstGeom>
+          <a:solidFill>
+            <a:schemeClr val="bg1"/>
+          </a:solidFill>
+          <a:ln w="57150" cap="flat" cmpd="sng" algn="ctr">
+            <a:solidFill>
+              <a:srgbClr val="FF0000"/>
+            </a:solidFill>
+            <a:prstDash val="solid"/>
+            <a:round/>
+            <a:headEnd type="none" w="med" len="med"/>
+            <a:tailEnd type="none" w="med" len="med"/>
+          </a:ln>
+        </p:spPr>
+        <p:style>
+          <a:lnRef idx="0">
+            <a:scrgbClr r="0" g="0" b="0"/>
+          </a:lnRef>
+          <a:fillRef idx="0">
+            <a:scrgbClr r="0" g="0" b="0"/>
+          </a:fillRef>
+          <a:effectRef idx="0">
+            <a:scrgbClr r="0" g="0" b="0"/>
+          </a:effectRef>
+          <a:fontRef idx="minor">
+            <a:schemeClr val="dk1"/>
+          </a:fontRef>
+        </p:style>
+        <p:txBody>
+          <a:bodyPr rtlCol="0" anchor="ctr"/>
+          <a:lstStyle/>
+          <a:p>
+            <a:pPr algn="ctr"/>
+            <a:endParaRPr kumimoji="1" lang="ja-JP" altLang="en-US"/>
+          </a:p>
+        </p:txBody>
+      </p:sp>
+      <p:sp>
+        <p:nvSpPr>
+          <p:cNvPr id="17" name="テキスト ボックス 16"/>
+          <p:cNvSpPr txBox="1"/>
+          <p:nvPr/>
+        </p:nvSpPr>
+        <p:spPr>
+          <a:xfrm>
+            <a:off x="6476059" y="5283590"/>
+            <a:ext cx="1982403" cy="523220"/>
+          </a:xfrm>
+          <a:prstGeom prst="rect">
+            <a:avLst/>
+          </a:prstGeom>
+          <a:noFill/>
+        </p:spPr>
+        <p:txBody>
+          <a:bodyPr wrap="square" rtlCol="0">
+            <a:spAutoFit/>
+          </a:bodyPr>
+          <a:lstStyle/>
+          <a:p>
+            <a:pPr algn="ctr"/>
+            <a:r>
+              <a:rPr kumimoji="1" lang="ja-JP" altLang="en-US" sz="2800" dirty="0" smtClean="0"/>
+              <a:t>ビルボード</a:t>
+            </a:r>
+            <a:endParaRPr kumimoji="1" lang="ja-JP" altLang="en-US" sz="2800" dirty="0"/>
+          </a:p>
+        </p:txBody>
+      </p:sp>
+    </p:spTree>
+    <p:extLst>
+      <p:ext uri="{BB962C8B-B14F-4D97-AF65-F5344CB8AC3E}">
+        <p14:creationId xmlns:p14="http://schemas.microsoft.com/office/powerpoint/2010/main" val="2866503818"/>
+      </p:ext>
+    </p:extLst>
+  </p:cSld>
+  <p:clrMapOvr>
+    <a:masterClrMapping/>
+  </p:clrMapOvr>
+  <mc:AlternateContent xmlns:mc="http://schemas.openxmlformats.org/markup-compatibility/2006">
+    <mc:Choice xmlns:p14="http://schemas.microsoft.com/office/powerpoint/2010/main" Requires="p14">
+      <p:transition spd="slow" p14:dur="2000"/>
+    </mc:Choice>
+    <mc:Fallback>
+      <p:transition spd="slow"/>
+    </mc:Fallback>
+  </mc:AlternateContent>
+</p:sld>
+</file>
+
+<file path=ppt/slides/slide14.xml><?xml version="1.0" encoding="utf-8"?>
+<p:sld xmlns:a="http://schemas.openxmlformats.org/drawingml/2006/main" xmlns:r="http://schemas.openxmlformats.org/officeDocument/2006/relationships" xmlns:p="http://schemas.openxmlformats.org/presentationml/2006/main">
+  <p:cSld>
+    <p:spTree>
+      <p:nvGrpSpPr>
+        <p:cNvPr id="1" name=""/>
+        <p:cNvGrpSpPr/>
+        <p:nvPr/>
+      </p:nvGrpSpPr>
+      <p:grpSpPr>
+        <a:xfrm>
+          <a:off x="0" y="0"/>
+          <a:ext cx="0" cy="0"/>
+          <a:chOff x="0" y="0"/>
+          <a:chExt cx="0" cy="0"/>
+        </a:xfrm>
+      </p:grpSpPr>
+      <p:sp>
+        <p:nvSpPr>
+          <p:cNvPr id="2" name="タイトル 1"/>
+          <p:cNvSpPr>
+            <a:spLocks noGrp="1"/>
+          </p:cNvSpPr>
+          <p:nvPr>
+            <p:ph type="title"/>
+          </p:nvPr>
+        </p:nvSpPr>
+        <p:spPr>
+          <a:xfrm>
+            <a:off x="732692" y="2545617"/>
+            <a:ext cx="10515600" cy="1325563"/>
+          </a:xfrm>
+        </p:spPr>
+        <p:txBody>
+          <a:bodyPr>
+            <a:normAutofit/>
+          </a:bodyPr>
+          <a:lstStyle/>
+          <a:p>
+            <a:pPr algn="ctr"/>
+            <a:r>
+              <a:rPr lang="ja-JP" altLang="en-US" sz="7200" dirty="0" smtClean="0"/>
+              <a:t>モード３</a:t>
+            </a:r>
+            <a:endParaRPr kumimoji="1" lang="ja-JP" altLang="en-US" sz="7200" dirty="0"/>
+          </a:p>
+        </p:txBody>
+      </p:sp>
+    </p:spTree>
+    <p:extLst>
+      <p:ext uri="{BB962C8B-B14F-4D97-AF65-F5344CB8AC3E}">
+        <p14:creationId xmlns:p14="http://schemas.microsoft.com/office/powerpoint/2010/main" val="540752938"/>
+      </p:ext>
+    </p:extLst>
+  </p:cSld>
+  <p:clrMapOvr>
+    <a:masterClrMapping/>
+  </p:clrMapOvr>
+  <mc:AlternateContent xmlns:mc="http://schemas.openxmlformats.org/markup-compatibility/2006">
+    <mc:Choice xmlns:p14="http://schemas.microsoft.com/office/powerpoint/2010/main" Requires="p14">
+      <p:transition spd="slow" p14:dur="2000"/>
+    </mc:Choice>
+    <mc:Fallback>
+      <p:transition spd="slow"/>
+    </mc:Fallback>
+  </mc:AlternateContent>
+</p:sld>
+</file>
+
+<file path=ppt/slides/slide15.xml><?xml version="1.0" encoding="utf-8"?>
+<p:sld xmlns:a="http://schemas.openxmlformats.org/drawingml/2006/main" xmlns:r="http://schemas.openxmlformats.org/officeDocument/2006/relationships" xmlns:p="http://schemas.openxmlformats.org/presentationml/2006/main">
+  <p:cSld>
+    <p:spTree>
+      <p:nvGrpSpPr>
+        <p:cNvPr id="1" name=""/>
+        <p:cNvGrpSpPr/>
+        <p:nvPr/>
+      </p:nvGrpSpPr>
+      <p:grpSpPr>
+        <a:xfrm>
+          <a:off x="0" y="0"/>
+          <a:ext cx="0" cy="0"/>
+          <a:chOff x="0" y="0"/>
+          <a:chExt cx="0" cy="0"/>
+        </a:xfrm>
+      </p:grpSpPr>
+      <p:sp>
+        <p:nvSpPr>
+          <p:cNvPr id="5" name="正方形/長方形 4"/>
+          <p:cNvSpPr/>
+          <p:nvPr/>
+        </p:nvSpPr>
+        <p:spPr>
+          <a:xfrm>
+            <a:off x="3993019" y="314285"/>
+            <a:ext cx="3622432" cy="699047"/>
+          </a:xfrm>
+          <a:prstGeom prst="rect">
+            <a:avLst/>
+          </a:prstGeom>
+        </p:spPr>
+        <p:style>
+          <a:lnRef idx="2">
+            <a:schemeClr val="dk1"/>
+          </a:lnRef>
+          <a:fillRef idx="1">
+            <a:schemeClr val="lt1"/>
+          </a:fillRef>
+          <a:effectRef idx="0">
+            <a:schemeClr val="dk1"/>
+          </a:effectRef>
+          <a:fontRef idx="minor">
+            <a:schemeClr val="dk1"/>
+          </a:fontRef>
+        </p:style>
+        <p:txBody>
+          <a:bodyPr rtlCol="0" anchor="ctr"/>
+          <a:lstStyle/>
+          <a:p>
+            <a:pPr algn="ctr"/>
+            <a:endParaRPr kumimoji="1" lang="ja-JP" altLang="en-US"/>
+          </a:p>
+        </p:txBody>
+      </p:sp>
+      <p:sp>
+        <p:nvSpPr>
+          <p:cNvPr id="6" name="正方形/長方形 5"/>
+          <p:cNvSpPr/>
+          <p:nvPr/>
+        </p:nvSpPr>
+        <p:spPr>
+          <a:xfrm>
+            <a:off x="4891164" y="419788"/>
+            <a:ext cx="1826141" cy="584775"/>
+          </a:xfrm>
+          <a:prstGeom prst="rect">
+            <a:avLst/>
+          </a:prstGeom>
+        </p:spPr>
+        <p:txBody>
+          <a:bodyPr wrap="none">
+            <a:spAutoFit/>
+          </a:bodyPr>
+          <a:lstStyle/>
+          <a:p>
+            <a:r>
+              <a:rPr lang="ja-JP" altLang="en-US" sz="3200" dirty="0" smtClean="0"/>
+              <a:t>モード３</a:t>
+            </a:r>
+            <a:endParaRPr lang="ja-JP" altLang="en-US" sz="3200" b="1" dirty="0"/>
+          </a:p>
+        </p:txBody>
+      </p:sp>
+      <p:sp>
+        <p:nvSpPr>
+          <p:cNvPr id="8" name="テキスト ボックス 7"/>
+          <p:cNvSpPr txBox="1"/>
+          <p:nvPr/>
+        </p:nvSpPr>
+        <p:spPr>
+          <a:xfrm>
+            <a:off x="3634344" y="1353991"/>
+            <a:ext cx="4339779" cy="5386090"/>
+          </a:xfrm>
+          <a:prstGeom prst="rect">
+            <a:avLst/>
+          </a:prstGeom>
+          <a:noFill/>
+        </p:spPr>
+        <p:txBody>
+          <a:bodyPr wrap="square" rtlCol="0">
+            <a:spAutoFit/>
+          </a:bodyPr>
+          <a:lstStyle/>
+          <a:p>
+            <a:pPr algn="ctr"/>
+            <a:r>
+              <a:rPr kumimoji="1" lang="ja-JP" altLang="en-US" sz="34400" b="1" dirty="0" smtClean="0">
+                <a:ln w="76200">
+                  <a:solidFill>
+                    <a:schemeClr val="tx1"/>
+                  </a:solidFill>
+                </a:ln>
+                <a:solidFill>
+                  <a:schemeClr val="bg1"/>
+                </a:solidFill>
+                <a:effectLst>
+                  <a:glow rad="101600">
+                    <a:schemeClr val="bg2">
+                      <a:lumMod val="75000"/>
+                      <a:alpha val="60000"/>
+                    </a:schemeClr>
+                  </a:glow>
+                  <a:outerShdw blurRad="38100" dist="38100" dir="2700000" algn="tl">
+                    <a:srgbClr val="000000">
+                      <a:alpha val="43137"/>
+                    </a:srgbClr>
+                  </a:outerShdw>
+                </a:effectLst>
+              </a:rPr>
+              <a:t>？</a:t>
+            </a:r>
+            <a:endParaRPr kumimoji="1" lang="ja-JP" altLang="en-US" sz="34400" b="1" dirty="0">
+              <a:ln w="76200">
+                <a:solidFill>
+                  <a:schemeClr val="tx1"/>
+                </a:solidFill>
+              </a:ln>
+              <a:solidFill>
+                <a:schemeClr val="bg1"/>
+              </a:solidFill>
+              <a:effectLst>
+                <a:glow rad="101600">
+                  <a:schemeClr val="bg2">
+                    <a:lumMod val="75000"/>
+                    <a:alpha val="60000"/>
+                  </a:schemeClr>
+                </a:glow>
+                <a:outerShdw blurRad="38100" dist="38100" dir="2700000" algn="tl">
+                  <a:srgbClr val="000000">
+                    <a:alpha val="43137"/>
+                  </a:srgbClr>
+                </a:outerShdw>
+              </a:effectLst>
+            </a:endParaRPr>
+          </a:p>
+        </p:txBody>
+      </p:sp>
+    </p:spTree>
+    <p:extLst>
+      <p:ext uri="{BB962C8B-B14F-4D97-AF65-F5344CB8AC3E}">
+        <p14:creationId xmlns:p14="http://schemas.microsoft.com/office/powerpoint/2010/main" val="4139135706"/>
+      </p:ext>
+    </p:extLst>
+  </p:cSld>
+  <p:clrMapOvr>
+    <a:masterClrMapping/>
+  </p:clrMapOvr>
+</p:sld>
+</file>
+
+<file path=ppt/slides/slide16.xml><?xml version="1.0" encoding="utf-8"?>
+<p:sld xmlns:a="http://schemas.openxmlformats.org/drawingml/2006/main" xmlns:r="http://schemas.openxmlformats.org/officeDocument/2006/relationships" xmlns:p="http://schemas.openxmlformats.org/presentationml/2006/main">
+  <p:cSld>
+    <p:spTree>
+      <p:nvGrpSpPr>
+        <p:cNvPr id="1" name=""/>
+        <p:cNvGrpSpPr/>
+        <p:nvPr/>
+      </p:nvGrpSpPr>
+      <p:grpSpPr>
+        <a:xfrm>
+          <a:off x="0" y="0"/>
+          <a:ext cx="0" cy="0"/>
+          <a:chOff x="0" y="0"/>
+          <a:chExt cx="0" cy="0"/>
+        </a:xfrm>
+      </p:grpSpPr>
+      <p:sp>
+        <p:nvSpPr>
+          <p:cNvPr id="17" name="正方形/長方形 16"/>
+          <p:cNvSpPr/>
+          <p:nvPr/>
+        </p:nvSpPr>
+        <p:spPr>
+          <a:xfrm>
+            <a:off x="572812" y="3356424"/>
+            <a:ext cx="3622432" cy="699047"/>
+          </a:xfrm>
+          <a:prstGeom prst="rect">
+            <a:avLst/>
+          </a:prstGeom>
+        </p:spPr>
+        <p:style>
+          <a:lnRef idx="2">
+            <a:schemeClr val="dk1"/>
+          </a:lnRef>
+          <a:fillRef idx="1">
+            <a:schemeClr val="lt1"/>
+          </a:fillRef>
+          <a:effectRef idx="0">
+            <a:schemeClr val="dk1"/>
+          </a:effectRef>
+          <a:fontRef idx="minor">
+            <a:schemeClr val="dk1"/>
+          </a:fontRef>
+        </p:style>
+        <p:txBody>
+          <a:bodyPr rtlCol="0" anchor="ctr"/>
+          <a:lstStyle/>
+          <a:p>
+            <a:pPr algn="ctr"/>
+            <a:endParaRPr kumimoji="1" lang="ja-JP" altLang="en-US"/>
+          </a:p>
+        </p:txBody>
+      </p:sp>
+      <p:sp>
+        <p:nvSpPr>
+          <p:cNvPr id="18" name="正方形/長方形 17"/>
+          <p:cNvSpPr/>
+          <p:nvPr/>
+        </p:nvSpPr>
+        <p:spPr>
+          <a:xfrm>
+            <a:off x="1470957" y="3461927"/>
+            <a:ext cx="1826141" cy="584775"/>
+          </a:xfrm>
+          <a:prstGeom prst="rect">
+            <a:avLst/>
+          </a:prstGeom>
+        </p:spPr>
+        <p:txBody>
+          <a:bodyPr wrap="none">
+            <a:spAutoFit/>
+          </a:bodyPr>
+          <a:lstStyle/>
+          <a:p>
+            <a:r>
+              <a:rPr lang="ja-JP" altLang="en-US" sz="3200" dirty="0"/>
+              <a:t>モード１</a:t>
+            </a:r>
+            <a:endParaRPr lang="ja-JP" altLang="en-US" sz="3200" b="1" dirty="0"/>
+          </a:p>
+        </p:txBody>
+      </p:sp>
+      <p:sp>
+        <p:nvSpPr>
+          <p:cNvPr id="19" name="正方形/長方形 18"/>
+          <p:cNvSpPr/>
+          <p:nvPr/>
+        </p:nvSpPr>
+        <p:spPr>
+          <a:xfrm>
+            <a:off x="7307719" y="3356424"/>
+            <a:ext cx="3622432" cy="699047"/>
+          </a:xfrm>
+          <a:prstGeom prst="rect">
+            <a:avLst/>
+          </a:prstGeom>
+          <a:solidFill>
+            <a:schemeClr val="bg1"/>
+          </a:solidFill>
+        </p:spPr>
+        <p:style>
+          <a:lnRef idx="2">
+            <a:schemeClr val="dk1"/>
+          </a:lnRef>
+          <a:fillRef idx="1">
+            <a:schemeClr val="lt1"/>
+          </a:fillRef>
+          <a:effectRef idx="0">
+            <a:schemeClr val="dk1"/>
+          </a:effectRef>
+          <a:fontRef idx="minor">
+            <a:schemeClr val="dk1"/>
+          </a:fontRef>
+        </p:style>
+        <p:txBody>
+          <a:bodyPr rtlCol="0" anchor="ctr"/>
+          <a:lstStyle/>
+          <a:p>
+            <a:pPr algn="ctr"/>
+            <a:endParaRPr kumimoji="1" lang="ja-JP" altLang="en-US"/>
+          </a:p>
+        </p:txBody>
+      </p:sp>
+      <p:sp>
+        <p:nvSpPr>
+          <p:cNvPr id="20" name="正方形/長方形 19"/>
+          <p:cNvSpPr/>
+          <p:nvPr/>
+        </p:nvSpPr>
+        <p:spPr>
+          <a:xfrm>
+            <a:off x="8205864" y="3461927"/>
+            <a:ext cx="1826141" cy="584775"/>
+          </a:xfrm>
+          <a:prstGeom prst="rect">
+            <a:avLst/>
+          </a:prstGeom>
+        </p:spPr>
+        <p:txBody>
+          <a:bodyPr wrap="none">
+            <a:spAutoFit/>
+          </a:bodyPr>
+          <a:lstStyle/>
+          <a:p>
+            <a:r>
+              <a:rPr lang="ja-JP" altLang="en-US" sz="3200" dirty="0" smtClean="0"/>
+              <a:t>モード２</a:t>
+            </a:r>
+            <a:endParaRPr lang="ja-JP" altLang="en-US" sz="3200" b="1" dirty="0"/>
+          </a:p>
+        </p:txBody>
+      </p:sp>
+      <p:sp>
+        <p:nvSpPr>
+          <p:cNvPr id="21" name="左右矢印 20"/>
+          <p:cNvSpPr/>
+          <p:nvPr/>
+        </p:nvSpPr>
+        <p:spPr>
+          <a:xfrm>
+            <a:off x="4580792" y="3356424"/>
+            <a:ext cx="2092570" cy="793545"/>
+          </a:xfrm>
+          <a:prstGeom prst="leftRightArrow">
+            <a:avLst/>
+          </a:prstGeom>
+        </p:spPr>
+        <p:style>
+          <a:lnRef idx="2">
+            <a:schemeClr val="dk1">
+              <a:shade val="50000"/>
+            </a:schemeClr>
+          </a:lnRef>
+          <a:fillRef idx="1">
+            <a:schemeClr val="dk1"/>
+          </a:fillRef>
+          <a:effectRef idx="0">
+            <a:schemeClr val="dk1"/>
+          </a:effectRef>
+          <a:fontRef idx="minor">
+            <a:schemeClr val="lt1"/>
+          </a:fontRef>
+        </p:style>
+        <p:txBody>
+          <a:bodyPr rtlCol="0" anchor="ctr"/>
+          <a:lstStyle/>
+          <a:p>
+            <a:pPr algn="ctr"/>
+            <a:endParaRPr kumimoji="1" lang="ja-JP" altLang="en-US"/>
+          </a:p>
+        </p:txBody>
+      </p:sp>
+      <p:sp>
+        <p:nvSpPr>
+          <p:cNvPr id="22" name="円形吹き出し 21"/>
+          <p:cNvSpPr/>
+          <p:nvPr/>
+        </p:nvSpPr>
+        <p:spPr>
+          <a:xfrm rot="10800000">
+            <a:off x="5738800" y="4593231"/>
+            <a:ext cx="2140169" cy="1338330"/>
+          </a:xfrm>
+          <a:prstGeom prst="wedgeEllipseCallout">
+            <a:avLst>
+              <a:gd name="adj1" fmla="val 34561"/>
+              <a:gd name="adj2" fmla="val 71031"/>
+            </a:avLst>
+          </a:prstGeom>
+          <a:solidFill>
+            <a:schemeClr val="bg1"/>
+          </a:solidFill>
+          <a:ln w="57150" cap="flat" cmpd="sng" algn="ctr">
+            <a:solidFill>
+              <a:srgbClr val="FF0000"/>
+            </a:solidFill>
+            <a:prstDash val="solid"/>
+            <a:round/>
+            <a:headEnd type="none" w="med" len="med"/>
+            <a:tailEnd type="none" w="med" len="med"/>
+          </a:ln>
+        </p:spPr>
+        <p:style>
+          <a:lnRef idx="0">
+            <a:scrgbClr r="0" g="0" b="0"/>
+          </a:lnRef>
+          <a:fillRef idx="0">
+            <a:scrgbClr r="0" g="0" b="0"/>
+          </a:fillRef>
+          <a:effectRef idx="0">
+            <a:scrgbClr r="0" g="0" b="0"/>
+          </a:effectRef>
+          <a:fontRef idx="minor">
+            <a:schemeClr val="dk1"/>
+          </a:fontRef>
+        </p:style>
+        <p:txBody>
+          <a:bodyPr rtlCol="0" anchor="ctr"/>
+          <a:lstStyle/>
+          <a:p>
+            <a:pPr algn="ctr"/>
+            <a:endParaRPr kumimoji="1" lang="ja-JP" altLang="en-US"/>
+          </a:p>
+        </p:txBody>
+      </p:sp>
+      <p:sp>
+        <p:nvSpPr>
+          <p:cNvPr id="23" name="テキスト ボックス 22"/>
+          <p:cNvSpPr txBox="1"/>
+          <p:nvPr/>
+        </p:nvSpPr>
+        <p:spPr>
+          <a:xfrm>
+            <a:off x="5817684" y="4785343"/>
+            <a:ext cx="1982403" cy="954107"/>
+          </a:xfrm>
+          <a:prstGeom prst="rect">
+            <a:avLst/>
+          </a:prstGeom>
+          <a:noFill/>
+        </p:spPr>
+        <p:txBody>
+          <a:bodyPr wrap="square" rtlCol="0">
+            <a:spAutoFit/>
+          </a:bodyPr>
+          <a:lstStyle/>
+          <a:p>
+            <a:pPr algn="ctr"/>
+            <a:r>
+              <a:rPr kumimoji="1" lang="ja-JP" altLang="en-US" sz="2800" dirty="0" smtClean="0"/>
+              <a:t>ランダムで</a:t>
+            </a:r>
+            <a:endParaRPr kumimoji="1" lang="en-US" altLang="ja-JP" sz="2800" dirty="0" smtClean="0"/>
+          </a:p>
+          <a:p>
+            <a:pPr algn="ctr"/>
+            <a:r>
+              <a:rPr lang="ja-JP" altLang="en-US" sz="2800" dirty="0"/>
+              <a:t>どちらか</a:t>
+            </a:r>
+            <a:endParaRPr kumimoji="1" lang="ja-JP" altLang="en-US" sz="2800" dirty="0"/>
+          </a:p>
+        </p:txBody>
+      </p:sp>
+      <p:sp>
+        <p:nvSpPr>
+          <p:cNvPr id="24" name="正方形/長方形 23"/>
+          <p:cNvSpPr/>
+          <p:nvPr/>
+        </p:nvSpPr>
+        <p:spPr>
+          <a:xfrm>
+            <a:off x="3993019" y="314285"/>
+            <a:ext cx="3622432" cy="699047"/>
+          </a:xfrm>
+          <a:prstGeom prst="rect">
+            <a:avLst/>
+          </a:prstGeom>
+        </p:spPr>
+        <p:style>
+          <a:lnRef idx="2">
+            <a:schemeClr val="dk1"/>
+          </a:lnRef>
+          <a:fillRef idx="1">
+            <a:schemeClr val="lt1"/>
+          </a:fillRef>
+          <a:effectRef idx="0">
+            <a:schemeClr val="dk1"/>
+          </a:effectRef>
+          <a:fontRef idx="minor">
+            <a:schemeClr val="dk1"/>
+          </a:fontRef>
+        </p:style>
+        <p:txBody>
+          <a:bodyPr rtlCol="0" anchor="ctr"/>
+          <a:lstStyle/>
+          <a:p>
+            <a:pPr algn="ctr"/>
+            <a:endParaRPr kumimoji="1" lang="ja-JP" altLang="en-US"/>
+          </a:p>
+        </p:txBody>
+      </p:sp>
+      <p:sp>
+        <p:nvSpPr>
+          <p:cNvPr id="25" name="正方形/長方形 24"/>
+          <p:cNvSpPr/>
+          <p:nvPr/>
+        </p:nvSpPr>
+        <p:spPr>
+          <a:xfrm>
+            <a:off x="4891164" y="419788"/>
+            <a:ext cx="1826141" cy="584775"/>
+          </a:xfrm>
+          <a:prstGeom prst="rect">
+            <a:avLst/>
+          </a:prstGeom>
+        </p:spPr>
+        <p:txBody>
+          <a:bodyPr wrap="none">
+            <a:spAutoFit/>
+          </a:bodyPr>
+          <a:lstStyle/>
+          <a:p>
+            <a:r>
+              <a:rPr lang="ja-JP" altLang="en-US" sz="3200" dirty="0" smtClean="0"/>
+              <a:t>モード３</a:t>
+            </a:r>
+            <a:endParaRPr lang="ja-JP" altLang="en-US" sz="3200" b="1" dirty="0"/>
+          </a:p>
+        </p:txBody>
+      </p:sp>
+    </p:spTree>
+    <p:extLst>
+      <p:ext uri="{BB962C8B-B14F-4D97-AF65-F5344CB8AC3E}">
+        <p14:creationId xmlns:p14="http://schemas.microsoft.com/office/powerpoint/2010/main" val="1398704817"/>
+      </p:ext>
+    </p:extLst>
+  </p:cSld>
+  <p:clrMapOvr>
+    <a:masterClrMapping/>
+  </p:clrMapOvr>
+</p:sld>
+</file>
+
 <file path=ppt/slides/slide2.xml><?xml version="1.0" encoding="utf-8"?>
 <p:sld xmlns:a="http://schemas.openxmlformats.org/drawingml/2006/main" xmlns:r="http://schemas.openxmlformats.org/officeDocument/2006/relationships" xmlns:p="http://schemas.openxmlformats.org/presentationml/2006/main">
   <p:cSld>
@@ -5189,6 +7711,673 @@
       </p:grpSpPr>
       <p:sp>
         <p:nvSpPr>
+          <p:cNvPr id="2" name="タイトル 1"/>
+          <p:cNvSpPr>
+            <a:spLocks noGrp="1"/>
+          </p:cNvSpPr>
+          <p:nvPr>
+            <p:ph type="title"/>
+          </p:nvPr>
+        </p:nvSpPr>
+        <p:spPr>
+          <a:xfrm>
+            <a:off x="732692" y="2545617"/>
+            <a:ext cx="10515600" cy="1325563"/>
+          </a:xfrm>
+        </p:spPr>
+        <p:txBody>
+          <a:bodyPr>
+            <a:normAutofit/>
+          </a:bodyPr>
+          <a:lstStyle/>
+          <a:p>
+            <a:pPr algn="ctr"/>
+            <a:r>
+              <a:rPr kumimoji="1" lang="ja-JP" altLang="en-US" sz="7200" dirty="0" smtClean="0"/>
+              <a:t>タイトル画面</a:t>
+            </a:r>
+            <a:endParaRPr kumimoji="1" lang="ja-JP" altLang="en-US" sz="7200" dirty="0"/>
+          </a:p>
+        </p:txBody>
+      </p:sp>
+    </p:spTree>
+    <p:extLst>
+      <p:ext uri="{BB962C8B-B14F-4D97-AF65-F5344CB8AC3E}">
+        <p14:creationId xmlns:p14="http://schemas.microsoft.com/office/powerpoint/2010/main" val="4070924078"/>
+      </p:ext>
+    </p:extLst>
+  </p:cSld>
+  <p:clrMapOvr>
+    <a:masterClrMapping/>
+  </p:clrMapOvr>
+</p:sld>
+</file>
+
+<file path=ppt/slides/slide5.xml><?xml version="1.0" encoding="utf-8"?>
+<p:sld xmlns:a="http://schemas.openxmlformats.org/drawingml/2006/main" xmlns:r="http://schemas.openxmlformats.org/officeDocument/2006/relationships" xmlns:p="http://schemas.openxmlformats.org/presentationml/2006/main">
+  <p:cSld>
+    <p:spTree>
+      <p:nvGrpSpPr>
+        <p:cNvPr id="1" name=""/>
+        <p:cNvGrpSpPr/>
+        <p:nvPr/>
+      </p:nvGrpSpPr>
+      <p:grpSpPr>
+        <a:xfrm>
+          <a:off x="0" y="0"/>
+          <a:ext cx="0" cy="0"/>
+          <a:chOff x="0" y="0"/>
+          <a:chExt cx="0" cy="0"/>
+        </a:xfrm>
+      </p:grpSpPr>
+      <p:sp>
+        <p:nvSpPr>
+          <p:cNvPr id="5" name="正方形/長方形 4"/>
+          <p:cNvSpPr/>
+          <p:nvPr/>
+        </p:nvSpPr>
+        <p:spPr>
+          <a:xfrm>
+            <a:off x="970087" y="901211"/>
+            <a:ext cx="10635760" cy="5653454"/>
+          </a:xfrm>
+          <a:prstGeom prst="rect">
+            <a:avLst/>
+          </a:prstGeom>
+          <a:ln w="38100"/>
+        </p:spPr>
+        <p:style>
+          <a:lnRef idx="2">
+            <a:schemeClr val="dk1"/>
+          </a:lnRef>
+          <a:fillRef idx="1">
+            <a:schemeClr val="lt1"/>
+          </a:fillRef>
+          <a:effectRef idx="0">
+            <a:schemeClr val="dk1"/>
+          </a:effectRef>
+          <a:fontRef idx="minor">
+            <a:schemeClr val="dk1"/>
+          </a:fontRef>
+        </p:style>
+        <p:txBody>
+          <a:bodyPr rtlCol="0" anchor="ctr"/>
+          <a:lstStyle/>
+          <a:p>
+            <a:pPr algn="ctr"/>
+            <a:endParaRPr kumimoji="1" lang="ja-JP" altLang="en-US"/>
+          </a:p>
+        </p:txBody>
+      </p:sp>
+      <p:sp>
+        <p:nvSpPr>
+          <p:cNvPr id="6" name="角丸四角形 5"/>
+          <p:cNvSpPr/>
+          <p:nvPr/>
+        </p:nvSpPr>
+        <p:spPr>
+          <a:xfrm>
+            <a:off x="2859691" y="1984047"/>
+            <a:ext cx="6767886" cy="1343842"/>
+          </a:xfrm>
+          <a:prstGeom prst="roundRect">
+            <a:avLst/>
+          </a:prstGeom>
+        </p:spPr>
+        <p:style>
+          <a:lnRef idx="1">
+            <a:schemeClr val="accent2"/>
+          </a:lnRef>
+          <a:fillRef idx="2">
+            <a:schemeClr val="accent2"/>
+          </a:fillRef>
+          <a:effectRef idx="1">
+            <a:schemeClr val="accent2"/>
+          </a:effectRef>
+          <a:fontRef idx="minor">
+            <a:schemeClr val="dk1"/>
+          </a:fontRef>
+        </p:style>
+        <p:txBody>
+          <a:bodyPr rtlCol="0" anchor="ctr"/>
+          <a:lstStyle/>
+          <a:p>
+            <a:pPr algn="ctr"/>
+            <a:endParaRPr kumimoji="1" lang="ja-JP" altLang="en-US"/>
+          </a:p>
+        </p:txBody>
+      </p:sp>
+      <p:sp>
+        <p:nvSpPr>
+          <p:cNvPr id="7" name="テキスト ボックス 6"/>
+          <p:cNvSpPr txBox="1"/>
+          <p:nvPr/>
+        </p:nvSpPr>
+        <p:spPr>
+          <a:xfrm>
+            <a:off x="3197291" y="2110072"/>
+            <a:ext cx="6254440" cy="1107996"/>
+          </a:xfrm>
+          <a:prstGeom prst="rect">
+            <a:avLst/>
+          </a:prstGeom>
+          <a:noFill/>
+        </p:spPr>
+        <p:txBody>
+          <a:bodyPr wrap="square" rtlCol="0">
+            <a:spAutoFit/>
+          </a:bodyPr>
+          <a:lstStyle/>
+          <a:p>
+            <a:pPr algn="ctr"/>
+            <a:r>
+              <a:rPr kumimoji="1" lang="ja-JP" altLang="en-US" sz="6600" dirty="0" smtClean="0"/>
+              <a:t>タイトルロゴ</a:t>
+            </a:r>
+            <a:endParaRPr kumimoji="1" lang="ja-JP" altLang="en-US" sz="6600" dirty="0"/>
+          </a:p>
+        </p:txBody>
+      </p:sp>
+      <p:sp>
+        <p:nvSpPr>
+          <p:cNvPr id="8" name="正方形/長方形 7"/>
+          <p:cNvSpPr/>
+          <p:nvPr/>
+        </p:nvSpPr>
+        <p:spPr>
+          <a:xfrm>
+            <a:off x="4141177" y="4697290"/>
+            <a:ext cx="4239990" cy="753941"/>
+          </a:xfrm>
+          <a:prstGeom prst="rect">
+            <a:avLst/>
+          </a:prstGeom>
+        </p:spPr>
+        <p:style>
+          <a:lnRef idx="1">
+            <a:schemeClr val="accent2"/>
+          </a:lnRef>
+          <a:fillRef idx="2">
+            <a:schemeClr val="accent2"/>
+          </a:fillRef>
+          <a:effectRef idx="1">
+            <a:schemeClr val="accent2"/>
+          </a:effectRef>
+          <a:fontRef idx="minor">
+            <a:schemeClr val="dk1"/>
+          </a:fontRef>
+        </p:style>
+        <p:txBody>
+          <a:bodyPr rtlCol="0" anchor="ctr"/>
+          <a:lstStyle/>
+          <a:p>
+            <a:pPr algn="ctr"/>
+            <a:endParaRPr kumimoji="1" lang="ja-JP" altLang="en-US"/>
+          </a:p>
+        </p:txBody>
+      </p:sp>
+      <p:sp>
+        <p:nvSpPr>
+          <p:cNvPr id="9" name="テキスト ボックス 8"/>
+          <p:cNvSpPr txBox="1"/>
+          <p:nvPr/>
+        </p:nvSpPr>
+        <p:spPr>
+          <a:xfrm>
+            <a:off x="4386066" y="4873135"/>
+            <a:ext cx="3995101" cy="400110"/>
+          </a:xfrm>
+          <a:prstGeom prst="rect">
+            <a:avLst/>
+          </a:prstGeom>
+          <a:noFill/>
+        </p:spPr>
+        <p:txBody>
+          <a:bodyPr wrap="square" rtlCol="0">
+            <a:spAutoFit/>
+          </a:bodyPr>
+          <a:lstStyle/>
+          <a:p>
+            <a:pPr algn="ctr"/>
+            <a:r>
+              <a:rPr kumimoji="1" lang="ja-JP" altLang="en-US" sz="2000" dirty="0" smtClean="0"/>
+              <a:t>押されたら次に行く用のロゴ</a:t>
+            </a:r>
+            <a:endParaRPr kumimoji="1" lang="ja-JP" altLang="en-US" sz="2000" dirty="0"/>
+          </a:p>
+        </p:txBody>
+      </p:sp>
+      <p:sp>
+        <p:nvSpPr>
+          <p:cNvPr id="14" name="正方形/長方形 13"/>
+          <p:cNvSpPr/>
+          <p:nvPr/>
+        </p:nvSpPr>
+        <p:spPr>
+          <a:xfrm>
+            <a:off x="8713177" y="4831372"/>
+            <a:ext cx="2538047" cy="650553"/>
+          </a:xfrm>
+          <a:prstGeom prst="rect">
+            <a:avLst/>
+          </a:prstGeom>
+          <a:ln>
+            <a:headEnd type="none" w="med" len="med"/>
+            <a:tailEnd type="none" w="med" len="med"/>
+          </a:ln>
+        </p:spPr>
+        <p:style>
+          <a:lnRef idx="2">
+            <a:schemeClr val="dk1"/>
+          </a:lnRef>
+          <a:fillRef idx="1">
+            <a:schemeClr val="lt1"/>
+          </a:fillRef>
+          <a:effectRef idx="0">
+            <a:schemeClr val="dk1"/>
+          </a:effectRef>
+          <a:fontRef idx="minor">
+            <a:schemeClr val="dk1"/>
+          </a:fontRef>
+        </p:style>
+        <p:txBody>
+          <a:bodyPr rtlCol="0" anchor="ctr"/>
+          <a:lstStyle/>
+          <a:p>
+            <a:pPr algn="ctr"/>
+            <a:endParaRPr kumimoji="1" lang="ja-JP" altLang="en-US"/>
+          </a:p>
+        </p:txBody>
+      </p:sp>
+      <p:sp>
+        <p:nvSpPr>
+          <p:cNvPr id="12" name="左矢印 11"/>
+          <p:cNvSpPr/>
+          <p:nvPr/>
+        </p:nvSpPr>
+        <p:spPr>
+          <a:xfrm>
+            <a:off x="8176846" y="4873135"/>
+            <a:ext cx="712177" cy="536331"/>
+          </a:xfrm>
+          <a:prstGeom prst="leftArrow">
+            <a:avLst/>
+          </a:prstGeom>
+        </p:spPr>
+        <p:style>
+          <a:lnRef idx="2">
+            <a:schemeClr val="dk1">
+              <a:shade val="50000"/>
+            </a:schemeClr>
+          </a:lnRef>
+          <a:fillRef idx="1">
+            <a:schemeClr val="dk1"/>
+          </a:fillRef>
+          <a:effectRef idx="0">
+            <a:schemeClr val="dk1"/>
+          </a:effectRef>
+          <a:fontRef idx="minor">
+            <a:schemeClr val="lt1"/>
+          </a:fontRef>
+        </p:style>
+        <p:txBody>
+          <a:bodyPr rtlCol="0" anchor="ctr"/>
+          <a:lstStyle/>
+          <a:p>
+            <a:pPr algn="ctr"/>
+            <a:endParaRPr kumimoji="1" lang="ja-JP" altLang="en-US"/>
+          </a:p>
+        </p:txBody>
+      </p:sp>
+      <p:sp>
+        <p:nvSpPr>
+          <p:cNvPr id="15" name="テキスト ボックス 14"/>
+          <p:cNvSpPr txBox="1"/>
+          <p:nvPr/>
+        </p:nvSpPr>
+        <p:spPr>
+          <a:xfrm>
+            <a:off x="8968152" y="4963415"/>
+            <a:ext cx="2268417" cy="369332"/>
+          </a:xfrm>
+          <a:prstGeom prst="rect">
+            <a:avLst/>
+          </a:prstGeom>
+          <a:noFill/>
+        </p:spPr>
+        <p:txBody>
+          <a:bodyPr wrap="square" rtlCol="0">
+            <a:spAutoFit/>
+          </a:bodyPr>
+          <a:lstStyle/>
+          <a:p>
+            <a:r>
+              <a:rPr kumimoji="1" lang="ja-JP" altLang="en-US" dirty="0" smtClean="0"/>
+              <a:t>押されたら点滅する</a:t>
+            </a:r>
+            <a:endParaRPr kumimoji="1" lang="ja-JP" altLang="en-US" dirty="0"/>
+          </a:p>
+        </p:txBody>
+      </p:sp>
+      <p:sp>
+        <p:nvSpPr>
+          <p:cNvPr id="16" name="正方形/長方形 15"/>
+          <p:cNvSpPr/>
+          <p:nvPr/>
+        </p:nvSpPr>
+        <p:spPr>
+          <a:xfrm>
+            <a:off x="395654" y="4123672"/>
+            <a:ext cx="2464037" cy="589163"/>
+          </a:xfrm>
+          <a:prstGeom prst="rect">
+            <a:avLst/>
+          </a:prstGeom>
+          <a:ln>
+            <a:headEnd type="none" w="med" len="med"/>
+            <a:tailEnd type="none" w="med" len="med"/>
+          </a:ln>
+        </p:spPr>
+        <p:style>
+          <a:lnRef idx="2">
+            <a:schemeClr val="dk1"/>
+          </a:lnRef>
+          <a:fillRef idx="1">
+            <a:schemeClr val="lt1"/>
+          </a:fillRef>
+          <a:effectRef idx="0">
+            <a:schemeClr val="dk1"/>
+          </a:effectRef>
+          <a:fontRef idx="minor">
+            <a:schemeClr val="dk1"/>
+          </a:fontRef>
+        </p:style>
+        <p:txBody>
+          <a:bodyPr rtlCol="0" anchor="ctr"/>
+          <a:lstStyle/>
+          <a:p>
+            <a:pPr algn="ctr"/>
+            <a:endParaRPr kumimoji="1" lang="ja-JP" altLang="en-US"/>
+          </a:p>
+        </p:txBody>
+      </p:sp>
+      <p:sp>
+        <p:nvSpPr>
+          <p:cNvPr id="17" name="テキスト ボックス 16"/>
+          <p:cNvSpPr txBox="1"/>
+          <p:nvPr/>
+        </p:nvSpPr>
+        <p:spPr>
+          <a:xfrm>
+            <a:off x="539263" y="4264282"/>
+            <a:ext cx="2116909" cy="369332"/>
+          </a:xfrm>
+          <a:prstGeom prst="rect">
+            <a:avLst/>
+          </a:prstGeom>
+          <a:noFill/>
+        </p:spPr>
+        <p:txBody>
+          <a:bodyPr wrap="square" rtlCol="0">
+            <a:spAutoFit/>
+          </a:bodyPr>
+          <a:lstStyle/>
+          <a:p>
+            <a:r>
+              <a:rPr kumimoji="1" lang="ja-JP" altLang="en-US" dirty="0" smtClean="0"/>
+              <a:t>後ろに風景の画面</a:t>
+            </a:r>
+            <a:endParaRPr kumimoji="1" lang="ja-JP" altLang="en-US" dirty="0"/>
+          </a:p>
+        </p:txBody>
+      </p:sp>
+      <p:sp>
+        <p:nvSpPr>
+          <p:cNvPr id="18" name="片側の 2 つの角を切り取った四角形 17"/>
+          <p:cNvSpPr/>
+          <p:nvPr/>
+        </p:nvSpPr>
+        <p:spPr>
+          <a:xfrm>
+            <a:off x="905607" y="575896"/>
+            <a:ext cx="2963008" cy="650630"/>
+          </a:xfrm>
+          <a:prstGeom prst="snip2SameRect">
+            <a:avLst/>
+          </a:prstGeom>
+        </p:spPr>
+        <p:style>
+          <a:lnRef idx="2">
+            <a:schemeClr val="accent2">
+              <a:shade val="50000"/>
+            </a:schemeClr>
+          </a:lnRef>
+          <a:fillRef idx="1">
+            <a:schemeClr val="accent2"/>
+          </a:fillRef>
+          <a:effectRef idx="0">
+            <a:schemeClr val="accent2"/>
+          </a:effectRef>
+          <a:fontRef idx="minor">
+            <a:schemeClr val="lt1"/>
+          </a:fontRef>
+        </p:style>
+        <p:txBody>
+          <a:bodyPr rtlCol="0" anchor="ctr"/>
+          <a:lstStyle/>
+          <a:p>
+            <a:pPr algn="ctr"/>
+            <a:endParaRPr kumimoji="1" lang="ja-JP" altLang="en-US"/>
+          </a:p>
+        </p:txBody>
+      </p:sp>
+      <p:sp>
+        <p:nvSpPr>
+          <p:cNvPr id="19" name="テキスト ボックス 18"/>
+          <p:cNvSpPr txBox="1"/>
+          <p:nvPr/>
+        </p:nvSpPr>
+        <p:spPr>
+          <a:xfrm>
+            <a:off x="1005256" y="685876"/>
+            <a:ext cx="2634759" cy="523220"/>
+          </a:xfrm>
+          <a:prstGeom prst="rect">
+            <a:avLst/>
+          </a:prstGeom>
+          <a:noFill/>
+        </p:spPr>
+        <p:txBody>
+          <a:bodyPr wrap="square" rtlCol="0">
+            <a:spAutoFit/>
+          </a:bodyPr>
+          <a:lstStyle/>
+          <a:p>
+            <a:pPr algn="ctr"/>
+            <a:r>
+              <a:rPr kumimoji="1" lang="ja-JP" altLang="en-US" sz="2800" b="1" dirty="0" smtClean="0">
+                <a:solidFill>
+                  <a:schemeClr val="bg2"/>
+                </a:solidFill>
+              </a:rPr>
+              <a:t>１つの場合</a:t>
+            </a:r>
+            <a:endParaRPr kumimoji="1" lang="ja-JP" altLang="en-US" sz="2800" b="1" dirty="0">
+              <a:solidFill>
+                <a:schemeClr val="bg2"/>
+              </a:solidFill>
+            </a:endParaRPr>
+          </a:p>
+        </p:txBody>
+      </p:sp>
+      <p:sp>
+        <p:nvSpPr>
+          <p:cNvPr id="22" name="正方形/長方形 21"/>
+          <p:cNvSpPr/>
+          <p:nvPr/>
+        </p:nvSpPr>
+        <p:spPr>
+          <a:xfrm>
+            <a:off x="4554414" y="480564"/>
+            <a:ext cx="3622432" cy="699047"/>
+          </a:xfrm>
+          <a:prstGeom prst="rect">
+            <a:avLst/>
+          </a:prstGeom>
+        </p:spPr>
+        <p:style>
+          <a:lnRef idx="2">
+            <a:schemeClr val="dk1"/>
+          </a:lnRef>
+          <a:fillRef idx="1">
+            <a:schemeClr val="lt1"/>
+          </a:fillRef>
+          <a:effectRef idx="0">
+            <a:schemeClr val="dk1"/>
+          </a:effectRef>
+          <a:fontRef idx="minor">
+            <a:schemeClr val="dk1"/>
+          </a:fontRef>
+        </p:style>
+        <p:txBody>
+          <a:bodyPr rtlCol="0" anchor="ctr"/>
+          <a:lstStyle/>
+          <a:p>
+            <a:pPr algn="ctr"/>
+            <a:endParaRPr kumimoji="1" lang="ja-JP" altLang="en-US"/>
+          </a:p>
+        </p:txBody>
+      </p:sp>
+      <p:sp>
+        <p:nvSpPr>
+          <p:cNvPr id="23" name="正方形/長方形 22"/>
+          <p:cNvSpPr/>
+          <p:nvPr/>
+        </p:nvSpPr>
+        <p:spPr>
+          <a:xfrm>
+            <a:off x="5090353" y="565467"/>
+            <a:ext cx="2646878" cy="584775"/>
+          </a:xfrm>
+          <a:prstGeom prst="rect">
+            <a:avLst/>
+          </a:prstGeom>
+        </p:spPr>
+        <p:txBody>
+          <a:bodyPr wrap="none">
+            <a:spAutoFit/>
+          </a:bodyPr>
+          <a:lstStyle/>
+          <a:p>
+            <a:r>
+              <a:rPr lang="ja-JP" altLang="en-US" sz="3200" b="1" dirty="0" smtClean="0"/>
+              <a:t>タイトル画面</a:t>
+            </a:r>
+            <a:endParaRPr lang="ja-JP" altLang="en-US" sz="3200" b="1" dirty="0"/>
+          </a:p>
+        </p:txBody>
+      </p:sp>
+    </p:spTree>
+    <p:extLst>
+      <p:ext uri="{BB962C8B-B14F-4D97-AF65-F5344CB8AC3E}">
+        <p14:creationId xmlns:p14="http://schemas.microsoft.com/office/powerpoint/2010/main" val="116108479"/>
+      </p:ext>
+    </p:extLst>
+  </p:cSld>
+  <p:clrMapOvr>
+    <a:masterClrMapping/>
+  </p:clrMapOvr>
+</p:sld>
+</file>
+
+<file path=ppt/slides/slide6.xml><?xml version="1.0" encoding="utf-8"?>
+<p:sld xmlns:a="http://schemas.openxmlformats.org/drawingml/2006/main" xmlns:r="http://schemas.openxmlformats.org/officeDocument/2006/relationships" xmlns:p="http://schemas.openxmlformats.org/presentationml/2006/main">
+  <p:cSld>
+    <p:spTree>
+      <p:nvGrpSpPr>
+        <p:cNvPr id="1" name=""/>
+        <p:cNvGrpSpPr/>
+        <p:nvPr/>
+      </p:nvGrpSpPr>
+      <p:grpSpPr>
+        <a:xfrm>
+          <a:off x="0" y="0"/>
+          <a:ext cx="0" cy="0"/>
+          <a:chOff x="0" y="0"/>
+          <a:chExt cx="0" cy="0"/>
+        </a:xfrm>
+      </p:grpSpPr>
+      <p:sp>
+        <p:nvSpPr>
+          <p:cNvPr id="2" name="タイトル 1"/>
+          <p:cNvSpPr>
+            <a:spLocks noGrp="1"/>
+          </p:cNvSpPr>
+          <p:nvPr>
+            <p:ph type="title"/>
+          </p:nvPr>
+        </p:nvSpPr>
+        <p:spPr>
+          <a:xfrm>
+            <a:off x="732692" y="2545617"/>
+            <a:ext cx="10515600" cy="1325563"/>
+          </a:xfrm>
+        </p:spPr>
+        <p:txBody>
+          <a:bodyPr>
+            <a:normAutofit/>
+          </a:bodyPr>
+          <a:lstStyle/>
+          <a:p>
+            <a:pPr algn="ctr"/>
+            <a:r>
+              <a:rPr kumimoji="1" lang="ja-JP" altLang="en-US" sz="7200" dirty="0" smtClean="0"/>
+              <a:t>選択画面</a:t>
+            </a:r>
+            <a:endParaRPr kumimoji="1" lang="ja-JP" altLang="en-US" sz="7200" dirty="0"/>
+          </a:p>
+        </p:txBody>
+      </p:sp>
+    </p:spTree>
+    <p:extLst>
+      <p:ext uri="{BB962C8B-B14F-4D97-AF65-F5344CB8AC3E}">
+        <p14:creationId xmlns:p14="http://schemas.microsoft.com/office/powerpoint/2010/main" val="2224279775"/>
+      </p:ext>
+    </p:extLst>
+  </p:cSld>
+  <p:clrMapOvr>
+    <a:masterClrMapping/>
+  </p:clrMapOvr>
+  <mc:AlternateContent xmlns:mc="http://schemas.openxmlformats.org/markup-compatibility/2006">
+    <mc:Choice xmlns:p14="http://schemas.microsoft.com/office/powerpoint/2010/main" Requires="p14">
+      <p:transition spd="slow" p14:dur="2000"/>
+    </mc:Choice>
+    <mc:Fallback>
+      <p:transition spd="slow"/>
+    </mc:Fallback>
+  </mc:AlternateContent>
+</p:sld>
+</file>
+
+<file path=ppt/slides/slide7.xml><?xml version="1.0" encoding="utf-8"?>
+<p:sld xmlns:a="http://schemas.openxmlformats.org/drawingml/2006/main" xmlns:r="http://schemas.openxmlformats.org/officeDocument/2006/relationships" xmlns:p="http://schemas.openxmlformats.org/presentationml/2006/main">
+  <p:cSld>
+    <p:spTree>
+      <p:nvGrpSpPr>
+        <p:cNvPr id="1" name=""/>
+        <p:cNvGrpSpPr/>
+        <p:nvPr/>
+      </p:nvGrpSpPr>
+      <p:grpSpPr>
+        <a:xfrm>
+          <a:off x="0" y="0"/>
+          <a:ext cx="0" cy="0"/>
+          <a:chOff x="0" y="0"/>
+          <a:chExt cx="0" cy="0"/>
+        </a:xfrm>
+      </p:grpSpPr>
+      <p:sp>
+        <p:nvSpPr>
           <p:cNvPr id="4" name="楕円 3"/>
           <p:cNvSpPr/>
           <p:nvPr/>
@@ -5363,7 +8552,7 @@
         </p:nvSpPr>
         <p:spPr>
           <a:xfrm>
-            <a:off x="4239204" y="279117"/>
+            <a:off x="3930493" y="279117"/>
             <a:ext cx="3622432" cy="699047"/>
           </a:xfrm>
           <a:prstGeom prst="rect">
@@ -5401,7 +8590,7 @@
         </p:nvSpPr>
         <p:spPr>
           <a:xfrm>
-            <a:off x="5137349" y="384620"/>
+            <a:off x="4828638" y="384620"/>
             <a:ext cx="1826141" cy="584775"/>
           </a:xfrm>
           <a:prstGeom prst="rect">
@@ -5430,13 +8619,15 @@
         </p:nvSpPr>
         <p:spPr>
           <a:xfrm rot="1667905">
-            <a:off x="8845265" y="729833"/>
+            <a:off x="9362547" y="489015"/>
             <a:ext cx="2549931" cy="1829738"/>
           </a:xfrm>
           <a:prstGeom prst="wedgeEllipseCallout">
             <a:avLst/>
           </a:prstGeom>
-          <a:noFill/>
+          <a:solidFill>
+            <a:schemeClr val="bg1"/>
+          </a:solidFill>
           <a:ln w="57150" cap="flat" cmpd="sng" algn="ctr">
             <a:solidFill>
               <a:srgbClr val="FF0000"/>
@@ -5478,7 +8669,7 @@
         </p:nvSpPr>
         <p:spPr>
           <a:xfrm>
-            <a:off x="9127974" y="1167648"/>
+            <a:off x="9645256" y="926830"/>
             <a:ext cx="1984512" cy="954107"/>
           </a:xfrm>
           <a:prstGeom prst="rect">
@@ -5622,10 +8813,695 @@
           </a:fontRef>
         </p:style>
       </p:cxnSp>
+      <p:sp>
+        <p:nvSpPr>
+          <p:cNvPr id="2" name="テキスト ボックス 1"/>
+          <p:cNvSpPr txBox="1"/>
+          <p:nvPr/>
+        </p:nvSpPr>
+        <p:spPr>
+          <a:xfrm>
+            <a:off x="4965823" y="5535453"/>
+            <a:ext cx="1457325" cy="461665"/>
+          </a:xfrm>
+          <a:prstGeom prst="rect">
+            <a:avLst/>
+          </a:prstGeom>
+          <a:noFill/>
+        </p:spPr>
+        <p:txBody>
+          <a:bodyPr wrap="square" rtlCol="0">
+            <a:spAutoFit/>
+          </a:bodyPr>
+          <a:lstStyle/>
+          <a:p>
+            <a:pPr algn="ctr"/>
+            <a:r>
+              <a:rPr lang="ja-JP" altLang="en-US" sz="2400" b="1" dirty="0" smtClean="0">
+                <a:solidFill>
+                  <a:schemeClr val="bg1"/>
+                </a:solidFill>
+                <a:effectLst>
+                  <a:outerShdw blurRad="38100" dist="38100" dir="2700000" algn="tl">
+                    <a:srgbClr val="000000">
+                      <a:alpha val="43137"/>
+                    </a:srgbClr>
+                  </a:outerShdw>
+                </a:effectLst>
+              </a:rPr>
+              <a:t>モード</a:t>
+            </a:r>
+            <a:r>
+              <a:rPr lang="en-US" altLang="ja-JP" sz="2400" b="1" dirty="0" smtClean="0">
+                <a:solidFill>
+                  <a:schemeClr val="bg1"/>
+                </a:solidFill>
+                <a:effectLst>
+                  <a:outerShdw blurRad="38100" dist="38100" dir="2700000" algn="tl">
+                    <a:srgbClr val="000000">
+                      <a:alpha val="43137"/>
+                    </a:srgbClr>
+                  </a:outerShdw>
+                </a:effectLst>
+              </a:rPr>
+              <a:t>1</a:t>
+            </a:r>
+            <a:endParaRPr lang="ja-JP" altLang="en-US" sz="2400" b="1" dirty="0">
+              <a:solidFill>
+                <a:schemeClr val="bg1"/>
+              </a:solidFill>
+              <a:effectLst>
+                <a:outerShdw blurRad="38100" dist="38100" dir="2700000" algn="tl">
+                  <a:srgbClr val="000000">
+                    <a:alpha val="43137"/>
+                  </a:srgbClr>
+                </a:outerShdw>
+              </a:effectLst>
+            </a:endParaRPr>
+          </a:p>
+        </p:txBody>
+      </p:sp>
+      <p:sp>
+        <p:nvSpPr>
+          <p:cNvPr id="17" name="テキスト ボックス 16"/>
+          <p:cNvSpPr txBox="1"/>
+          <p:nvPr/>
+        </p:nvSpPr>
+        <p:spPr>
+          <a:xfrm>
+            <a:off x="2421914" y="3420175"/>
+            <a:ext cx="1457325" cy="461665"/>
+          </a:xfrm>
+          <a:prstGeom prst="rect">
+            <a:avLst/>
+          </a:prstGeom>
+          <a:noFill/>
+        </p:spPr>
+        <p:txBody>
+          <a:bodyPr wrap="square" rtlCol="0">
+            <a:spAutoFit/>
+          </a:bodyPr>
+          <a:lstStyle/>
+          <a:p>
+            <a:pPr algn="ctr"/>
+            <a:r>
+              <a:rPr lang="ja-JP" altLang="en-US" sz="2400" b="1" dirty="0" smtClean="0">
+                <a:solidFill>
+                  <a:schemeClr val="bg1"/>
+                </a:solidFill>
+                <a:effectLst>
+                  <a:outerShdw blurRad="38100" dist="38100" dir="2700000" algn="tl">
+                    <a:srgbClr val="000000">
+                      <a:alpha val="43137"/>
+                    </a:srgbClr>
+                  </a:outerShdw>
+                </a:effectLst>
+              </a:rPr>
+              <a:t>モード</a:t>
+            </a:r>
+            <a:r>
+              <a:rPr lang="en-US" altLang="ja-JP" sz="2400" b="1" dirty="0" smtClean="0">
+                <a:solidFill>
+                  <a:schemeClr val="bg1"/>
+                </a:solidFill>
+                <a:effectLst>
+                  <a:outerShdw blurRad="38100" dist="38100" dir="2700000" algn="tl">
+                    <a:srgbClr val="000000">
+                      <a:alpha val="43137"/>
+                    </a:srgbClr>
+                  </a:outerShdw>
+                </a:effectLst>
+              </a:rPr>
+              <a:t>2</a:t>
+            </a:r>
+            <a:endParaRPr lang="ja-JP" altLang="en-US" sz="2400" b="1" dirty="0">
+              <a:solidFill>
+                <a:schemeClr val="bg1"/>
+              </a:solidFill>
+              <a:effectLst>
+                <a:outerShdw blurRad="38100" dist="38100" dir="2700000" algn="tl">
+                  <a:srgbClr val="000000">
+                    <a:alpha val="43137"/>
+                  </a:srgbClr>
+                </a:outerShdw>
+              </a:effectLst>
+            </a:endParaRPr>
+          </a:p>
+        </p:txBody>
+      </p:sp>
+      <p:sp>
+        <p:nvSpPr>
+          <p:cNvPr id="18" name="テキスト ボックス 17"/>
+          <p:cNvSpPr txBox="1"/>
+          <p:nvPr/>
+        </p:nvSpPr>
+        <p:spPr>
+          <a:xfrm>
+            <a:off x="7427668" y="3420175"/>
+            <a:ext cx="1457325" cy="461665"/>
+          </a:xfrm>
+          <a:prstGeom prst="rect">
+            <a:avLst/>
+          </a:prstGeom>
+          <a:noFill/>
+        </p:spPr>
+        <p:txBody>
+          <a:bodyPr wrap="square" rtlCol="0">
+            <a:spAutoFit/>
+          </a:bodyPr>
+          <a:lstStyle/>
+          <a:p>
+            <a:pPr algn="ctr"/>
+            <a:r>
+              <a:rPr lang="ja-JP" altLang="en-US" sz="2400" b="1" dirty="0" smtClean="0">
+                <a:solidFill>
+                  <a:schemeClr val="bg1"/>
+                </a:solidFill>
+                <a:effectLst>
+                  <a:outerShdw blurRad="38100" dist="38100" dir="2700000" algn="tl">
+                    <a:srgbClr val="000000">
+                      <a:alpha val="43137"/>
+                    </a:srgbClr>
+                  </a:outerShdw>
+                </a:effectLst>
+              </a:rPr>
+              <a:t>モード</a:t>
+            </a:r>
+            <a:r>
+              <a:rPr lang="en-US" altLang="ja-JP" sz="2400" b="1" dirty="0" smtClean="0">
+                <a:solidFill>
+                  <a:schemeClr val="bg1"/>
+                </a:solidFill>
+                <a:effectLst>
+                  <a:outerShdw blurRad="38100" dist="38100" dir="2700000" algn="tl">
+                    <a:srgbClr val="000000">
+                      <a:alpha val="43137"/>
+                    </a:srgbClr>
+                  </a:outerShdw>
+                </a:effectLst>
+              </a:rPr>
+              <a:t>3</a:t>
+            </a:r>
+            <a:endParaRPr lang="ja-JP" altLang="en-US" sz="2400" b="1" dirty="0">
+              <a:solidFill>
+                <a:schemeClr val="bg1"/>
+              </a:solidFill>
+              <a:effectLst>
+                <a:outerShdw blurRad="38100" dist="38100" dir="2700000" algn="tl">
+                  <a:srgbClr val="000000">
+                    <a:alpha val="43137"/>
+                  </a:srgbClr>
+                </a:outerShdw>
+              </a:effectLst>
+            </a:endParaRPr>
+          </a:p>
+        </p:txBody>
+      </p:sp>
     </p:spTree>
     <p:extLst>
       <p:ext uri="{BB962C8B-B14F-4D97-AF65-F5344CB8AC3E}">
         <p14:creationId xmlns:p14="http://schemas.microsoft.com/office/powerpoint/2010/main" val="3496546769"/>
+      </p:ext>
+    </p:extLst>
+  </p:cSld>
+  <p:clrMapOvr>
+    <a:masterClrMapping/>
+  </p:clrMapOvr>
+</p:sld>
+</file>
+
+<file path=ppt/slides/slide8.xml><?xml version="1.0" encoding="utf-8"?>
+<p:sld xmlns:a="http://schemas.openxmlformats.org/drawingml/2006/main" xmlns:r="http://schemas.openxmlformats.org/officeDocument/2006/relationships" xmlns:p="http://schemas.openxmlformats.org/presentationml/2006/main">
+  <p:cSld>
+    <p:spTree>
+      <p:nvGrpSpPr>
+        <p:cNvPr id="1" name=""/>
+        <p:cNvGrpSpPr/>
+        <p:nvPr/>
+      </p:nvGrpSpPr>
+      <p:grpSpPr>
+        <a:xfrm>
+          <a:off x="0" y="0"/>
+          <a:ext cx="0" cy="0"/>
+          <a:chOff x="0" y="0"/>
+          <a:chExt cx="0" cy="0"/>
+        </a:xfrm>
+      </p:grpSpPr>
+      <p:sp>
+        <p:nvSpPr>
+          <p:cNvPr id="2" name="タイトル 1"/>
+          <p:cNvSpPr>
+            <a:spLocks noGrp="1"/>
+          </p:cNvSpPr>
+          <p:nvPr>
+            <p:ph type="title"/>
+          </p:nvPr>
+        </p:nvSpPr>
+        <p:spPr>
+          <a:xfrm>
+            <a:off x="732692" y="2545617"/>
+            <a:ext cx="10515600" cy="1325563"/>
+          </a:xfrm>
+        </p:spPr>
+        <p:txBody>
+          <a:bodyPr>
+            <a:normAutofit/>
+          </a:bodyPr>
+          <a:lstStyle/>
+          <a:p>
+            <a:pPr algn="ctr"/>
+            <a:r>
+              <a:rPr lang="ja-JP" altLang="en-US" sz="7200" dirty="0" smtClean="0"/>
+              <a:t>モード１</a:t>
+            </a:r>
+            <a:endParaRPr kumimoji="1" lang="ja-JP" altLang="en-US" sz="7200" dirty="0"/>
+          </a:p>
+        </p:txBody>
+      </p:sp>
+    </p:spTree>
+    <p:extLst>
+      <p:ext uri="{BB962C8B-B14F-4D97-AF65-F5344CB8AC3E}">
+        <p14:creationId xmlns:p14="http://schemas.microsoft.com/office/powerpoint/2010/main" val="3692417601"/>
+      </p:ext>
+    </p:extLst>
+  </p:cSld>
+  <p:clrMapOvr>
+    <a:masterClrMapping/>
+  </p:clrMapOvr>
+  <mc:AlternateContent xmlns:mc="http://schemas.openxmlformats.org/markup-compatibility/2006">
+    <mc:Choice xmlns:p14="http://schemas.microsoft.com/office/powerpoint/2010/main" Requires="p14">
+      <p:transition spd="slow" p14:dur="2000"/>
+    </mc:Choice>
+    <mc:Fallback>
+      <p:transition spd="slow"/>
+    </mc:Fallback>
+  </mc:AlternateContent>
+</p:sld>
+</file>
+
+<file path=ppt/slides/slide9.xml><?xml version="1.0" encoding="utf-8"?>
+<p:sld xmlns:a="http://schemas.openxmlformats.org/drawingml/2006/main" xmlns:r="http://schemas.openxmlformats.org/officeDocument/2006/relationships" xmlns:p="http://schemas.openxmlformats.org/presentationml/2006/main">
+  <p:cSld>
+    <p:spTree>
+      <p:nvGrpSpPr>
+        <p:cNvPr id="1" name=""/>
+        <p:cNvGrpSpPr/>
+        <p:nvPr/>
+      </p:nvGrpSpPr>
+      <p:grpSpPr>
+        <a:xfrm>
+          <a:off x="0" y="0"/>
+          <a:ext cx="0" cy="0"/>
+          <a:chOff x="0" y="0"/>
+          <a:chExt cx="0" cy="0"/>
+        </a:xfrm>
+      </p:grpSpPr>
+      <p:sp>
+        <p:nvSpPr>
+          <p:cNvPr id="16" name="正方形/長方形 15"/>
+          <p:cNvSpPr/>
+          <p:nvPr/>
+        </p:nvSpPr>
+        <p:spPr>
+          <a:xfrm>
+            <a:off x="1822890" y="1657093"/>
+            <a:ext cx="8408472" cy="5060230"/>
+          </a:xfrm>
+          <a:prstGeom prst="rect">
+            <a:avLst/>
+          </a:prstGeom>
+          <a:noFill/>
+          <a:ln w="28575" cap="flat" cmpd="sng" algn="ctr">
+            <a:solidFill>
+              <a:schemeClr val="dk1"/>
+            </a:solidFill>
+            <a:prstDash val="solid"/>
+            <a:round/>
+            <a:headEnd type="none" w="med" len="med"/>
+            <a:tailEnd type="none" w="med" len="med"/>
+          </a:ln>
+        </p:spPr>
+        <p:style>
+          <a:lnRef idx="0">
+            <a:scrgbClr r="0" g="0" b="0"/>
+          </a:lnRef>
+          <a:fillRef idx="0">
+            <a:scrgbClr r="0" g="0" b="0"/>
+          </a:fillRef>
+          <a:effectRef idx="0">
+            <a:scrgbClr r="0" g="0" b="0"/>
+          </a:effectRef>
+          <a:fontRef idx="minor">
+            <a:schemeClr val="dk1"/>
+          </a:fontRef>
+        </p:style>
+        <p:txBody>
+          <a:bodyPr rtlCol="0" anchor="ctr"/>
+          <a:lstStyle/>
+          <a:p>
+            <a:pPr algn="ctr"/>
+            <a:endParaRPr kumimoji="1" lang="ja-JP" altLang="en-US"/>
+          </a:p>
+        </p:txBody>
+      </p:sp>
+      <p:sp>
+        <p:nvSpPr>
+          <p:cNvPr id="4" name="フローチャート: 磁気ディスク 3"/>
+          <p:cNvSpPr/>
+          <p:nvPr/>
+        </p:nvSpPr>
+        <p:spPr>
+          <a:xfrm>
+            <a:off x="3332284" y="2954215"/>
+            <a:ext cx="5389685" cy="3692770"/>
+          </a:xfrm>
+          <a:prstGeom prst="flowChartMagneticDisk">
+            <a:avLst/>
+          </a:prstGeom>
+        </p:spPr>
+        <p:style>
+          <a:lnRef idx="2">
+            <a:schemeClr val="accent1">
+              <a:shade val="50000"/>
+            </a:schemeClr>
+          </a:lnRef>
+          <a:fillRef idx="1">
+            <a:schemeClr val="accent1"/>
+          </a:fillRef>
+          <a:effectRef idx="0">
+            <a:schemeClr val="accent1"/>
+          </a:effectRef>
+          <a:fontRef idx="minor">
+            <a:schemeClr val="lt1"/>
+          </a:fontRef>
+        </p:style>
+        <p:txBody>
+          <a:bodyPr rtlCol="0" anchor="ctr"/>
+          <a:lstStyle/>
+          <a:p>
+            <a:pPr algn="ctr"/>
+            <a:endParaRPr kumimoji="1" lang="ja-JP" altLang="en-US">
+              <a:ln w="28575">
+                <a:solidFill>
+                  <a:schemeClr val="tx1"/>
+                </a:solidFill>
+              </a:ln>
+            </a:endParaRPr>
+          </a:p>
+        </p:txBody>
+      </p:sp>
+      <p:pic>
+        <p:nvPicPr>
+          <p:cNvPr id="1032" name="Picture 8" descr="https://sozaic.com/wp-content/uploads/2022/05/life434.jpg"/>
+          <p:cNvPicPr>
+            <a:picLocks noChangeAspect="1" noChangeArrowheads="1"/>
+          </p:cNvPicPr>
+          <p:nvPr/>
+        </p:nvPicPr>
+        <p:blipFill rotWithShape="1">
+          <a:blip r:embed="rId2">
+            <a:extLst>
+              <a:ext uri="{BEBA8EAE-BF5A-486C-A8C5-ECC9F3942E4B}">
+                <a14:imgProps xmlns:a14="http://schemas.microsoft.com/office/drawing/2010/main">
+                  <a14:imgLayer r:embed="rId3">
+                    <a14:imgEffect>
+                      <a14:backgroundRemoval t="0" b="66667" l="38021" r="60938">
+                        <a14:foregroundMark x1="38194" y1="17313" x2="38194" y2="17313"/>
+                        <a14:foregroundMark x1="60938" y1="11370" x2="60938" y2="11370"/>
+                        <a14:foregroundMark x1="48264" y1="0" x2="48264" y2="0"/>
+                        <a14:foregroundMark x1="46528" y1="43928" x2="47396" y2="60207"/>
+                        <a14:foregroundMark x1="45486" y1="52196" x2="48611" y2="66667"/>
+                        <a14:foregroundMark x1="46875" y1="46770" x2="45660" y2="58656"/>
+                        <a14:foregroundMark x1="46007" y1="50904" x2="46007" y2="64858"/>
+                        <a14:foregroundMark x1="45660" y1="46770" x2="45660" y2="61757"/>
+                        <a14:foregroundMark x1="44618" y1="49871" x2="44618" y2="62274"/>
+                        <a14:foregroundMark x1="46875" y1="46770" x2="51042" y2="65633"/>
+                        <a14:foregroundMark x1="48264" y1="49871" x2="48958" y2="56848"/>
+                        <a14:foregroundMark x1="46875" y1="36951" x2="49132" y2="50904"/>
+                      </a14:backgroundRemoval>
+                    </a14:imgEffect>
+                  </a14:imgLayer>
+                </a14:imgProps>
+              </a:ext>
+              <a:ext uri="{28A0092B-C50C-407E-A947-70E740481C1C}">
+                <a14:useLocalDpi xmlns:a14="http://schemas.microsoft.com/office/drawing/2010/main" val="0"/>
+              </a:ext>
+            </a:extLst>
+          </a:blip>
+          <a:srcRect l="38141" r="38301" b="34655"/>
+          <a:stretch/>
+        </p:blipFill>
+        <p:spPr bwMode="auto">
+          <a:xfrm rot="19957864">
+            <a:off x="4927538" y="2769602"/>
+            <a:ext cx="710866" cy="1069837"/>
+          </a:xfrm>
+          <a:prstGeom prst="rect">
+            <a:avLst/>
+          </a:prstGeom>
+          <a:noFill/>
+          <a:extLst>
+            <a:ext uri="{909E8E84-426E-40DD-AFC4-6F175D3DCCD1}">
+              <a14:hiddenFill xmlns:a14="http://schemas.microsoft.com/office/drawing/2010/main">
+                <a:solidFill>
+                  <a:srgbClr val="FFFFFF"/>
+                </a:solidFill>
+              </a14:hiddenFill>
+            </a:ext>
+          </a:extLst>
+        </p:spPr>
+      </p:pic>
+      <p:pic>
+        <p:nvPicPr>
+          <p:cNvPr id="13" name="Picture 2" descr="まとめ】車の無料イラスト素材｜イラストイメージ"/>
+          <p:cNvPicPr>
+            <a:picLocks noChangeAspect="1" noChangeArrowheads="1"/>
+          </p:cNvPicPr>
+          <p:nvPr/>
+        </p:nvPicPr>
+        <p:blipFill rotWithShape="1">
+          <a:blip r:embed="rId4">
+            <a:extLst>
+              <a:ext uri="{BEBA8EAE-BF5A-486C-A8C5-ECC9F3942E4B}">
+                <a14:imgProps xmlns:a14="http://schemas.microsoft.com/office/drawing/2010/main">
+                  <a14:imgLayer r:embed="rId5">
+                    <a14:imgEffect>
+                      <a14:backgroundRemoval t="27500" b="74167" l="10000" r="91667"/>
+                    </a14:imgEffect>
+                  </a14:imgLayer>
+                </a14:imgProps>
+              </a:ext>
+              <a:ext uri="{28A0092B-C50C-407E-A947-70E740481C1C}">
+                <a14:useLocalDpi xmlns:a14="http://schemas.microsoft.com/office/drawing/2010/main" val="0"/>
+              </a:ext>
+            </a:extLst>
+          </a:blip>
+          <a:srcRect l="9232" t="27790" r="8845" b="25671"/>
+          <a:stretch/>
+        </p:blipFill>
+        <p:spPr bwMode="auto">
+          <a:xfrm>
+            <a:off x="5201692" y="2970412"/>
+            <a:ext cx="1872761" cy="1063870"/>
+          </a:xfrm>
+          <a:prstGeom prst="rect">
+            <a:avLst/>
+          </a:prstGeom>
+          <a:noFill/>
+          <a:extLst>
+            <a:ext uri="{909E8E84-426E-40DD-AFC4-6F175D3DCCD1}">
+              <a14:hiddenFill xmlns:a14="http://schemas.microsoft.com/office/drawing/2010/main">
+                <a:solidFill>
+                  <a:srgbClr val="FFFFFF"/>
+                </a:solidFill>
+              </a14:hiddenFill>
+            </a:ext>
+          </a:extLst>
+        </p:spPr>
+      </p:pic>
+      <p:sp>
+        <p:nvSpPr>
+          <p:cNvPr id="14" name="角丸四角形 13"/>
+          <p:cNvSpPr/>
+          <p:nvPr/>
+        </p:nvSpPr>
+        <p:spPr>
+          <a:xfrm>
+            <a:off x="3719146" y="1178582"/>
+            <a:ext cx="4308231" cy="957022"/>
+          </a:xfrm>
+          <a:prstGeom prst="roundRect">
+            <a:avLst/>
+          </a:prstGeom>
+        </p:spPr>
+        <p:style>
+          <a:lnRef idx="1">
+            <a:schemeClr val="accent2"/>
+          </a:lnRef>
+          <a:fillRef idx="2">
+            <a:schemeClr val="accent2"/>
+          </a:fillRef>
+          <a:effectRef idx="1">
+            <a:schemeClr val="accent2"/>
+          </a:effectRef>
+          <a:fontRef idx="minor">
+            <a:schemeClr val="dk1"/>
+          </a:fontRef>
+        </p:style>
+        <p:txBody>
+          <a:bodyPr rtlCol="0" anchor="ctr"/>
+          <a:lstStyle/>
+          <a:p>
+            <a:pPr algn="ctr"/>
+            <a:endParaRPr kumimoji="1" lang="ja-JP" altLang="en-US"/>
+          </a:p>
+        </p:txBody>
+      </p:sp>
+      <p:sp>
+        <p:nvSpPr>
+          <p:cNvPr id="15" name="テキスト ボックス 14"/>
+          <p:cNvSpPr txBox="1"/>
+          <p:nvPr/>
+        </p:nvSpPr>
+        <p:spPr>
+          <a:xfrm>
+            <a:off x="3888077" y="1304607"/>
+            <a:ext cx="4053984" cy="830997"/>
+          </a:xfrm>
+          <a:prstGeom prst="rect">
+            <a:avLst/>
+          </a:prstGeom>
+          <a:noFill/>
+        </p:spPr>
+        <p:txBody>
+          <a:bodyPr wrap="square" rtlCol="0">
+            <a:spAutoFit/>
+          </a:bodyPr>
+          <a:lstStyle/>
+          <a:p>
+            <a:pPr algn="ctr"/>
+            <a:r>
+              <a:rPr kumimoji="1" lang="ja-JP" altLang="en-US" sz="4800" dirty="0" smtClean="0"/>
+              <a:t>タイトルロゴ</a:t>
+            </a:r>
+            <a:endParaRPr kumimoji="1" lang="ja-JP" altLang="en-US" sz="4800" dirty="0"/>
+          </a:p>
+        </p:txBody>
+      </p:sp>
+      <p:sp>
+        <p:nvSpPr>
+          <p:cNvPr id="5" name="正方形/長方形 4"/>
+          <p:cNvSpPr/>
+          <p:nvPr/>
+        </p:nvSpPr>
+        <p:spPr>
+          <a:xfrm>
+            <a:off x="3993018" y="274728"/>
+            <a:ext cx="3622432" cy="699047"/>
+          </a:xfrm>
+          <a:prstGeom prst="rect">
+            <a:avLst/>
+          </a:prstGeom>
+          <a:solidFill>
+            <a:schemeClr val="bg1"/>
+          </a:solidFill>
+        </p:spPr>
+        <p:style>
+          <a:lnRef idx="2">
+            <a:schemeClr val="dk1"/>
+          </a:lnRef>
+          <a:fillRef idx="1">
+            <a:schemeClr val="lt1"/>
+          </a:fillRef>
+          <a:effectRef idx="0">
+            <a:schemeClr val="dk1"/>
+          </a:effectRef>
+          <a:fontRef idx="minor">
+            <a:schemeClr val="dk1"/>
+          </a:fontRef>
+        </p:style>
+        <p:txBody>
+          <a:bodyPr rtlCol="0" anchor="ctr"/>
+          <a:lstStyle/>
+          <a:p>
+            <a:pPr algn="ctr"/>
+            <a:endParaRPr kumimoji="1" lang="ja-JP" altLang="en-US">
+              <a:solidFill>
+                <a:schemeClr val="bg1"/>
+              </a:solidFill>
+            </a:endParaRPr>
+          </a:p>
+        </p:txBody>
+      </p:sp>
+      <p:sp>
+        <p:nvSpPr>
+          <p:cNvPr id="6" name="正方形/長方形 5"/>
+          <p:cNvSpPr/>
+          <p:nvPr/>
+        </p:nvSpPr>
+        <p:spPr>
+          <a:xfrm>
+            <a:off x="4891164" y="331865"/>
+            <a:ext cx="1826141" cy="584775"/>
+          </a:xfrm>
+          <a:prstGeom prst="rect">
+            <a:avLst/>
+          </a:prstGeom>
+        </p:spPr>
+        <p:txBody>
+          <a:bodyPr wrap="none">
+            <a:spAutoFit/>
+          </a:bodyPr>
+          <a:lstStyle/>
+          <a:p>
+            <a:r>
+              <a:rPr lang="ja-JP" altLang="en-US" sz="3200" dirty="0"/>
+              <a:t>モード１</a:t>
+            </a:r>
+            <a:endParaRPr lang="ja-JP" altLang="en-US" sz="3200" b="1" dirty="0"/>
+          </a:p>
+        </p:txBody>
+      </p:sp>
+      <p:pic>
+        <p:nvPicPr>
+          <p:cNvPr id="17" name="図 16"/>
+          <p:cNvPicPr>
+            <a:picLocks noChangeAspect="1"/>
+          </p:cNvPicPr>
+          <p:nvPr/>
+        </p:nvPicPr>
+        <p:blipFill>
+          <a:blip r:embed="rId6">
+            <a:extLst>
+              <a:ext uri="{BEBA8EAE-BF5A-486C-A8C5-ECC9F3942E4B}">
+                <a14:imgProps xmlns:a14="http://schemas.microsoft.com/office/drawing/2010/main">
+                  <a14:imgLayer r:embed="rId7">
+                    <a14:imgEffect>
+                      <a14:backgroundRemoval t="10000" b="90000" l="2053" r="95894"/>
+                    </a14:imgEffect>
+                  </a14:imgLayer>
+                </a14:imgProps>
+              </a:ext>
+            </a:extLst>
+          </a:blip>
+          <a:stretch>
+            <a:fillRect/>
+          </a:stretch>
+        </p:blipFill>
+        <p:spPr>
+          <a:xfrm>
+            <a:off x="4766373" y="2596752"/>
+            <a:ext cx="1033195" cy="1030165"/>
+          </a:xfrm>
+          <a:prstGeom prst="rect">
+            <a:avLst/>
+          </a:prstGeom>
+        </p:spPr>
+      </p:pic>
+    </p:spTree>
+    <p:extLst>
+      <p:ext uri="{BB962C8B-B14F-4D97-AF65-F5344CB8AC3E}">
+        <p14:creationId xmlns:p14="http://schemas.microsoft.com/office/powerpoint/2010/main" val="397679451"/>
       </p:ext>
     </p:extLst>
   </p:cSld>
@@ -5894,4 +9770,265 @@
     </a:ext>
   </a:extLst>
 </a:theme>
+</file>
+
+<file path=ppt/theme/theme2.xml><?xml version="1.0" encoding="utf-8"?>
+<a:theme xmlns:a="http://schemas.openxmlformats.org/drawingml/2006/main" name="Office テーマ">
+  <a:themeElements>
+    <a:clrScheme name="Office">
+      <a:dk1>
+        <a:sysClr val="windowText" lastClr="000000"/>
+      </a:dk1>
+      <a:lt1>
+        <a:sysClr val="window" lastClr="FFFFFF"/>
+      </a:lt1>
+      <a:dk2>
+        <a:srgbClr val="44546A"/>
+      </a:dk2>
+      <a:lt2>
+        <a:srgbClr val="E7E6E6"/>
+      </a:lt2>
+      <a:accent1>
+        <a:srgbClr val="5B9BD5"/>
+      </a:accent1>
+      <a:accent2>
+        <a:srgbClr val="ED7D31"/>
+      </a:accent2>
+      <a:accent3>
+        <a:srgbClr val="A5A5A5"/>
+      </a:accent3>
+      <a:accent4>
+        <a:srgbClr val="FFC000"/>
+      </a:accent4>
+      <a:accent5>
+        <a:srgbClr val="4472C4"/>
+      </a:accent5>
+      <a:accent6>
+        <a:srgbClr val="70AD47"/>
+      </a:accent6>
+      <a:hlink>
+        <a:srgbClr val="0563C1"/>
+      </a:hlink>
+      <a:folHlink>
+        <a:srgbClr val="954F72"/>
+      </a:folHlink>
+    </a:clrScheme>
+    <a:fontScheme name="Office">
+      <a:majorFont>
+        <a:latin typeface="游ゴシック Light" panose="020F0302020204030204"/>
+        <a:ea typeface=""/>
+        <a:cs typeface=""/>
+        <a:font script="Jpan" typeface="游ゴシック Light"/>
+        <a:font script="Hang" typeface="맑은 고딕"/>
+        <a:font script="Hans" typeface="等线 Light"/>
+        <a:font script="Hant" typeface="新細明體"/>
+        <a:font script="Arab" typeface="Times New Roman"/>
+        <a:font script="Hebr" typeface="Times New Roman"/>
+        <a:font script="Thai" typeface="Angsana New"/>
+        <a:font script="Ethi" typeface="Nyala"/>
+        <a:font script="Beng" typeface="Vrinda"/>
+        <a:font script="Gujr" typeface="Shruti"/>
+        <a:font script="Khmr" typeface="MoolBoran"/>
+        <a:font script="Knda" typeface="Tunga"/>
+        <a:font script="Guru" typeface="Raavi"/>
+        <a:font script="Cans" typeface="Euphemia"/>
+        <a:font script="Cher" typeface="Plantagenet Cherokee"/>
+        <a:font script="Yiii" typeface="Microsoft Yi Baiti"/>
+        <a:font script="Tibt" typeface="Microsoft Himalaya"/>
+        <a:font script="Thaa" typeface="MV Boli"/>
+        <a:font script="Deva" typeface="Mangal"/>
+        <a:font script="Telu" typeface="Gautami"/>
+        <a:font script="Taml" typeface="Latha"/>
+        <a:font script="Syrc" typeface="Estrangelo Edessa"/>
+        <a:font script="Orya" typeface="Kalinga"/>
+        <a:font script="Mlym" typeface="Kartika"/>
+        <a:font script="Laoo" typeface="DokChampa"/>
+        <a:font script="Sinh" typeface="Iskoola Pota"/>
+        <a:font script="Mong" typeface="Mongolian Baiti"/>
+        <a:font script="Viet" typeface="Times New Roman"/>
+        <a:font script="Uigh" typeface="Microsoft Uighur"/>
+        <a:font script="Geor" typeface="Sylfaen"/>
+      </a:majorFont>
+      <a:minorFont>
+        <a:latin typeface="游ゴシック" panose="020F0502020204030204"/>
+        <a:ea typeface=""/>
+        <a:cs typeface=""/>
+        <a:font script="Jpan" typeface="游ゴシック"/>
+        <a:font script="Hang" typeface="맑은 고딕"/>
+        <a:font script="Hans" typeface="等线"/>
+        <a:font script="Hant" typeface="新細明體"/>
+        <a:font script="Arab" typeface="Arial"/>
+        <a:font script="Hebr" typeface="Arial"/>
+        <a:font script="Thai" typeface="Cordia New"/>
+        <a:font script="Ethi" typeface="Nyala"/>
+        <a:font script="Beng" typeface="Vrinda"/>
+        <a:font script="Gujr" typeface="Shruti"/>
+        <a:font script="Khmr" typeface="DaunPenh"/>
+        <a:font script="Knda" typeface="Tunga"/>
+        <a:font script="Guru" typeface="Raavi"/>
+        <a:font script="Cans" typeface="Euphemia"/>
+        <a:font script="Cher" typeface="Plantagenet Cherokee"/>
+        <a:font script="Yiii" typeface="Microsoft Yi Baiti"/>
+        <a:font script="Tibt" typeface="Microsoft Himalaya"/>
+        <a:font script="Thaa" typeface="MV Boli"/>
+        <a:font script="Deva" typeface="Mangal"/>
+        <a:font script="Telu" typeface="Gautami"/>
+        <a:font script="Taml" typeface="Latha"/>
+        <a:font script="Syrc" typeface="Estrangelo Edessa"/>
+        <a:font script="Orya" typeface="Kalinga"/>
+        <a:font script="Mlym" typeface="Kartika"/>
+        <a:font script="Laoo" typeface="DokChampa"/>
+        <a:font script="Sinh" typeface="Iskoola Pota"/>
+        <a:font script="Mong" typeface="Mongolian Baiti"/>
+        <a:font script="Viet" typeface="Arial"/>
+        <a:font script="Uigh" typeface="Microsoft Uighur"/>
+        <a:font script="Geor" typeface="Sylfaen"/>
+      </a:minorFont>
+    </a:fontScheme>
+    <a:fmtScheme name="Office">
+      <a:fillStyleLst>
+        <a:solidFill>
+          <a:schemeClr val="phClr"/>
+        </a:solidFill>
+        <a:gradFill rotWithShape="1">
+          <a:gsLst>
+            <a:gs pos="0">
+              <a:schemeClr val="phClr">
+                <a:lumMod val="110000"/>
+                <a:satMod val="105000"/>
+                <a:tint val="67000"/>
+              </a:schemeClr>
+            </a:gs>
+            <a:gs pos="50000">
+              <a:schemeClr val="phClr">
+                <a:lumMod val="105000"/>
+                <a:satMod val="103000"/>
+                <a:tint val="73000"/>
+              </a:schemeClr>
+            </a:gs>
+            <a:gs pos="100000">
+              <a:schemeClr val="phClr">
+                <a:lumMod val="105000"/>
+                <a:satMod val="109000"/>
+                <a:tint val="81000"/>
+              </a:schemeClr>
+            </a:gs>
+          </a:gsLst>
+          <a:lin ang="5400000" scaled="0"/>
+        </a:gradFill>
+        <a:gradFill rotWithShape="1">
+          <a:gsLst>
+            <a:gs pos="0">
+              <a:schemeClr val="phClr">
+                <a:satMod val="103000"/>
+                <a:lumMod val="102000"/>
+                <a:tint val="94000"/>
+              </a:schemeClr>
+            </a:gs>
+            <a:gs pos="50000">
+              <a:schemeClr val="phClr">
+                <a:satMod val="110000"/>
+                <a:lumMod val="100000"/>
+                <a:shade val="100000"/>
+              </a:schemeClr>
+            </a:gs>
+            <a:gs pos="100000">
+              <a:schemeClr val="phClr">
+                <a:lumMod val="99000"/>
+                <a:satMod val="120000"/>
+                <a:shade val="78000"/>
+              </a:schemeClr>
+            </a:gs>
+          </a:gsLst>
+          <a:lin ang="5400000" scaled="0"/>
+        </a:gradFill>
+      </a:fillStyleLst>
+      <a:lnStyleLst>
+        <a:ln w="6350" cap="flat" cmpd="sng" algn="ctr">
+          <a:solidFill>
+            <a:schemeClr val="phClr"/>
+          </a:solidFill>
+          <a:prstDash val="solid"/>
+          <a:miter lim="800000"/>
+        </a:ln>
+        <a:ln w="12700" cap="flat" cmpd="sng" algn="ctr">
+          <a:solidFill>
+            <a:schemeClr val="phClr"/>
+          </a:solidFill>
+          <a:prstDash val="solid"/>
+          <a:miter lim="800000"/>
+        </a:ln>
+        <a:ln w="19050" cap="flat" cmpd="sng" algn="ctr">
+          <a:solidFill>
+            <a:schemeClr val="phClr"/>
+          </a:solidFill>
+          <a:prstDash val="solid"/>
+          <a:miter lim="800000"/>
+        </a:ln>
+      </a:lnStyleLst>
+      <a:effectStyleLst>
+        <a:effectStyle>
+          <a:effectLst/>
+        </a:effectStyle>
+        <a:effectStyle>
+          <a:effectLst/>
+        </a:effectStyle>
+        <a:effectStyle>
+          <a:effectLst>
+            <a:outerShdw blurRad="57150" dist="19050" dir="5400000" algn="ctr" rotWithShape="0">
+              <a:srgbClr val="000000">
+                <a:alpha val="63000"/>
+              </a:srgbClr>
+            </a:outerShdw>
+          </a:effectLst>
+        </a:effectStyle>
+      </a:effectStyleLst>
+      <a:bgFillStyleLst>
+        <a:solidFill>
+          <a:schemeClr val="phClr"/>
+        </a:solidFill>
+        <a:solidFill>
+          <a:schemeClr val="phClr">
+            <a:tint val="95000"/>
+            <a:satMod val="170000"/>
+          </a:schemeClr>
+        </a:solidFill>
+        <a:gradFill rotWithShape="1">
+          <a:gsLst>
+            <a:gs pos="0">
+              <a:schemeClr val="phClr">
+                <a:tint val="93000"/>
+                <a:satMod val="150000"/>
+                <a:shade val="98000"/>
+                <a:lumMod val="102000"/>
+              </a:schemeClr>
+            </a:gs>
+            <a:gs pos="50000">
+              <a:schemeClr val="phClr">
+                <a:tint val="98000"/>
+                <a:satMod val="130000"/>
+                <a:shade val="90000"/>
+                <a:lumMod val="103000"/>
+              </a:schemeClr>
+            </a:gs>
+            <a:gs pos="100000">
+              <a:schemeClr val="phClr">
+                <a:shade val="63000"/>
+                <a:satMod val="120000"/>
+              </a:schemeClr>
+            </a:gs>
+          </a:gsLst>
+          <a:lin ang="5400000" scaled="0"/>
+        </a:gradFill>
+      </a:bgFillStyleLst>
+    </a:fmtScheme>
+  </a:themeElements>
+  <a:objectDefaults/>
+  <a:extraClrSchemeLst/>
+  <a:extLst>
+    <a:ext uri="{05A4C25C-085E-4340-85A3-A5531E510DB2}">
+      <thm15:themeFamily xmlns:thm15="http://schemas.microsoft.com/office/thememl/2012/main" name="Office Theme" id="{62F939B6-93AF-4DB8-9C6B-D6C7DFDC589F}" vid="{4A3C46E8-61CC-4603-A589-7422A47A8E4A}"/>
+    </a:ext>
+  </a:extLst>
+</a:theme>
 </file>
--- a/卒業制作_大元_ミニゲーム大全（仮）.pptx
+++ b/卒業制作_大元_ミニゲーム大全（仮）.pptx
@@ -5,7 +5,7 @@
     <p:sldMasterId id="2147483648" r:id="rId1"/>
   </p:sldMasterIdLst>
   <p:notesMasterIdLst>
-    <p:notesMasterId r:id="rId18"/>
+    <p:notesMasterId r:id="rId27"/>
   </p:notesMasterIdLst>
   <p:sldIdLst>
     <p:sldId id="256" r:id="rId2"/>
@@ -24,6 +24,15 @@
     <p:sldId id="270" r:id="rId15"/>
     <p:sldId id="268" r:id="rId16"/>
     <p:sldId id="265" r:id="rId17"/>
+    <p:sldId id="273" r:id="rId18"/>
+    <p:sldId id="274" r:id="rId19"/>
+    <p:sldId id="275" r:id="rId20"/>
+    <p:sldId id="276" r:id="rId21"/>
+    <p:sldId id="277" r:id="rId22"/>
+    <p:sldId id="278" r:id="rId23"/>
+    <p:sldId id="279" r:id="rId24"/>
+    <p:sldId id="280" r:id="rId25"/>
+    <p:sldId id="281" r:id="rId26"/>
   </p:sldIdLst>
   <p:sldSz cx="12192000" cy="6858000"/>
   <p:notesSz cx="6858000" cy="9144000"/>
@@ -212,7 +221,7 @@
           <a:p>
             <a:fld id="{9F0EE0E9-C29C-4E39-90B8-02C3958C3D1E}" type="datetimeFigureOut">
               <a:rPr kumimoji="1" lang="ja-JP" altLang="en-US" smtClean="0"/>
-              <a:t>2022/10/18</a:t>
+              <a:t>2022/10/19</a:t>
             </a:fld>
             <a:endParaRPr kumimoji="1" lang="ja-JP" altLang="en-US"/>
           </a:p>
@@ -604,6 +613,98 @@
 </p:notes>
 </file>
 
+<file path=ppt/notesSlides/notesSlide2.xml><?xml version="1.0" encoding="utf-8"?>
+<p:notes xmlns:a="http://schemas.openxmlformats.org/drawingml/2006/main" xmlns:r="http://schemas.openxmlformats.org/officeDocument/2006/relationships" xmlns:p="http://schemas.openxmlformats.org/presentationml/2006/main">
+  <p:cSld>
+    <p:spTree>
+      <p:nvGrpSpPr>
+        <p:cNvPr id="1" name=""/>
+        <p:cNvGrpSpPr/>
+        <p:nvPr/>
+      </p:nvGrpSpPr>
+      <p:grpSpPr>
+        <a:xfrm>
+          <a:off x="0" y="0"/>
+          <a:ext cx="0" cy="0"/>
+          <a:chOff x="0" y="0"/>
+          <a:chExt cx="0" cy="0"/>
+        </a:xfrm>
+      </p:grpSpPr>
+      <p:sp>
+        <p:nvSpPr>
+          <p:cNvPr id="2" name="スライド イメージ プレースホルダー 1"/>
+          <p:cNvSpPr>
+            <a:spLocks noGrp="1" noRot="1" noChangeAspect="1"/>
+          </p:cNvSpPr>
+          <p:nvPr>
+            <p:ph type="sldImg"/>
+          </p:nvPr>
+        </p:nvSpPr>
+        <p:spPr/>
+      </p:sp>
+      <p:sp>
+        <p:nvSpPr>
+          <p:cNvPr id="3" name="ノート プレースホルダー 2"/>
+          <p:cNvSpPr>
+            <a:spLocks noGrp="1"/>
+          </p:cNvSpPr>
+          <p:nvPr>
+            <p:ph type="body" idx="1"/>
+          </p:nvPr>
+        </p:nvSpPr>
+        <p:spPr/>
+        <p:txBody>
+          <a:bodyPr/>
+          <a:lstStyle/>
+          <a:p>
+            <a:r>
+              <a:rPr kumimoji="1" lang="ja-JP" altLang="en-US" dirty="0" smtClean="0"/>
+              <a:t>押されたら→</a:t>
+            </a:r>
+            <a:r>
+              <a:rPr kumimoji="1" lang="en-US" altLang="ja-JP" smtClean="0"/>
+              <a:t>STATE or A</a:t>
+            </a:r>
+            <a:endParaRPr kumimoji="1" lang="ja-JP" altLang="en-US"/>
+          </a:p>
+        </p:txBody>
+      </p:sp>
+      <p:sp>
+        <p:nvSpPr>
+          <p:cNvPr id="4" name="スライド番号プレースホルダー 3"/>
+          <p:cNvSpPr>
+            <a:spLocks noGrp="1"/>
+          </p:cNvSpPr>
+          <p:nvPr>
+            <p:ph type="sldNum" sz="quarter" idx="10"/>
+          </p:nvPr>
+        </p:nvSpPr>
+        <p:spPr/>
+        <p:txBody>
+          <a:bodyPr/>
+          <a:lstStyle/>
+          <a:p>
+            <a:fld id="{0CE132E9-7DC1-45B7-9235-E08A2307EA51}" type="slidenum">
+              <a:rPr kumimoji="1" lang="ja-JP" altLang="en-US" smtClean="0"/>
+              <a:t>24</a:t>
+            </a:fld>
+            <a:endParaRPr kumimoji="1" lang="ja-JP" altLang="en-US"/>
+          </a:p>
+        </p:txBody>
+      </p:sp>
+    </p:spTree>
+    <p:extLst>
+      <p:ext uri="{BB962C8B-B14F-4D97-AF65-F5344CB8AC3E}">
+        <p14:creationId xmlns:p14="http://schemas.microsoft.com/office/powerpoint/2010/main" val="1328165776"/>
+      </p:ext>
+    </p:extLst>
+  </p:cSld>
+  <p:clrMapOvr>
+    <a:masterClrMapping/>
+  </p:clrMapOvr>
+</p:notes>
+</file>
+
 <file path=ppt/slideLayouts/slideLayout1.xml><?xml version="1.0" encoding="utf-8"?>
 <p:sldLayout xmlns:a="http://schemas.openxmlformats.org/drawingml/2006/main" xmlns:r="http://schemas.openxmlformats.org/officeDocument/2006/relationships" xmlns:p="http://schemas.openxmlformats.org/presentationml/2006/main" type="title" preserve="1">
   <p:cSld name="タイトル スライド">
@@ -735,7 +836,7 @@
           <a:p>
             <a:fld id="{85AE5D95-22A4-4501-B904-E60E370D30E0}" type="datetimeFigureOut">
               <a:rPr kumimoji="1" lang="ja-JP" altLang="en-US" smtClean="0"/>
-              <a:t>2022/10/18</a:t>
+              <a:t>2022/10/19</a:t>
             </a:fld>
             <a:endParaRPr kumimoji="1" lang="ja-JP" altLang="en-US"/>
           </a:p>
@@ -937,7 +1038,7 @@
           <a:p>
             <a:fld id="{85AE5D95-22A4-4501-B904-E60E370D30E0}" type="datetimeFigureOut">
               <a:rPr kumimoji="1" lang="ja-JP" altLang="en-US" smtClean="0"/>
-              <a:t>2022/10/18</a:t>
+              <a:t>2022/10/19</a:t>
             </a:fld>
             <a:endParaRPr kumimoji="1" lang="ja-JP" altLang="en-US"/>
           </a:p>
@@ -1149,7 +1250,7 @@
           <a:p>
             <a:fld id="{85AE5D95-22A4-4501-B904-E60E370D30E0}" type="datetimeFigureOut">
               <a:rPr kumimoji="1" lang="ja-JP" altLang="en-US" smtClean="0"/>
-              <a:t>2022/10/18</a:t>
+              <a:t>2022/10/19</a:t>
             </a:fld>
             <a:endParaRPr kumimoji="1" lang="ja-JP" altLang="en-US"/>
           </a:p>
@@ -1351,7 +1452,7 @@
           <a:p>
             <a:fld id="{85AE5D95-22A4-4501-B904-E60E370D30E0}" type="datetimeFigureOut">
               <a:rPr kumimoji="1" lang="ja-JP" altLang="en-US" smtClean="0"/>
-              <a:t>2022/10/18</a:t>
+              <a:t>2022/10/19</a:t>
             </a:fld>
             <a:endParaRPr kumimoji="1" lang="ja-JP" altLang="en-US"/>
           </a:p>
@@ -1597,7 +1698,7 @@
           <a:p>
             <a:fld id="{85AE5D95-22A4-4501-B904-E60E370D30E0}" type="datetimeFigureOut">
               <a:rPr kumimoji="1" lang="ja-JP" altLang="en-US" smtClean="0"/>
-              <a:t>2022/10/18</a:t>
+              <a:t>2022/10/19</a:t>
             </a:fld>
             <a:endParaRPr kumimoji="1" lang="ja-JP" altLang="en-US"/>
           </a:p>
@@ -1893,7 +1994,7 @@
           <a:p>
             <a:fld id="{85AE5D95-22A4-4501-B904-E60E370D30E0}" type="datetimeFigureOut">
               <a:rPr kumimoji="1" lang="ja-JP" altLang="en-US" smtClean="0"/>
-              <a:t>2022/10/18</a:t>
+              <a:t>2022/10/19</a:t>
             </a:fld>
             <a:endParaRPr kumimoji="1" lang="ja-JP" altLang="en-US"/>
           </a:p>
@@ -2324,7 +2425,7 @@
           <a:p>
             <a:fld id="{85AE5D95-22A4-4501-B904-E60E370D30E0}" type="datetimeFigureOut">
               <a:rPr kumimoji="1" lang="ja-JP" altLang="en-US" smtClean="0"/>
-              <a:t>2022/10/18</a:t>
+              <a:t>2022/10/19</a:t>
             </a:fld>
             <a:endParaRPr kumimoji="1" lang="ja-JP" altLang="en-US"/>
           </a:p>
@@ -2442,7 +2543,7 @@
           <a:p>
             <a:fld id="{85AE5D95-22A4-4501-B904-E60E370D30E0}" type="datetimeFigureOut">
               <a:rPr kumimoji="1" lang="ja-JP" altLang="en-US" smtClean="0"/>
-              <a:t>2022/10/18</a:t>
+              <a:t>2022/10/19</a:t>
             </a:fld>
             <a:endParaRPr kumimoji="1" lang="ja-JP" altLang="en-US"/>
           </a:p>
@@ -2537,7 +2638,7 @@
           <a:p>
             <a:fld id="{85AE5D95-22A4-4501-B904-E60E370D30E0}" type="datetimeFigureOut">
               <a:rPr kumimoji="1" lang="ja-JP" altLang="en-US" smtClean="0"/>
-              <a:t>2022/10/18</a:t>
+              <a:t>2022/10/19</a:t>
             </a:fld>
             <a:endParaRPr kumimoji="1" lang="ja-JP" altLang="en-US"/>
           </a:p>
@@ -2846,7 +2947,7 @@
           <a:p>
             <a:fld id="{85AE5D95-22A4-4501-B904-E60E370D30E0}" type="datetimeFigureOut">
               <a:rPr kumimoji="1" lang="ja-JP" altLang="en-US" smtClean="0"/>
-              <a:t>2022/10/18</a:t>
+              <a:t>2022/10/19</a:t>
             </a:fld>
             <a:endParaRPr kumimoji="1" lang="ja-JP" altLang="en-US"/>
           </a:p>
@@ -3099,7 +3200,7 @@
           <a:p>
             <a:fld id="{85AE5D95-22A4-4501-B904-E60E370D30E0}" type="datetimeFigureOut">
               <a:rPr kumimoji="1" lang="ja-JP" altLang="en-US" smtClean="0"/>
-              <a:t>2022/10/18</a:t>
+              <a:t>2022/10/19</a:t>
             </a:fld>
             <a:endParaRPr kumimoji="1" lang="ja-JP" altLang="en-US"/>
           </a:p>
@@ -3344,7 +3445,7 @@
           <a:p>
             <a:fld id="{85AE5D95-22A4-4501-B904-E60E370D30E0}" type="datetimeFigureOut">
               <a:rPr kumimoji="1" lang="ja-JP" altLang="en-US" smtClean="0"/>
-              <a:t>2022/10/18</a:t>
+              <a:t>2022/10/19</a:t>
             </a:fld>
             <a:endParaRPr kumimoji="1" lang="ja-JP" altLang="en-US"/>
           </a:p>
@@ -4252,11 +4353,11 @@
   <p:clrMapOvr>
     <a:masterClrMapping/>
   </p:clrMapOvr>
-  <mc:AlternateContent xmlns:mc="http://schemas.openxmlformats.org/markup-compatibility/2006">
-    <mc:Choice xmlns:p14="http://schemas.microsoft.com/office/powerpoint/2010/main" Requires="p14">
+  <mc:AlternateContent xmlns:mc="http://schemas.openxmlformats.org/markup-compatibility/2006" xmlns:p14="http://schemas.microsoft.com/office/powerpoint/2010/main">
+    <mc:Choice Requires="p14">
       <p:transition spd="slow" p14:dur="2000"/>
     </mc:Choice>
-    <mc:Fallback>
+    <mc:Fallback xmlns="">
       <p:transition spd="slow"/>
     </mc:Fallback>
   </mc:AlternateContent>
@@ -4321,11 +4422,11 @@
   <p:clrMapOvr>
     <a:masterClrMapping/>
   </p:clrMapOvr>
-  <mc:AlternateContent xmlns:mc="http://schemas.openxmlformats.org/markup-compatibility/2006">
-    <mc:Choice xmlns:p14="http://schemas.microsoft.com/office/powerpoint/2010/main" Requires="p14">
+  <mc:AlternateContent xmlns:mc="http://schemas.openxmlformats.org/markup-compatibility/2006" xmlns:p14="http://schemas.microsoft.com/office/powerpoint/2010/main">
+    <mc:Choice Requires="p14">
       <p:transition spd="slow" p14:dur="2000"/>
     </mc:Choice>
-    <mc:Fallback>
+    <mc:Fallback xmlns="">
       <p:transition spd="slow"/>
     </mc:Fallback>
   </mc:AlternateContent>
@@ -5233,11 +5334,11 @@
   <p:clrMapOvr>
     <a:masterClrMapping/>
   </p:clrMapOvr>
-  <mc:AlternateContent xmlns:mc="http://schemas.openxmlformats.org/markup-compatibility/2006">
-    <mc:Choice xmlns:p14="http://schemas.microsoft.com/office/powerpoint/2010/main" Requires="p14">
+  <mc:AlternateContent xmlns:mc="http://schemas.openxmlformats.org/markup-compatibility/2006" xmlns:p14="http://schemas.microsoft.com/office/powerpoint/2010/main">
+    <mc:Choice Requires="p14">
       <p:transition spd="slow" p14:dur="2000"/>
     </mc:Choice>
-    <mc:Fallback>
+    <mc:Fallback xmlns="">
       <p:transition spd="slow"/>
     </mc:Fallback>
   </mc:AlternateContent>
@@ -5302,11 +5403,11 @@
   <p:clrMapOvr>
     <a:masterClrMapping/>
   </p:clrMapOvr>
-  <mc:AlternateContent xmlns:mc="http://schemas.openxmlformats.org/markup-compatibility/2006">
-    <mc:Choice xmlns:p14="http://schemas.microsoft.com/office/powerpoint/2010/main" Requires="p14">
+  <mc:AlternateContent xmlns:mc="http://schemas.openxmlformats.org/markup-compatibility/2006" xmlns:p14="http://schemas.microsoft.com/office/powerpoint/2010/main">
+    <mc:Choice Requires="p14">
       <p:transition spd="slow" p14:dur="2000"/>
     </mc:Choice>
-    <mc:Fallback>
+    <mc:Fallback xmlns="">
       <p:transition spd="slow"/>
     </mc:Fallback>
   </mc:AlternateContent>
@@ -5851,6 +5952,226 @@
 </p:sld>
 </file>
 
+<file path=ppt/slides/slide17.xml><?xml version="1.0" encoding="utf-8"?>
+<p:sld xmlns:a="http://schemas.openxmlformats.org/drawingml/2006/main" xmlns:r="http://schemas.openxmlformats.org/officeDocument/2006/relationships" xmlns:p="http://schemas.openxmlformats.org/presentationml/2006/main">
+  <p:cSld>
+    <p:spTree>
+      <p:nvGrpSpPr>
+        <p:cNvPr id="1" name=""/>
+        <p:cNvGrpSpPr/>
+        <p:nvPr/>
+      </p:nvGrpSpPr>
+      <p:grpSpPr>
+        <a:xfrm>
+          <a:off x="0" y="0"/>
+          <a:ext cx="0" cy="0"/>
+          <a:chOff x="0" y="0"/>
+          <a:chExt cx="0" cy="0"/>
+        </a:xfrm>
+      </p:grpSpPr>
+      <p:sp>
+        <p:nvSpPr>
+          <p:cNvPr id="2" name="タイトル 1"/>
+          <p:cNvSpPr>
+            <a:spLocks noGrp="1"/>
+          </p:cNvSpPr>
+          <p:nvPr>
+            <p:ph type="title"/>
+          </p:nvPr>
+        </p:nvSpPr>
+        <p:spPr>
+          <a:xfrm>
+            <a:off x="732692" y="2545617"/>
+            <a:ext cx="10515600" cy="1325563"/>
+          </a:xfrm>
+        </p:spPr>
+        <p:txBody>
+          <a:bodyPr>
+            <a:normAutofit/>
+          </a:bodyPr>
+          <a:lstStyle/>
+          <a:p>
+            <a:pPr algn="ctr"/>
+            <a:r>
+              <a:rPr lang="ja-JP" altLang="en-US" sz="7200" dirty="0" smtClean="0"/>
+              <a:t>ゲーム１</a:t>
+            </a:r>
+            <a:endParaRPr kumimoji="1" lang="ja-JP" altLang="en-US" sz="7200" dirty="0"/>
+          </a:p>
+        </p:txBody>
+      </p:sp>
+    </p:spTree>
+    <p:extLst>
+      <p:ext uri="{BB962C8B-B14F-4D97-AF65-F5344CB8AC3E}">
+        <p14:creationId xmlns:p14="http://schemas.microsoft.com/office/powerpoint/2010/main" val="209500609"/>
+      </p:ext>
+    </p:extLst>
+  </p:cSld>
+  <p:clrMapOvr>
+    <a:masterClrMapping/>
+  </p:clrMapOvr>
+  <mc:AlternateContent xmlns:mc="http://schemas.openxmlformats.org/markup-compatibility/2006" xmlns:p14="http://schemas.microsoft.com/office/powerpoint/2010/main">
+    <mc:Choice Requires="p14">
+      <p:transition spd="slow" p14:dur="2000"/>
+    </mc:Choice>
+    <mc:Fallback xmlns="">
+      <p:transition spd="slow"/>
+    </mc:Fallback>
+  </mc:AlternateContent>
+</p:sld>
+</file>
+
+<file path=ppt/slides/slide18.xml><?xml version="1.0" encoding="utf-8"?>
+<p:sld xmlns:a="http://schemas.openxmlformats.org/drawingml/2006/main" xmlns:r="http://schemas.openxmlformats.org/officeDocument/2006/relationships" xmlns:p="http://schemas.openxmlformats.org/presentationml/2006/main">
+  <p:cSld>
+    <p:spTree>
+      <p:nvGrpSpPr>
+        <p:cNvPr id="1" name=""/>
+        <p:cNvGrpSpPr/>
+        <p:nvPr/>
+      </p:nvGrpSpPr>
+      <p:grpSpPr>
+        <a:xfrm>
+          <a:off x="0" y="0"/>
+          <a:ext cx="0" cy="0"/>
+          <a:chOff x="0" y="0"/>
+          <a:chExt cx="0" cy="0"/>
+        </a:xfrm>
+      </p:grpSpPr>
+      <p:sp>
+        <p:nvSpPr>
+          <p:cNvPr id="2" name="タイトル 1"/>
+          <p:cNvSpPr>
+            <a:spLocks noGrp="1"/>
+          </p:cNvSpPr>
+          <p:nvPr>
+            <p:ph type="title"/>
+          </p:nvPr>
+        </p:nvSpPr>
+        <p:spPr>
+          <a:xfrm>
+            <a:off x="750277" y="2211510"/>
+            <a:ext cx="10547838" cy="2096721"/>
+          </a:xfrm>
+        </p:spPr>
+        <p:txBody>
+          <a:bodyPr/>
+          <a:lstStyle/>
+          <a:p>
+            <a:pPr algn="ctr"/>
+            <a:r>
+              <a:rPr lang="ja-JP" altLang="en-US" dirty="0"/>
+              <a:t>卒業制作</a:t>
+            </a:r>
+            <a:r>
+              <a:rPr lang="en-US" altLang="ja-JP" dirty="0"/>
+              <a:t>_</a:t>
+            </a:r>
+            <a:r>
+              <a:rPr lang="ja-JP" altLang="en-US" dirty="0"/>
+              <a:t>風船わりゲーム（仮</a:t>
+            </a:r>
+            <a:r>
+              <a:rPr lang="ja-JP" altLang="en-US" dirty="0" smtClean="0"/>
+              <a:t>）</a:t>
+            </a:r>
+            <a:r>
+              <a:rPr lang="en-US" altLang="ja-JP" dirty="0" smtClean="0"/>
+              <a:t/>
+            </a:r>
+            <a:br>
+              <a:rPr lang="en-US" altLang="ja-JP" dirty="0" smtClean="0"/>
+            </a:br>
+            <a:r>
+              <a:rPr lang="ja-JP" altLang="en-US" dirty="0"/>
+              <a:t>参照</a:t>
+            </a:r>
+            <a:endParaRPr kumimoji="1" lang="ja-JP" altLang="en-US" dirty="0"/>
+          </a:p>
+        </p:txBody>
+      </p:sp>
+    </p:spTree>
+    <p:extLst>
+      <p:ext uri="{BB962C8B-B14F-4D97-AF65-F5344CB8AC3E}">
+        <p14:creationId xmlns:p14="http://schemas.microsoft.com/office/powerpoint/2010/main" val="2109240027"/>
+      </p:ext>
+    </p:extLst>
+  </p:cSld>
+  <p:clrMapOvr>
+    <a:masterClrMapping/>
+  </p:clrMapOvr>
+</p:sld>
+</file>
+
+<file path=ppt/slides/slide19.xml><?xml version="1.0" encoding="utf-8"?>
+<p:sld xmlns:a="http://schemas.openxmlformats.org/drawingml/2006/main" xmlns:r="http://schemas.openxmlformats.org/officeDocument/2006/relationships" xmlns:p="http://schemas.openxmlformats.org/presentationml/2006/main">
+  <p:cSld>
+    <p:spTree>
+      <p:nvGrpSpPr>
+        <p:cNvPr id="1" name=""/>
+        <p:cNvGrpSpPr/>
+        <p:nvPr/>
+      </p:nvGrpSpPr>
+      <p:grpSpPr>
+        <a:xfrm>
+          <a:off x="0" y="0"/>
+          <a:ext cx="0" cy="0"/>
+          <a:chOff x="0" y="0"/>
+          <a:chExt cx="0" cy="0"/>
+        </a:xfrm>
+      </p:grpSpPr>
+      <p:sp>
+        <p:nvSpPr>
+          <p:cNvPr id="2" name="タイトル 1"/>
+          <p:cNvSpPr>
+            <a:spLocks noGrp="1"/>
+          </p:cNvSpPr>
+          <p:nvPr>
+            <p:ph type="title"/>
+          </p:nvPr>
+        </p:nvSpPr>
+        <p:spPr>
+          <a:xfrm>
+            <a:off x="732692" y="2545617"/>
+            <a:ext cx="10515600" cy="1325563"/>
+          </a:xfrm>
+        </p:spPr>
+        <p:txBody>
+          <a:bodyPr>
+            <a:normAutofit/>
+          </a:bodyPr>
+          <a:lstStyle/>
+          <a:p>
+            <a:pPr algn="ctr"/>
+            <a:r>
+              <a:rPr lang="ja-JP" altLang="en-US" sz="7200" dirty="0" smtClean="0"/>
+              <a:t>ゲーム２</a:t>
+            </a:r>
+            <a:endParaRPr kumimoji="1" lang="ja-JP" altLang="en-US" sz="7200" dirty="0"/>
+          </a:p>
+        </p:txBody>
+      </p:sp>
+    </p:spTree>
+    <p:extLst>
+      <p:ext uri="{BB962C8B-B14F-4D97-AF65-F5344CB8AC3E}">
+        <p14:creationId xmlns:p14="http://schemas.microsoft.com/office/powerpoint/2010/main" val="2095087810"/>
+      </p:ext>
+    </p:extLst>
+  </p:cSld>
+  <p:clrMapOvr>
+    <a:masterClrMapping/>
+  </p:clrMapOvr>
+  <mc:AlternateContent xmlns:mc="http://schemas.openxmlformats.org/markup-compatibility/2006" xmlns:p14="http://schemas.microsoft.com/office/powerpoint/2010/main">
+    <mc:Choice Requires="p14">
+      <p:transition spd="slow" p14:dur="2000"/>
+    </mc:Choice>
+    <mc:Fallback xmlns="">
+      <p:transition spd="slow"/>
+    </mc:Fallback>
+  </mc:AlternateContent>
+</p:sld>
+</file>
+
 <file path=ppt/slides/slide2.xml><?xml version="1.0" encoding="utf-8"?>
 <p:sld xmlns:a="http://schemas.openxmlformats.org/drawingml/2006/main" xmlns:r="http://schemas.openxmlformats.org/officeDocument/2006/relationships" xmlns:p="http://schemas.openxmlformats.org/presentationml/2006/main">
   <p:cSld>
@@ -5900,6 +6221,2050 @@
     <p:extLst>
       <p:ext uri="{BB962C8B-B14F-4D97-AF65-F5344CB8AC3E}">
         <p14:creationId xmlns:p14="http://schemas.microsoft.com/office/powerpoint/2010/main" val="1338888267"/>
+      </p:ext>
+    </p:extLst>
+  </p:cSld>
+  <p:clrMapOvr>
+    <a:masterClrMapping/>
+  </p:clrMapOvr>
+</p:sld>
+</file>
+
+<file path=ppt/slides/slide20.xml><?xml version="1.0" encoding="utf-8"?>
+<p:sld xmlns:a="http://schemas.openxmlformats.org/drawingml/2006/main" xmlns:r="http://schemas.openxmlformats.org/officeDocument/2006/relationships" xmlns:p="http://schemas.openxmlformats.org/presentationml/2006/main">
+  <p:cSld>
+    <p:spTree>
+      <p:nvGrpSpPr>
+        <p:cNvPr id="1" name=""/>
+        <p:cNvGrpSpPr/>
+        <p:nvPr/>
+      </p:nvGrpSpPr>
+      <p:grpSpPr>
+        <a:xfrm>
+          <a:off x="0" y="0"/>
+          <a:ext cx="0" cy="0"/>
+          <a:chOff x="0" y="0"/>
+          <a:chExt cx="0" cy="0"/>
+        </a:xfrm>
+      </p:grpSpPr>
+      <p:sp>
+        <p:nvSpPr>
+          <p:cNvPr id="2" name="タイトル 1"/>
+          <p:cNvSpPr>
+            <a:spLocks noGrp="1"/>
+          </p:cNvSpPr>
+          <p:nvPr>
+            <p:ph type="title"/>
+          </p:nvPr>
+        </p:nvSpPr>
+        <p:spPr>
+          <a:xfrm>
+            <a:off x="908538" y="2220302"/>
+            <a:ext cx="10547838" cy="2096721"/>
+          </a:xfrm>
+        </p:spPr>
+        <p:txBody>
+          <a:bodyPr/>
+          <a:lstStyle/>
+          <a:p>
+            <a:pPr algn="ctr"/>
+            <a:r>
+              <a:rPr lang="ja-JP" altLang="en-US" dirty="0"/>
+              <a:t>卒業制作</a:t>
+            </a:r>
+            <a:r>
+              <a:rPr lang="en-US" altLang="ja-JP" dirty="0"/>
+              <a:t>_</a:t>
+            </a:r>
+            <a:r>
+              <a:rPr lang="ja-JP" altLang="en-US" dirty="0"/>
+              <a:t>超ぶっ飛び超絶バトロワ（仮）参照</a:t>
+            </a:r>
+            <a:endParaRPr kumimoji="1" lang="ja-JP" altLang="en-US" dirty="0"/>
+          </a:p>
+        </p:txBody>
+      </p:sp>
+    </p:spTree>
+    <p:extLst>
+      <p:ext uri="{BB962C8B-B14F-4D97-AF65-F5344CB8AC3E}">
+        <p14:creationId xmlns:p14="http://schemas.microsoft.com/office/powerpoint/2010/main" val="1513110572"/>
+      </p:ext>
+    </p:extLst>
+  </p:cSld>
+  <p:clrMapOvr>
+    <a:masterClrMapping/>
+  </p:clrMapOvr>
+</p:sld>
+</file>
+
+<file path=ppt/slides/slide21.xml><?xml version="1.0" encoding="utf-8"?>
+<p:sld xmlns:a="http://schemas.openxmlformats.org/drawingml/2006/main" xmlns:r="http://schemas.openxmlformats.org/officeDocument/2006/relationships" xmlns:p="http://schemas.openxmlformats.org/presentationml/2006/main">
+  <p:cSld>
+    <p:spTree>
+      <p:nvGrpSpPr>
+        <p:cNvPr id="1" name=""/>
+        <p:cNvGrpSpPr/>
+        <p:nvPr/>
+      </p:nvGrpSpPr>
+      <p:grpSpPr>
+        <a:xfrm>
+          <a:off x="0" y="0"/>
+          <a:ext cx="0" cy="0"/>
+          <a:chOff x="0" y="0"/>
+          <a:chExt cx="0" cy="0"/>
+        </a:xfrm>
+      </p:grpSpPr>
+      <p:sp>
+        <p:nvSpPr>
+          <p:cNvPr id="2" name="タイトル 1"/>
+          <p:cNvSpPr>
+            <a:spLocks noGrp="1"/>
+          </p:cNvSpPr>
+          <p:nvPr>
+            <p:ph type="title"/>
+          </p:nvPr>
+        </p:nvSpPr>
+        <p:spPr>
+          <a:xfrm>
+            <a:off x="732692" y="2545617"/>
+            <a:ext cx="10515600" cy="1325563"/>
+          </a:xfrm>
+        </p:spPr>
+        <p:txBody>
+          <a:bodyPr>
+            <a:normAutofit/>
+          </a:bodyPr>
+          <a:lstStyle/>
+          <a:p>
+            <a:pPr algn="ctr"/>
+            <a:r>
+              <a:rPr kumimoji="1" lang="ja-JP" altLang="en-US" sz="7200" dirty="0" smtClean="0"/>
+              <a:t>噓つき要素がある場合</a:t>
+            </a:r>
+            <a:endParaRPr kumimoji="1" lang="ja-JP" altLang="en-US" sz="7200" dirty="0"/>
+          </a:p>
+        </p:txBody>
+      </p:sp>
+    </p:spTree>
+    <p:extLst>
+      <p:ext uri="{BB962C8B-B14F-4D97-AF65-F5344CB8AC3E}">
+        <p14:creationId xmlns:p14="http://schemas.microsoft.com/office/powerpoint/2010/main" val="1159923510"/>
+      </p:ext>
+    </p:extLst>
+  </p:cSld>
+  <p:clrMapOvr>
+    <a:masterClrMapping/>
+  </p:clrMapOvr>
+</p:sld>
+</file>
+
+<file path=ppt/slides/slide22.xml><?xml version="1.0" encoding="utf-8"?>
+<p:sld xmlns:a="http://schemas.openxmlformats.org/drawingml/2006/main" xmlns:r="http://schemas.openxmlformats.org/officeDocument/2006/relationships" xmlns:p="http://schemas.openxmlformats.org/presentationml/2006/main">
+  <p:cSld>
+    <p:spTree>
+      <p:nvGrpSpPr>
+        <p:cNvPr id="1" name=""/>
+        <p:cNvGrpSpPr/>
+        <p:nvPr/>
+      </p:nvGrpSpPr>
+      <p:grpSpPr>
+        <a:xfrm>
+          <a:off x="0" y="0"/>
+          <a:ext cx="0" cy="0"/>
+          <a:chOff x="0" y="0"/>
+          <a:chExt cx="0" cy="0"/>
+        </a:xfrm>
+      </p:grpSpPr>
+      <p:sp>
+        <p:nvSpPr>
+          <p:cNvPr id="5" name="フローチャート: 処理 4"/>
+          <p:cNvSpPr/>
+          <p:nvPr/>
+        </p:nvSpPr>
+        <p:spPr>
+          <a:xfrm>
+            <a:off x="1330109" y="2507253"/>
+            <a:ext cx="1874982" cy="551872"/>
+          </a:xfrm>
+          <a:prstGeom prst="flowChartProcess">
+            <a:avLst/>
+          </a:prstGeom>
+          <a:noFill/>
+          <a:ln w="38100"/>
+        </p:spPr>
+        <p:style>
+          <a:lnRef idx="2">
+            <a:schemeClr val="accent1">
+              <a:shade val="50000"/>
+            </a:schemeClr>
+          </a:lnRef>
+          <a:fillRef idx="1">
+            <a:schemeClr val="accent1"/>
+          </a:fillRef>
+          <a:effectRef idx="0">
+            <a:schemeClr val="accent1"/>
+          </a:effectRef>
+          <a:fontRef idx="minor">
+            <a:schemeClr val="lt1"/>
+          </a:fontRef>
+        </p:style>
+        <p:txBody>
+          <a:bodyPr rtlCol="0" anchor="ctr"/>
+          <a:lstStyle/>
+          <a:p>
+            <a:pPr algn="ctr"/>
+            <a:endParaRPr kumimoji="1" lang="ja-JP" altLang="en-US"/>
+          </a:p>
+        </p:txBody>
+      </p:sp>
+      <p:sp>
+        <p:nvSpPr>
+          <p:cNvPr id="6" name="フローチャート: 処理 5"/>
+          <p:cNvSpPr/>
+          <p:nvPr/>
+        </p:nvSpPr>
+        <p:spPr>
+          <a:xfrm>
+            <a:off x="1335983" y="1740645"/>
+            <a:ext cx="1874983" cy="492601"/>
+          </a:xfrm>
+          <a:prstGeom prst="flowChartProcess">
+            <a:avLst/>
+          </a:prstGeom>
+          <a:noFill/>
+          <a:ln w="38100"/>
+        </p:spPr>
+        <p:style>
+          <a:lnRef idx="2">
+            <a:schemeClr val="accent1">
+              <a:shade val="50000"/>
+            </a:schemeClr>
+          </a:lnRef>
+          <a:fillRef idx="1">
+            <a:schemeClr val="accent1"/>
+          </a:fillRef>
+          <a:effectRef idx="0">
+            <a:schemeClr val="accent1"/>
+          </a:effectRef>
+          <a:fontRef idx="minor">
+            <a:schemeClr val="lt1"/>
+          </a:fontRef>
+        </p:style>
+        <p:txBody>
+          <a:bodyPr rtlCol="0" anchor="ctr"/>
+          <a:lstStyle/>
+          <a:p>
+            <a:pPr algn="ctr"/>
+            <a:endParaRPr kumimoji="1" lang="ja-JP" altLang="en-US"/>
+          </a:p>
+        </p:txBody>
+      </p:sp>
+      <p:sp>
+        <p:nvSpPr>
+          <p:cNvPr id="7" name="フローチャート: 処理 6"/>
+          <p:cNvSpPr/>
+          <p:nvPr/>
+        </p:nvSpPr>
+        <p:spPr>
+          <a:xfrm>
+            <a:off x="1330107" y="3978598"/>
+            <a:ext cx="1874983" cy="472146"/>
+          </a:xfrm>
+          <a:prstGeom prst="flowChartProcess">
+            <a:avLst/>
+          </a:prstGeom>
+          <a:noFill/>
+          <a:ln w="38100"/>
+        </p:spPr>
+        <p:style>
+          <a:lnRef idx="2">
+            <a:schemeClr val="accent1">
+              <a:shade val="50000"/>
+            </a:schemeClr>
+          </a:lnRef>
+          <a:fillRef idx="1">
+            <a:schemeClr val="accent1"/>
+          </a:fillRef>
+          <a:effectRef idx="0">
+            <a:schemeClr val="accent1"/>
+          </a:effectRef>
+          <a:fontRef idx="minor">
+            <a:schemeClr val="lt1"/>
+          </a:fontRef>
+        </p:style>
+        <p:txBody>
+          <a:bodyPr rtlCol="0" anchor="ctr"/>
+          <a:lstStyle/>
+          <a:p>
+            <a:pPr algn="ctr"/>
+            <a:endParaRPr kumimoji="1" lang="ja-JP" altLang="en-US"/>
+          </a:p>
+        </p:txBody>
+      </p:sp>
+      <p:sp>
+        <p:nvSpPr>
+          <p:cNvPr id="8" name="フローチャート: 処理 7"/>
+          <p:cNvSpPr/>
+          <p:nvPr/>
+        </p:nvSpPr>
+        <p:spPr>
+          <a:xfrm>
+            <a:off x="1325491" y="4740957"/>
+            <a:ext cx="1874984" cy="497144"/>
+          </a:xfrm>
+          <a:prstGeom prst="flowChartProcess">
+            <a:avLst/>
+          </a:prstGeom>
+          <a:noFill/>
+          <a:ln w="38100"/>
+        </p:spPr>
+        <p:style>
+          <a:lnRef idx="2">
+            <a:schemeClr val="accent1">
+              <a:shade val="50000"/>
+            </a:schemeClr>
+          </a:lnRef>
+          <a:fillRef idx="1">
+            <a:schemeClr val="accent1"/>
+          </a:fillRef>
+          <a:effectRef idx="0">
+            <a:schemeClr val="accent1"/>
+          </a:effectRef>
+          <a:fontRef idx="minor">
+            <a:schemeClr val="lt1"/>
+          </a:fontRef>
+        </p:style>
+        <p:txBody>
+          <a:bodyPr rtlCol="0" anchor="ctr"/>
+          <a:lstStyle/>
+          <a:p>
+            <a:pPr algn="ctr"/>
+            <a:endParaRPr kumimoji="1" lang="ja-JP" altLang="en-US"/>
+          </a:p>
+        </p:txBody>
+      </p:sp>
+      <p:cxnSp>
+        <p:nvCxnSpPr>
+          <p:cNvPr id="15" name="直線矢印コネクタ 14"/>
+          <p:cNvCxnSpPr>
+            <a:stCxn id="5" idx="2"/>
+            <a:endCxn id="43" idx="3"/>
+          </p:cNvCxnSpPr>
+          <p:nvPr/>
+        </p:nvCxnSpPr>
+        <p:spPr>
+          <a:xfrm>
+            <a:off x="2267600" y="3059125"/>
+            <a:ext cx="2937" cy="242571"/>
+          </a:xfrm>
+          <a:prstGeom prst="straightConnector1">
+            <a:avLst/>
+          </a:prstGeom>
+          <a:ln w="38100">
+            <a:tailEnd type="triangle"/>
+          </a:ln>
+        </p:spPr>
+        <p:style>
+          <a:lnRef idx="1">
+            <a:schemeClr val="accent1"/>
+          </a:lnRef>
+          <a:fillRef idx="0">
+            <a:schemeClr val="accent1"/>
+          </a:fillRef>
+          <a:effectRef idx="0">
+            <a:schemeClr val="accent1"/>
+          </a:effectRef>
+          <a:fontRef idx="minor">
+            <a:schemeClr val="tx1"/>
+          </a:fontRef>
+        </p:style>
+      </p:cxnSp>
+      <p:cxnSp>
+        <p:nvCxnSpPr>
+          <p:cNvPr id="16" name="直線矢印コネクタ 15"/>
+          <p:cNvCxnSpPr>
+            <a:stCxn id="7" idx="2"/>
+            <a:endCxn id="8" idx="0"/>
+          </p:cNvCxnSpPr>
+          <p:nvPr/>
+        </p:nvCxnSpPr>
+        <p:spPr>
+          <a:xfrm flipH="1">
+            <a:off x="2262983" y="4450744"/>
+            <a:ext cx="4616" cy="290213"/>
+          </a:xfrm>
+          <a:prstGeom prst="straightConnector1">
+            <a:avLst/>
+          </a:prstGeom>
+          <a:ln w="38100">
+            <a:tailEnd type="triangle"/>
+          </a:ln>
+        </p:spPr>
+        <p:style>
+          <a:lnRef idx="1">
+            <a:schemeClr val="accent1"/>
+          </a:lnRef>
+          <a:fillRef idx="0">
+            <a:schemeClr val="accent1"/>
+          </a:fillRef>
+          <a:effectRef idx="0">
+            <a:schemeClr val="accent1"/>
+          </a:effectRef>
+          <a:fontRef idx="minor">
+            <a:schemeClr val="tx1"/>
+          </a:fontRef>
+        </p:style>
+      </p:cxnSp>
+      <p:cxnSp>
+        <p:nvCxnSpPr>
+          <p:cNvPr id="18" name="直線矢印コネクタ 17"/>
+          <p:cNvCxnSpPr>
+            <a:endCxn id="6" idx="0"/>
+          </p:cNvCxnSpPr>
+          <p:nvPr/>
+        </p:nvCxnSpPr>
+        <p:spPr>
+          <a:xfrm>
+            <a:off x="2273474" y="1583634"/>
+            <a:ext cx="1" cy="157011"/>
+          </a:xfrm>
+          <a:prstGeom prst="straightConnector1">
+            <a:avLst/>
+          </a:prstGeom>
+          <a:ln w="38100">
+            <a:tailEnd type="triangle"/>
+          </a:ln>
+        </p:spPr>
+        <p:style>
+          <a:lnRef idx="1">
+            <a:schemeClr val="accent1"/>
+          </a:lnRef>
+          <a:fillRef idx="0">
+            <a:schemeClr val="accent1"/>
+          </a:fillRef>
+          <a:effectRef idx="0">
+            <a:schemeClr val="accent1"/>
+          </a:effectRef>
+          <a:fontRef idx="minor">
+            <a:schemeClr val="tx1"/>
+          </a:fontRef>
+        </p:style>
+      </p:cxnSp>
+      <p:sp>
+        <p:nvSpPr>
+          <p:cNvPr id="20" name="テキスト ボックス 19"/>
+          <p:cNvSpPr txBox="1"/>
+          <p:nvPr/>
+        </p:nvSpPr>
+        <p:spPr>
+          <a:xfrm>
+            <a:off x="212081" y="255625"/>
+            <a:ext cx="3749963" cy="523220"/>
+          </a:xfrm>
+          <a:prstGeom prst="rect">
+            <a:avLst/>
+          </a:prstGeom>
+          <a:noFill/>
+          <a:ln w="28575">
+            <a:solidFill>
+              <a:schemeClr val="tx1"/>
+            </a:solidFill>
+          </a:ln>
+        </p:spPr>
+        <p:txBody>
+          <a:bodyPr wrap="square" rtlCol="0">
+            <a:spAutoFit/>
+          </a:bodyPr>
+          <a:lstStyle/>
+          <a:p>
+            <a:pPr algn="ctr"/>
+            <a:r>
+              <a:rPr kumimoji="1" lang="ja-JP" altLang="en-US" sz="2800" b="1" dirty="0" smtClean="0"/>
+              <a:t>フローチャート</a:t>
+            </a:r>
+            <a:endParaRPr kumimoji="1" lang="ja-JP" altLang="en-US" sz="2800" b="1" dirty="0"/>
+          </a:p>
+        </p:txBody>
+      </p:sp>
+      <p:sp>
+        <p:nvSpPr>
+          <p:cNvPr id="22" name="テキスト ボックス 21"/>
+          <p:cNvSpPr txBox="1"/>
+          <p:nvPr/>
+        </p:nvSpPr>
+        <p:spPr>
+          <a:xfrm>
+            <a:off x="1559338" y="1831970"/>
+            <a:ext cx="1376218" cy="369332"/>
+          </a:xfrm>
+          <a:prstGeom prst="rect">
+            <a:avLst/>
+          </a:prstGeom>
+          <a:noFill/>
+        </p:spPr>
+        <p:txBody>
+          <a:bodyPr wrap="square" rtlCol="0">
+            <a:spAutoFit/>
+          </a:bodyPr>
+          <a:lstStyle/>
+          <a:p>
+            <a:pPr algn="ctr"/>
+            <a:r>
+              <a:rPr kumimoji="1" lang="ja-JP" altLang="en-US" dirty="0" smtClean="0"/>
+              <a:t>タイトル</a:t>
+            </a:r>
+            <a:endParaRPr kumimoji="1" lang="en-US" altLang="ja-JP" dirty="0" smtClean="0"/>
+          </a:p>
+        </p:txBody>
+      </p:sp>
+      <p:sp>
+        <p:nvSpPr>
+          <p:cNvPr id="23" name="テキスト ボックス 22"/>
+          <p:cNvSpPr txBox="1"/>
+          <p:nvPr/>
+        </p:nvSpPr>
+        <p:spPr>
+          <a:xfrm>
+            <a:off x="1307021" y="2623986"/>
+            <a:ext cx="1893454" cy="369332"/>
+          </a:xfrm>
+          <a:prstGeom prst="rect">
+            <a:avLst/>
+          </a:prstGeom>
+          <a:noFill/>
+        </p:spPr>
+        <p:txBody>
+          <a:bodyPr wrap="square" rtlCol="0">
+            <a:spAutoFit/>
+          </a:bodyPr>
+          <a:lstStyle/>
+          <a:p>
+            <a:pPr algn="ctr"/>
+            <a:r>
+              <a:rPr kumimoji="1" lang="ja-JP" altLang="en-US" dirty="0" smtClean="0"/>
+              <a:t>チュートリアル</a:t>
+            </a:r>
+            <a:endParaRPr kumimoji="1" lang="en-US" altLang="ja-JP" dirty="0" smtClean="0"/>
+          </a:p>
+        </p:txBody>
+      </p:sp>
+      <p:sp>
+        <p:nvSpPr>
+          <p:cNvPr id="24" name="テキスト ボックス 23"/>
+          <p:cNvSpPr txBox="1"/>
+          <p:nvPr/>
+        </p:nvSpPr>
+        <p:spPr>
+          <a:xfrm>
+            <a:off x="1335983" y="4079787"/>
+            <a:ext cx="1893454" cy="369332"/>
+          </a:xfrm>
+          <a:prstGeom prst="rect">
+            <a:avLst/>
+          </a:prstGeom>
+          <a:noFill/>
+        </p:spPr>
+        <p:txBody>
+          <a:bodyPr wrap="square" rtlCol="0">
+            <a:spAutoFit/>
+          </a:bodyPr>
+          <a:lstStyle/>
+          <a:p>
+            <a:pPr algn="ctr"/>
+            <a:r>
+              <a:rPr kumimoji="1" lang="ja-JP" altLang="en-US" dirty="0" smtClean="0"/>
+              <a:t>ゲーム</a:t>
+            </a:r>
+            <a:endParaRPr kumimoji="1" lang="en-US" altLang="ja-JP" dirty="0" smtClean="0"/>
+          </a:p>
+        </p:txBody>
+      </p:sp>
+      <p:sp>
+        <p:nvSpPr>
+          <p:cNvPr id="25" name="テキスト ボックス 24"/>
+          <p:cNvSpPr txBox="1"/>
+          <p:nvPr/>
+        </p:nvSpPr>
+        <p:spPr>
+          <a:xfrm>
+            <a:off x="1392458" y="4803483"/>
+            <a:ext cx="1711037" cy="369332"/>
+          </a:xfrm>
+          <a:prstGeom prst="rect">
+            <a:avLst/>
+          </a:prstGeom>
+          <a:noFill/>
+        </p:spPr>
+        <p:txBody>
+          <a:bodyPr wrap="square" rtlCol="0">
+            <a:spAutoFit/>
+          </a:bodyPr>
+          <a:lstStyle/>
+          <a:p>
+            <a:pPr algn="ctr"/>
+            <a:r>
+              <a:rPr kumimoji="1" lang="ja-JP" altLang="en-US" dirty="0" smtClean="0"/>
+              <a:t>リザルト</a:t>
+            </a:r>
+            <a:endParaRPr kumimoji="1" lang="en-US" altLang="ja-JP" dirty="0" smtClean="0"/>
+          </a:p>
+        </p:txBody>
+      </p:sp>
+      <p:cxnSp>
+        <p:nvCxnSpPr>
+          <p:cNvPr id="52" name="直線矢印コネクタ 51"/>
+          <p:cNvCxnSpPr>
+            <a:stCxn id="6" idx="2"/>
+            <a:endCxn id="5" idx="0"/>
+          </p:cNvCxnSpPr>
+          <p:nvPr/>
+        </p:nvCxnSpPr>
+        <p:spPr>
+          <a:xfrm flipH="1">
+            <a:off x="2267600" y="2233246"/>
+            <a:ext cx="5875" cy="274007"/>
+          </a:xfrm>
+          <a:prstGeom prst="straightConnector1">
+            <a:avLst/>
+          </a:prstGeom>
+          <a:ln w="38100">
+            <a:tailEnd type="triangle"/>
+          </a:ln>
+        </p:spPr>
+        <p:style>
+          <a:lnRef idx="1">
+            <a:schemeClr val="accent1"/>
+          </a:lnRef>
+          <a:fillRef idx="0">
+            <a:schemeClr val="accent1"/>
+          </a:fillRef>
+          <a:effectRef idx="0">
+            <a:schemeClr val="accent1"/>
+          </a:effectRef>
+          <a:fontRef idx="minor">
+            <a:schemeClr val="tx1"/>
+          </a:fontRef>
+        </p:style>
+      </p:cxnSp>
+      <p:cxnSp>
+        <p:nvCxnSpPr>
+          <p:cNvPr id="61" name="直線矢印コネクタ 60"/>
+          <p:cNvCxnSpPr>
+            <a:stCxn id="8" idx="2"/>
+            <a:endCxn id="64" idx="0"/>
+          </p:cNvCxnSpPr>
+          <p:nvPr/>
+        </p:nvCxnSpPr>
+        <p:spPr>
+          <a:xfrm>
+            <a:off x="2262983" y="5238101"/>
+            <a:ext cx="0" cy="290214"/>
+          </a:xfrm>
+          <a:prstGeom prst="straightConnector1">
+            <a:avLst/>
+          </a:prstGeom>
+          <a:ln w="38100">
+            <a:tailEnd type="triangle"/>
+          </a:ln>
+        </p:spPr>
+        <p:style>
+          <a:lnRef idx="1">
+            <a:schemeClr val="accent1"/>
+          </a:lnRef>
+          <a:fillRef idx="0">
+            <a:schemeClr val="accent1"/>
+          </a:fillRef>
+          <a:effectRef idx="0">
+            <a:schemeClr val="accent1"/>
+          </a:effectRef>
+          <a:fontRef idx="minor">
+            <a:schemeClr val="tx1"/>
+          </a:fontRef>
+        </p:style>
+      </p:cxnSp>
+      <p:sp>
+        <p:nvSpPr>
+          <p:cNvPr id="64" name="フローチャート: 処理 63"/>
+          <p:cNvSpPr/>
+          <p:nvPr/>
+        </p:nvSpPr>
+        <p:spPr>
+          <a:xfrm>
+            <a:off x="1325491" y="5528315"/>
+            <a:ext cx="1874984" cy="475612"/>
+          </a:xfrm>
+          <a:prstGeom prst="flowChartProcess">
+            <a:avLst/>
+          </a:prstGeom>
+          <a:noFill/>
+          <a:ln w="38100"/>
+        </p:spPr>
+        <p:style>
+          <a:lnRef idx="2">
+            <a:schemeClr val="accent1">
+              <a:shade val="50000"/>
+            </a:schemeClr>
+          </a:lnRef>
+          <a:fillRef idx="1">
+            <a:schemeClr val="accent1"/>
+          </a:fillRef>
+          <a:effectRef idx="0">
+            <a:schemeClr val="accent1"/>
+          </a:effectRef>
+          <a:fontRef idx="minor">
+            <a:schemeClr val="lt1"/>
+          </a:fontRef>
+        </p:style>
+        <p:txBody>
+          <a:bodyPr rtlCol="0" anchor="ctr"/>
+          <a:lstStyle/>
+          <a:p>
+            <a:pPr algn="ctr"/>
+            <a:endParaRPr kumimoji="1" lang="ja-JP" altLang="en-US"/>
+          </a:p>
+        </p:txBody>
+      </p:sp>
+      <p:sp>
+        <p:nvSpPr>
+          <p:cNvPr id="65" name="テキスト ボックス 64"/>
+          <p:cNvSpPr txBox="1"/>
+          <p:nvPr/>
+        </p:nvSpPr>
+        <p:spPr>
+          <a:xfrm>
+            <a:off x="1407464" y="5590173"/>
+            <a:ext cx="1711037" cy="369332"/>
+          </a:xfrm>
+          <a:prstGeom prst="rect">
+            <a:avLst/>
+          </a:prstGeom>
+          <a:noFill/>
+        </p:spPr>
+        <p:txBody>
+          <a:bodyPr wrap="square" rtlCol="0">
+            <a:spAutoFit/>
+          </a:bodyPr>
+          <a:lstStyle/>
+          <a:p>
+            <a:pPr algn="ctr"/>
+            <a:r>
+              <a:rPr kumimoji="1" lang="ja-JP" altLang="en-US" dirty="0" smtClean="0"/>
+              <a:t>噓つき選択</a:t>
+            </a:r>
+            <a:endParaRPr kumimoji="1" lang="en-US" altLang="ja-JP" dirty="0" smtClean="0"/>
+          </a:p>
+        </p:txBody>
+      </p:sp>
+      <p:cxnSp>
+        <p:nvCxnSpPr>
+          <p:cNvPr id="39" name="カギ線コネクタ 38"/>
+          <p:cNvCxnSpPr>
+            <a:stCxn id="41" idx="0"/>
+            <a:endCxn id="43" idx="2"/>
+          </p:cNvCxnSpPr>
+          <p:nvPr/>
+        </p:nvCxnSpPr>
+        <p:spPr>
+          <a:xfrm rot="10800000" flipH="1">
+            <a:off x="1307020" y="3520944"/>
+            <a:ext cx="23088" cy="2860928"/>
+          </a:xfrm>
+          <a:prstGeom prst="bentConnector3">
+            <a:avLst>
+              <a:gd name="adj1" fmla="val -990125"/>
+            </a:avLst>
+          </a:prstGeom>
+          <a:ln w="38100">
+            <a:tailEnd type="triangle"/>
+          </a:ln>
+        </p:spPr>
+        <p:style>
+          <a:lnRef idx="1">
+            <a:schemeClr val="accent1"/>
+          </a:lnRef>
+          <a:fillRef idx="0">
+            <a:schemeClr val="accent1"/>
+          </a:fillRef>
+          <a:effectRef idx="0">
+            <a:schemeClr val="accent1"/>
+          </a:effectRef>
+          <a:fontRef idx="minor">
+            <a:schemeClr val="tx1"/>
+          </a:fontRef>
+        </p:style>
+      </p:cxnSp>
+      <p:sp>
+        <p:nvSpPr>
+          <p:cNvPr id="43" name="片側の 2 つの角を切り取った四角形 42"/>
+          <p:cNvSpPr/>
+          <p:nvPr/>
+        </p:nvSpPr>
+        <p:spPr>
+          <a:xfrm>
+            <a:off x="1330108" y="3301696"/>
+            <a:ext cx="1880858" cy="438495"/>
+          </a:xfrm>
+          <a:prstGeom prst="snip2SameRect">
+            <a:avLst/>
+          </a:prstGeom>
+          <a:solidFill>
+            <a:schemeClr val="bg1"/>
+          </a:solidFill>
+          <a:ln w="38100"/>
+        </p:spPr>
+        <p:style>
+          <a:lnRef idx="2">
+            <a:schemeClr val="accent1">
+              <a:shade val="50000"/>
+            </a:schemeClr>
+          </a:lnRef>
+          <a:fillRef idx="1">
+            <a:schemeClr val="accent1"/>
+          </a:fillRef>
+          <a:effectRef idx="0">
+            <a:schemeClr val="accent1"/>
+          </a:effectRef>
+          <a:fontRef idx="minor">
+            <a:schemeClr val="lt1"/>
+          </a:fontRef>
+        </p:style>
+        <p:txBody>
+          <a:bodyPr rtlCol="0" anchor="ctr"/>
+          <a:lstStyle/>
+          <a:p>
+            <a:pPr algn="ctr"/>
+            <a:endParaRPr kumimoji="1" lang="ja-JP" altLang="en-US"/>
+          </a:p>
+        </p:txBody>
+      </p:sp>
+      <p:sp>
+        <p:nvSpPr>
+          <p:cNvPr id="78" name="テキスト ボックス 77"/>
+          <p:cNvSpPr txBox="1"/>
+          <p:nvPr/>
+        </p:nvSpPr>
+        <p:spPr>
+          <a:xfrm>
+            <a:off x="1622948" y="3364865"/>
+            <a:ext cx="1297387" cy="369332"/>
+          </a:xfrm>
+          <a:prstGeom prst="rect">
+            <a:avLst/>
+          </a:prstGeom>
+          <a:noFill/>
+        </p:spPr>
+        <p:txBody>
+          <a:bodyPr wrap="square" rtlCol="0">
+            <a:spAutoFit/>
+          </a:bodyPr>
+          <a:lstStyle/>
+          <a:p>
+            <a:pPr algn="ctr"/>
+            <a:r>
+              <a:rPr kumimoji="1" lang="en-US" altLang="ja-JP" dirty="0" smtClean="0"/>
+              <a:t>n</a:t>
+            </a:r>
+            <a:r>
+              <a:rPr kumimoji="1" lang="ja-JP" altLang="en-US" dirty="0" smtClean="0"/>
+              <a:t>回分回す</a:t>
+            </a:r>
+            <a:endParaRPr kumimoji="1" lang="en-US" altLang="ja-JP" dirty="0" smtClean="0"/>
+          </a:p>
+        </p:txBody>
+      </p:sp>
+      <p:cxnSp>
+        <p:nvCxnSpPr>
+          <p:cNvPr id="80" name="直線矢印コネクタ 79"/>
+          <p:cNvCxnSpPr>
+            <a:stCxn id="43" idx="1"/>
+            <a:endCxn id="7" idx="0"/>
+          </p:cNvCxnSpPr>
+          <p:nvPr/>
+        </p:nvCxnSpPr>
+        <p:spPr>
+          <a:xfrm flipH="1">
+            <a:off x="2267599" y="3740191"/>
+            <a:ext cx="2938" cy="238407"/>
+          </a:xfrm>
+          <a:prstGeom prst="straightConnector1">
+            <a:avLst/>
+          </a:prstGeom>
+          <a:ln w="38100">
+            <a:tailEnd type="triangle"/>
+          </a:ln>
+        </p:spPr>
+        <p:style>
+          <a:lnRef idx="1">
+            <a:schemeClr val="accent1"/>
+          </a:lnRef>
+          <a:fillRef idx="0">
+            <a:schemeClr val="accent1"/>
+          </a:fillRef>
+          <a:effectRef idx="0">
+            <a:schemeClr val="accent1"/>
+          </a:effectRef>
+          <a:fontRef idx="minor">
+            <a:schemeClr val="tx1"/>
+          </a:fontRef>
+        </p:style>
+      </p:cxnSp>
+      <p:sp>
+        <p:nvSpPr>
+          <p:cNvPr id="28" name="フローチャート: 処理 27"/>
+          <p:cNvSpPr/>
+          <p:nvPr/>
+        </p:nvSpPr>
+        <p:spPr>
+          <a:xfrm>
+            <a:off x="3962044" y="1047923"/>
+            <a:ext cx="1874983" cy="574963"/>
+          </a:xfrm>
+          <a:prstGeom prst="flowChartProcess">
+            <a:avLst/>
+          </a:prstGeom>
+          <a:noFill/>
+          <a:ln w="38100"/>
+        </p:spPr>
+        <p:style>
+          <a:lnRef idx="2">
+            <a:schemeClr val="accent1">
+              <a:shade val="50000"/>
+            </a:schemeClr>
+          </a:lnRef>
+          <a:fillRef idx="1">
+            <a:schemeClr val="accent1"/>
+          </a:fillRef>
+          <a:effectRef idx="0">
+            <a:schemeClr val="accent1"/>
+          </a:effectRef>
+          <a:fontRef idx="minor">
+            <a:schemeClr val="lt1"/>
+          </a:fontRef>
+        </p:style>
+        <p:txBody>
+          <a:bodyPr rtlCol="0" anchor="ctr"/>
+          <a:lstStyle/>
+          <a:p>
+            <a:pPr algn="ctr"/>
+            <a:endParaRPr kumimoji="1" lang="ja-JP" altLang="en-US"/>
+          </a:p>
+        </p:txBody>
+      </p:sp>
+      <p:sp>
+        <p:nvSpPr>
+          <p:cNvPr id="31" name="テキスト ボックス 30"/>
+          <p:cNvSpPr txBox="1"/>
+          <p:nvPr/>
+        </p:nvSpPr>
+        <p:spPr>
+          <a:xfrm>
+            <a:off x="3952809" y="1148406"/>
+            <a:ext cx="1893454" cy="369332"/>
+          </a:xfrm>
+          <a:prstGeom prst="rect">
+            <a:avLst/>
+          </a:prstGeom>
+          <a:noFill/>
+        </p:spPr>
+        <p:txBody>
+          <a:bodyPr wrap="square" rtlCol="0">
+            <a:spAutoFit/>
+          </a:bodyPr>
+          <a:lstStyle/>
+          <a:p>
+            <a:pPr algn="ctr"/>
+            <a:r>
+              <a:rPr kumimoji="1" lang="ja-JP" altLang="en-US" dirty="0" smtClean="0"/>
+              <a:t>結果発表</a:t>
+            </a:r>
+            <a:endParaRPr kumimoji="1" lang="en-US" altLang="ja-JP" dirty="0" smtClean="0"/>
+          </a:p>
+        </p:txBody>
+      </p:sp>
+      <p:sp>
+        <p:nvSpPr>
+          <p:cNvPr id="41" name="片側の 2 つの角を切り取った四角形 40"/>
+          <p:cNvSpPr/>
+          <p:nvPr/>
+        </p:nvSpPr>
+        <p:spPr>
+          <a:xfrm rot="10800000">
+            <a:off x="1307020" y="6174995"/>
+            <a:ext cx="1880858" cy="413754"/>
+          </a:xfrm>
+          <a:prstGeom prst="snip2SameRect">
+            <a:avLst/>
+          </a:prstGeom>
+          <a:solidFill>
+            <a:schemeClr val="bg1"/>
+          </a:solidFill>
+          <a:ln w="38100"/>
+        </p:spPr>
+        <p:style>
+          <a:lnRef idx="2">
+            <a:schemeClr val="accent1">
+              <a:shade val="50000"/>
+            </a:schemeClr>
+          </a:lnRef>
+          <a:fillRef idx="1">
+            <a:schemeClr val="accent1"/>
+          </a:fillRef>
+          <a:effectRef idx="0">
+            <a:schemeClr val="accent1"/>
+          </a:effectRef>
+          <a:fontRef idx="minor">
+            <a:schemeClr val="lt1"/>
+          </a:fontRef>
+        </p:style>
+        <p:txBody>
+          <a:bodyPr rtlCol="0" anchor="ctr"/>
+          <a:lstStyle/>
+          <a:p>
+            <a:pPr algn="ctr"/>
+            <a:endParaRPr kumimoji="1" lang="ja-JP" altLang="en-US"/>
+          </a:p>
+        </p:txBody>
+      </p:sp>
+      <p:cxnSp>
+        <p:nvCxnSpPr>
+          <p:cNvPr id="49" name="直線矢印コネクタ 48"/>
+          <p:cNvCxnSpPr>
+            <a:stCxn id="64" idx="2"/>
+            <a:endCxn id="41" idx="1"/>
+          </p:cNvCxnSpPr>
+          <p:nvPr/>
+        </p:nvCxnSpPr>
+        <p:spPr>
+          <a:xfrm flipH="1">
+            <a:off x="2247449" y="6003927"/>
+            <a:ext cx="15534" cy="171068"/>
+          </a:xfrm>
+          <a:prstGeom prst="straightConnector1">
+            <a:avLst/>
+          </a:prstGeom>
+          <a:ln w="38100">
+            <a:tailEnd type="triangle"/>
+          </a:ln>
+        </p:spPr>
+        <p:style>
+          <a:lnRef idx="1">
+            <a:schemeClr val="accent1"/>
+          </a:lnRef>
+          <a:fillRef idx="0">
+            <a:schemeClr val="accent1"/>
+          </a:fillRef>
+          <a:effectRef idx="0">
+            <a:schemeClr val="accent1"/>
+          </a:effectRef>
+          <a:fontRef idx="minor">
+            <a:schemeClr val="tx1"/>
+          </a:fontRef>
+        </p:style>
+      </p:cxnSp>
+      <p:cxnSp>
+        <p:nvCxnSpPr>
+          <p:cNvPr id="62" name="カギ線コネクタ 61"/>
+          <p:cNvCxnSpPr>
+            <a:stCxn id="41" idx="3"/>
+            <a:endCxn id="31" idx="1"/>
+          </p:cNvCxnSpPr>
+          <p:nvPr/>
+        </p:nvCxnSpPr>
+        <p:spPr>
+          <a:xfrm rot="5400000" flipH="1" flipV="1">
+            <a:off x="472290" y="3108231"/>
+            <a:ext cx="5255677" cy="1705360"/>
+          </a:xfrm>
+          <a:prstGeom prst="bentConnector4">
+            <a:avLst>
+              <a:gd name="adj1" fmla="val -4350"/>
+              <a:gd name="adj2" fmla="val 77573"/>
+            </a:avLst>
+          </a:prstGeom>
+          <a:ln w="38100">
+            <a:tailEnd type="triangle"/>
+          </a:ln>
+        </p:spPr>
+        <p:style>
+          <a:lnRef idx="1">
+            <a:schemeClr val="accent1"/>
+          </a:lnRef>
+          <a:fillRef idx="0">
+            <a:schemeClr val="accent1"/>
+          </a:fillRef>
+          <a:effectRef idx="0">
+            <a:schemeClr val="accent1"/>
+          </a:effectRef>
+          <a:fontRef idx="minor">
+            <a:schemeClr val="tx1"/>
+          </a:fontRef>
+        </p:style>
+      </p:cxnSp>
+      <p:sp>
+        <p:nvSpPr>
+          <p:cNvPr id="63" name="フローチャート: 端子 62"/>
+          <p:cNvSpPr/>
+          <p:nvPr/>
+        </p:nvSpPr>
+        <p:spPr>
+          <a:xfrm>
+            <a:off x="1307020" y="1050122"/>
+            <a:ext cx="1903946" cy="461697"/>
+          </a:xfrm>
+          <a:prstGeom prst="flowChartTerminator">
+            <a:avLst/>
+          </a:prstGeom>
+          <a:solidFill>
+            <a:schemeClr val="bg1"/>
+          </a:solidFill>
+          <a:ln w="76200"/>
+        </p:spPr>
+        <p:style>
+          <a:lnRef idx="2">
+            <a:schemeClr val="accent1">
+              <a:shade val="50000"/>
+            </a:schemeClr>
+          </a:lnRef>
+          <a:fillRef idx="1">
+            <a:schemeClr val="accent1"/>
+          </a:fillRef>
+          <a:effectRef idx="0">
+            <a:schemeClr val="accent1"/>
+          </a:effectRef>
+          <a:fontRef idx="minor">
+            <a:schemeClr val="lt1"/>
+          </a:fontRef>
+        </p:style>
+        <p:txBody>
+          <a:bodyPr rtlCol="0" anchor="ctr"/>
+          <a:lstStyle/>
+          <a:p>
+            <a:pPr algn="ctr"/>
+            <a:endParaRPr kumimoji="1" lang="ja-JP" altLang="en-US"/>
+          </a:p>
+        </p:txBody>
+      </p:sp>
+      <p:sp>
+        <p:nvSpPr>
+          <p:cNvPr id="68" name="テキスト ボックス 67"/>
+          <p:cNvSpPr txBox="1"/>
+          <p:nvPr/>
+        </p:nvSpPr>
+        <p:spPr>
+          <a:xfrm>
+            <a:off x="1522178" y="1094718"/>
+            <a:ext cx="1376218" cy="369332"/>
+          </a:xfrm>
+          <a:prstGeom prst="rect">
+            <a:avLst/>
+          </a:prstGeom>
+          <a:noFill/>
+        </p:spPr>
+        <p:txBody>
+          <a:bodyPr wrap="square" rtlCol="0">
+            <a:spAutoFit/>
+          </a:bodyPr>
+          <a:lstStyle/>
+          <a:p>
+            <a:pPr algn="ctr"/>
+            <a:r>
+              <a:rPr kumimoji="1" lang="ja-JP" altLang="en-US" dirty="0" smtClean="0"/>
+              <a:t>スタート</a:t>
+            </a:r>
+            <a:endParaRPr kumimoji="1" lang="ja-JP" altLang="en-US" dirty="0"/>
+          </a:p>
+        </p:txBody>
+      </p:sp>
+      <p:cxnSp>
+        <p:nvCxnSpPr>
+          <p:cNvPr id="69" name="直線矢印コネクタ 68"/>
+          <p:cNvCxnSpPr>
+            <a:stCxn id="28" idx="2"/>
+            <a:endCxn id="72" idx="0"/>
+          </p:cNvCxnSpPr>
+          <p:nvPr/>
+        </p:nvCxnSpPr>
+        <p:spPr>
+          <a:xfrm flipH="1">
+            <a:off x="4893237" y="1622886"/>
+            <a:ext cx="6299" cy="448221"/>
+          </a:xfrm>
+          <a:prstGeom prst="straightConnector1">
+            <a:avLst/>
+          </a:prstGeom>
+          <a:ln w="38100">
+            <a:tailEnd type="triangle"/>
+          </a:ln>
+        </p:spPr>
+        <p:style>
+          <a:lnRef idx="1">
+            <a:schemeClr val="accent1"/>
+          </a:lnRef>
+          <a:fillRef idx="0">
+            <a:schemeClr val="accent1"/>
+          </a:fillRef>
+          <a:effectRef idx="0">
+            <a:schemeClr val="accent1"/>
+          </a:effectRef>
+          <a:fontRef idx="minor">
+            <a:schemeClr val="tx1"/>
+          </a:fontRef>
+        </p:style>
+      </p:cxnSp>
+      <p:sp>
+        <p:nvSpPr>
+          <p:cNvPr id="72" name="フローチャート: 処理 71"/>
+          <p:cNvSpPr/>
+          <p:nvPr/>
+        </p:nvSpPr>
+        <p:spPr>
+          <a:xfrm>
+            <a:off x="3955745" y="2071107"/>
+            <a:ext cx="1874983" cy="574963"/>
+          </a:xfrm>
+          <a:prstGeom prst="flowChartProcess">
+            <a:avLst/>
+          </a:prstGeom>
+          <a:noFill/>
+          <a:ln w="38100"/>
+        </p:spPr>
+        <p:style>
+          <a:lnRef idx="2">
+            <a:schemeClr val="accent1">
+              <a:shade val="50000"/>
+            </a:schemeClr>
+          </a:lnRef>
+          <a:fillRef idx="1">
+            <a:schemeClr val="accent1"/>
+          </a:fillRef>
+          <a:effectRef idx="0">
+            <a:schemeClr val="accent1"/>
+          </a:effectRef>
+          <a:fontRef idx="minor">
+            <a:schemeClr val="lt1"/>
+          </a:fontRef>
+        </p:style>
+        <p:txBody>
+          <a:bodyPr rtlCol="0" anchor="ctr"/>
+          <a:lstStyle/>
+          <a:p>
+            <a:pPr algn="ctr"/>
+            <a:endParaRPr kumimoji="1" lang="ja-JP" altLang="en-US"/>
+          </a:p>
+        </p:txBody>
+      </p:sp>
+      <p:sp>
+        <p:nvSpPr>
+          <p:cNvPr id="75" name="テキスト ボックス 74"/>
+          <p:cNvSpPr txBox="1"/>
+          <p:nvPr/>
+        </p:nvSpPr>
+        <p:spPr>
+          <a:xfrm>
+            <a:off x="3917548" y="2169390"/>
+            <a:ext cx="1893454" cy="369332"/>
+          </a:xfrm>
+          <a:prstGeom prst="rect">
+            <a:avLst/>
+          </a:prstGeom>
+          <a:noFill/>
+        </p:spPr>
+        <p:txBody>
+          <a:bodyPr wrap="square" rtlCol="0">
+            <a:spAutoFit/>
+          </a:bodyPr>
+          <a:lstStyle/>
+          <a:p>
+            <a:pPr algn="ctr"/>
+            <a:r>
+              <a:rPr kumimoji="1" lang="ja-JP" altLang="en-US" dirty="0" smtClean="0"/>
+              <a:t>リザルト</a:t>
+            </a:r>
+            <a:endParaRPr kumimoji="1" lang="en-US" altLang="ja-JP" dirty="0" smtClean="0"/>
+          </a:p>
+        </p:txBody>
+      </p:sp>
+      <p:cxnSp>
+        <p:nvCxnSpPr>
+          <p:cNvPr id="86" name="直線矢印コネクタ 85"/>
+          <p:cNvCxnSpPr>
+            <a:stCxn id="72" idx="2"/>
+            <a:endCxn id="89" idx="0"/>
+          </p:cNvCxnSpPr>
+          <p:nvPr/>
+        </p:nvCxnSpPr>
+        <p:spPr>
+          <a:xfrm flipH="1">
+            <a:off x="4878755" y="2646070"/>
+            <a:ext cx="14482" cy="498121"/>
+          </a:xfrm>
+          <a:prstGeom prst="straightConnector1">
+            <a:avLst/>
+          </a:prstGeom>
+          <a:ln w="38100">
+            <a:tailEnd type="triangle"/>
+          </a:ln>
+        </p:spPr>
+        <p:style>
+          <a:lnRef idx="1">
+            <a:schemeClr val="accent1"/>
+          </a:lnRef>
+          <a:fillRef idx="0">
+            <a:schemeClr val="accent1"/>
+          </a:fillRef>
+          <a:effectRef idx="0">
+            <a:schemeClr val="accent1"/>
+          </a:effectRef>
+          <a:fontRef idx="minor">
+            <a:schemeClr val="tx1"/>
+          </a:fontRef>
+        </p:style>
+      </p:cxnSp>
+      <p:sp>
+        <p:nvSpPr>
+          <p:cNvPr id="89" name="フローチャート: 端子 88"/>
+          <p:cNvSpPr/>
+          <p:nvPr/>
+        </p:nvSpPr>
+        <p:spPr>
+          <a:xfrm>
+            <a:off x="3926782" y="3144191"/>
+            <a:ext cx="1903946" cy="461697"/>
+          </a:xfrm>
+          <a:prstGeom prst="flowChartTerminator">
+            <a:avLst/>
+          </a:prstGeom>
+          <a:solidFill>
+            <a:schemeClr val="bg1"/>
+          </a:solidFill>
+          <a:ln w="76200"/>
+        </p:spPr>
+        <p:style>
+          <a:lnRef idx="2">
+            <a:schemeClr val="accent1">
+              <a:shade val="50000"/>
+            </a:schemeClr>
+          </a:lnRef>
+          <a:fillRef idx="1">
+            <a:schemeClr val="accent1"/>
+          </a:fillRef>
+          <a:effectRef idx="0">
+            <a:schemeClr val="accent1"/>
+          </a:effectRef>
+          <a:fontRef idx="minor">
+            <a:schemeClr val="lt1"/>
+          </a:fontRef>
+        </p:style>
+        <p:txBody>
+          <a:bodyPr rtlCol="0" anchor="ctr"/>
+          <a:lstStyle/>
+          <a:p>
+            <a:pPr algn="ctr"/>
+            <a:endParaRPr kumimoji="1" lang="ja-JP" altLang="en-US"/>
+          </a:p>
+        </p:txBody>
+      </p:sp>
+      <p:sp>
+        <p:nvSpPr>
+          <p:cNvPr id="90" name="テキスト ボックス 89"/>
+          <p:cNvSpPr txBox="1"/>
+          <p:nvPr/>
+        </p:nvSpPr>
+        <p:spPr>
+          <a:xfrm>
+            <a:off x="4188119" y="3178711"/>
+            <a:ext cx="1376218" cy="369332"/>
+          </a:xfrm>
+          <a:prstGeom prst="rect">
+            <a:avLst/>
+          </a:prstGeom>
+          <a:noFill/>
+        </p:spPr>
+        <p:txBody>
+          <a:bodyPr wrap="square" rtlCol="0">
+            <a:spAutoFit/>
+          </a:bodyPr>
+          <a:lstStyle/>
+          <a:p>
+            <a:pPr algn="ctr"/>
+            <a:r>
+              <a:rPr kumimoji="1" lang="ja-JP" altLang="en-US" dirty="0" smtClean="0"/>
+              <a:t>終了</a:t>
+            </a:r>
+            <a:endParaRPr kumimoji="1" lang="ja-JP" altLang="en-US" dirty="0"/>
+          </a:p>
+        </p:txBody>
+      </p:sp>
+    </p:spTree>
+    <p:extLst>
+      <p:ext uri="{BB962C8B-B14F-4D97-AF65-F5344CB8AC3E}">
+        <p14:creationId xmlns:p14="http://schemas.microsoft.com/office/powerpoint/2010/main" val="114138672"/>
+      </p:ext>
+    </p:extLst>
+  </p:cSld>
+  <p:clrMapOvr>
+    <a:masterClrMapping/>
+  </p:clrMapOvr>
+</p:sld>
+</file>
+
+<file path=ppt/slides/slide23.xml><?xml version="1.0" encoding="utf-8"?>
+<p:sld xmlns:a="http://schemas.openxmlformats.org/drawingml/2006/main" xmlns:r="http://schemas.openxmlformats.org/officeDocument/2006/relationships" xmlns:p="http://schemas.openxmlformats.org/presentationml/2006/main">
+  <p:cSld>
+    <p:spTree>
+      <p:nvGrpSpPr>
+        <p:cNvPr id="1" name=""/>
+        <p:cNvGrpSpPr/>
+        <p:nvPr/>
+      </p:nvGrpSpPr>
+      <p:grpSpPr>
+        <a:xfrm>
+          <a:off x="0" y="0"/>
+          <a:ext cx="0" cy="0"/>
+          <a:chOff x="0" y="0"/>
+          <a:chExt cx="0" cy="0"/>
+        </a:xfrm>
+      </p:grpSpPr>
+      <p:sp>
+        <p:nvSpPr>
+          <p:cNvPr id="2" name="タイトル 1"/>
+          <p:cNvSpPr>
+            <a:spLocks noGrp="1"/>
+          </p:cNvSpPr>
+          <p:nvPr>
+            <p:ph type="title"/>
+          </p:nvPr>
+        </p:nvSpPr>
+        <p:spPr>
+          <a:xfrm>
+            <a:off x="732692" y="2545617"/>
+            <a:ext cx="10515600" cy="1325563"/>
+          </a:xfrm>
+        </p:spPr>
+        <p:txBody>
+          <a:bodyPr>
+            <a:normAutofit/>
+          </a:bodyPr>
+          <a:lstStyle/>
+          <a:p>
+            <a:pPr algn="ctr"/>
+            <a:r>
+              <a:rPr kumimoji="1" lang="ja-JP" altLang="en-US" sz="7200" dirty="0" smtClean="0"/>
+              <a:t>タイトル画面</a:t>
+            </a:r>
+            <a:endParaRPr kumimoji="1" lang="ja-JP" altLang="en-US" sz="7200" dirty="0"/>
+          </a:p>
+        </p:txBody>
+      </p:sp>
+    </p:spTree>
+    <p:extLst>
+      <p:ext uri="{BB962C8B-B14F-4D97-AF65-F5344CB8AC3E}">
+        <p14:creationId xmlns:p14="http://schemas.microsoft.com/office/powerpoint/2010/main" val="877833446"/>
+      </p:ext>
+    </p:extLst>
+  </p:cSld>
+  <p:clrMapOvr>
+    <a:masterClrMapping/>
+  </p:clrMapOvr>
+</p:sld>
+</file>
+
+<file path=ppt/slides/slide24.xml><?xml version="1.0" encoding="utf-8"?>
+<p:sld xmlns:a="http://schemas.openxmlformats.org/drawingml/2006/main" xmlns:r="http://schemas.openxmlformats.org/officeDocument/2006/relationships" xmlns:p="http://schemas.openxmlformats.org/presentationml/2006/main">
+  <p:cSld>
+    <p:spTree>
+      <p:nvGrpSpPr>
+        <p:cNvPr id="1" name=""/>
+        <p:cNvGrpSpPr/>
+        <p:nvPr/>
+      </p:nvGrpSpPr>
+      <p:grpSpPr>
+        <a:xfrm>
+          <a:off x="0" y="0"/>
+          <a:ext cx="0" cy="0"/>
+          <a:chOff x="0" y="0"/>
+          <a:chExt cx="0" cy="0"/>
+        </a:xfrm>
+      </p:grpSpPr>
+      <p:sp>
+        <p:nvSpPr>
+          <p:cNvPr id="5" name="正方形/長方形 4"/>
+          <p:cNvSpPr/>
+          <p:nvPr/>
+        </p:nvSpPr>
+        <p:spPr>
+          <a:xfrm>
+            <a:off x="970087" y="901211"/>
+            <a:ext cx="10635760" cy="5653454"/>
+          </a:xfrm>
+          <a:prstGeom prst="rect">
+            <a:avLst/>
+          </a:prstGeom>
+          <a:ln w="38100"/>
+        </p:spPr>
+        <p:style>
+          <a:lnRef idx="2">
+            <a:schemeClr val="dk1"/>
+          </a:lnRef>
+          <a:fillRef idx="1">
+            <a:schemeClr val="lt1"/>
+          </a:fillRef>
+          <a:effectRef idx="0">
+            <a:schemeClr val="dk1"/>
+          </a:effectRef>
+          <a:fontRef idx="minor">
+            <a:schemeClr val="dk1"/>
+          </a:fontRef>
+        </p:style>
+        <p:txBody>
+          <a:bodyPr rtlCol="0" anchor="ctr"/>
+          <a:lstStyle/>
+          <a:p>
+            <a:pPr algn="ctr"/>
+            <a:endParaRPr kumimoji="1" lang="ja-JP" altLang="en-US"/>
+          </a:p>
+        </p:txBody>
+      </p:sp>
+      <p:sp>
+        <p:nvSpPr>
+          <p:cNvPr id="6" name="角丸四角形 5"/>
+          <p:cNvSpPr/>
+          <p:nvPr/>
+        </p:nvSpPr>
+        <p:spPr>
+          <a:xfrm>
+            <a:off x="2859691" y="1984047"/>
+            <a:ext cx="6767886" cy="1343842"/>
+          </a:xfrm>
+          <a:prstGeom prst="roundRect">
+            <a:avLst/>
+          </a:prstGeom>
+        </p:spPr>
+        <p:style>
+          <a:lnRef idx="1">
+            <a:schemeClr val="accent2"/>
+          </a:lnRef>
+          <a:fillRef idx="2">
+            <a:schemeClr val="accent2"/>
+          </a:fillRef>
+          <a:effectRef idx="1">
+            <a:schemeClr val="accent2"/>
+          </a:effectRef>
+          <a:fontRef idx="minor">
+            <a:schemeClr val="dk1"/>
+          </a:fontRef>
+        </p:style>
+        <p:txBody>
+          <a:bodyPr rtlCol="0" anchor="ctr"/>
+          <a:lstStyle/>
+          <a:p>
+            <a:pPr algn="ctr"/>
+            <a:endParaRPr kumimoji="1" lang="ja-JP" altLang="en-US"/>
+          </a:p>
+        </p:txBody>
+      </p:sp>
+      <p:sp>
+        <p:nvSpPr>
+          <p:cNvPr id="7" name="テキスト ボックス 6"/>
+          <p:cNvSpPr txBox="1"/>
+          <p:nvPr/>
+        </p:nvSpPr>
+        <p:spPr>
+          <a:xfrm>
+            <a:off x="3197291" y="2110072"/>
+            <a:ext cx="6254440" cy="1107996"/>
+          </a:xfrm>
+          <a:prstGeom prst="rect">
+            <a:avLst/>
+          </a:prstGeom>
+          <a:noFill/>
+        </p:spPr>
+        <p:txBody>
+          <a:bodyPr wrap="square" rtlCol="0">
+            <a:spAutoFit/>
+          </a:bodyPr>
+          <a:lstStyle/>
+          <a:p>
+            <a:pPr algn="ctr"/>
+            <a:r>
+              <a:rPr kumimoji="1" lang="ja-JP" altLang="en-US" sz="6600" dirty="0" smtClean="0"/>
+              <a:t>タイトルロゴ</a:t>
+            </a:r>
+            <a:endParaRPr kumimoji="1" lang="ja-JP" altLang="en-US" sz="6600" dirty="0"/>
+          </a:p>
+        </p:txBody>
+      </p:sp>
+      <p:sp>
+        <p:nvSpPr>
+          <p:cNvPr id="8" name="正方形/長方形 7"/>
+          <p:cNvSpPr/>
+          <p:nvPr/>
+        </p:nvSpPr>
+        <p:spPr>
+          <a:xfrm>
+            <a:off x="4141177" y="4697290"/>
+            <a:ext cx="4239990" cy="753941"/>
+          </a:xfrm>
+          <a:prstGeom prst="rect">
+            <a:avLst/>
+          </a:prstGeom>
+        </p:spPr>
+        <p:style>
+          <a:lnRef idx="1">
+            <a:schemeClr val="accent2"/>
+          </a:lnRef>
+          <a:fillRef idx="2">
+            <a:schemeClr val="accent2"/>
+          </a:fillRef>
+          <a:effectRef idx="1">
+            <a:schemeClr val="accent2"/>
+          </a:effectRef>
+          <a:fontRef idx="minor">
+            <a:schemeClr val="dk1"/>
+          </a:fontRef>
+        </p:style>
+        <p:txBody>
+          <a:bodyPr rtlCol="0" anchor="ctr"/>
+          <a:lstStyle/>
+          <a:p>
+            <a:pPr algn="ctr"/>
+            <a:endParaRPr kumimoji="1" lang="ja-JP" altLang="en-US"/>
+          </a:p>
+        </p:txBody>
+      </p:sp>
+      <p:sp>
+        <p:nvSpPr>
+          <p:cNvPr id="9" name="テキスト ボックス 8"/>
+          <p:cNvSpPr txBox="1"/>
+          <p:nvPr/>
+        </p:nvSpPr>
+        <p:spPr>
+          <a:xfrm>
+            <a:off x="4386066" y="4873135"/>
+            <a:ext cx="3995101" cy="400110"/>
+          </a:xfrm>
+          <a:prstGeom prst="rect">
+            <a:avLst/>
+          </a:prstGeom>
+          <a:noFill/>
+        </p:spPr>
+        <p:txBody>
+          <a:bodyPr wrap="square" rtlCol="0">
+            <a:spAutoFit/>
+          </a:bodyPr>
+          <a:lstStyle/>
+          <a:p>
+            <a:pPr algn="ctr"/>
+            <a:r>
+              <a:rPr kumimoji="1" lang="ja-JP" altLang="en-US" sz="2000" dirty="0" smtClean="0"/>
+              <a:t>押されたら次に行く用のロゴ</a:t>
+            </a:r>
+            <a:endParaRPr kumimoji="1" lang="ja-JP" altLang="en-US" sz="2000" dirty="0"/>
+          </a:p>
+        </p:txBody>
+      </p:sp>
+      <p:sp>
+        <p:nvSpPr>
+          <p:cNvPr id="14" name="正方形/長方形 13"/>
+          <p:cNvSpPr/>
+          <p:nvPr/>
+        </p:nvSpPr>
+        <p:spPr>
+          <a:xfrm>
+            <a:off x="8713177" y="4831372"/>
+            <a:ext cx="2538047" cy="650553"/>
+          </a:xfrm>
+          <a:prstGeom prst="rect">
+            <a:avLst/>
+          </a:prstGeom>
+          <a:ln>
+            <a:headEnd type="none" w="med" len="med"/>
+            <a:tailEnd type="none" w="med" len="med"/>
+          </a:ln>
+        </p:spPr>
+        <p:style>
+          <a:lnRef idx="2">
+            <a:schemeClr val="dk1"/>
+          </a:lnRef>
+          <a:fillRef idx="1">
+            <a:schemeClr val="lt1"/>
+          </a:fillRef>
+          <a:effectRef idx="0">
+            <a:schemeClr val="dk1"/>
+          </a:effectRef>
+          <a:fontRef idx="minor">
+            <a:schemeClr val="dk1"/>
+          </a:fontRef>
+        </p:style>
+        <p:txBody>
+          <a:bodyPr rtlCol="0" anchor="ctr"/>
+          <a:lstStyle/>
+          <a:p>
+            <a:pPr algn="ctr"/>
+            <a:endParaRPr kumimoji="1" lang="ja-JP" altLang="en-US"/>
+          </a:p>
+        </p:txBody>
+      </p:sp>
+      <p:sp>
+        <p:nvSpPr>
+          <p:cNvPr id="12" name="左矢印 11"/>
+          <p:cNvSpPr/>
+          <p:nvPr/>
+        </p:nvSpPr>
+        <p:spPr>
+          <a:xfrm>
+            <a:off x="8176846" y="4873135"/>
+            <a:ext cx="712177" cy="536331"/>
+          </a:xfrm>
+          <a:prstGeom prst="leftArrow">
+            <a:avLst/>
+          </a:prstGeom>
+        </p:spPr>
+        <p:style>
+          <a:lnRef idx="2">
+            <a:schemeClr val="dk1">
+              <a:shade val="50000"/>
+            </a:schemeClr>
+          </a:lnRef>
+          <a:fillRef idx="1">
+            <a:schemeClr val="dk1"/>
+          </a:fillRef>
+          <a:effectRef idx="0">
+            <a:schemeClr val="dk1"/>
+          </a:effectRef>
+          <a:fontRef idx="minor">
+            <a:schemeClr val="lt1"/>
+          </a:fontRef>
+        </p:style>
+        <p:txBody>
+          <a:bodyPr rtlCol="0" anchor="ctr"/>
+          <a:lstStyle/>
+          <a:p>
+            <a:pPr algn="ctr"/>
+            <a:endParaRPr kumimoji="1" lang="ja-JP" altLang="en-US"/>
+          </a:p>
+        </p:txBody>
+      </p:sp>
+      <p:sp>
+        <p:nvSpPr>
+          <p:cNvPr id="15" name="テキスト ボックス 14"/>
+          <p:cNvSpPr txBox="1"/>
+          <p:nvPr/>
+        </p:nvSpPr>
+        <p:spPr>
+          <a:xfrm>
+            <a:off x="8968152" y="4963415"/>
+            <a:ext cx="2268417" cy="369332"/>
+          </a:xfrm>
+          <a:prstGeom prst="rect">
+            <a:avLst/>
+          </a:prstGeom>
+          <a:noFill/>
+        </p:spPr>
+        <p:txBody>
+          <a:bodyPr wrap="square" rtlCol="0">
+            <a:spAutoFit/>
+          </a:bodyPr>
+          <a:lstStyle/>
+          <a:p>
+            <a:r>
+              <a:rPr kumimoji="1" lang="ja-JP" altLang="en-US" dirty="0" smtClean="0"/>
+              <a:t>押されたら点滅する</a:t>
+            </a:r>
+            <a:endParaRPr kumimoji="1" lang="ja-JP" altLang="en-US" dirty="0"/>
+          </a:p>
+        </p:txBody>
+      </p:sp>
+      <p:sp>
+        <p:nvSpPr>
+          <p:cNvPr id="16" name="正方形/長方形 15"/>
+          <p:cNvSpPr/>
+          <p:nvPr/>
+        </p:nvSpPr>
+        <p:spPr>
+          <a:xfrm>
+            <a:off x="395654" y="4123672"/>
+            <a:ext cx="2464037" cy="589163"/>
+          </a:xfrm>
+          <a:prstGeom prst="rect">
+            <a:avLst/>
+          </a:prstGeom>
+          <a:ln>
+            <a:headEnd type="none" w="med" len="med"/>
+            <a:tailEnd type="none" w="med" len="med"/>
+          </a:ln>
+        </p:spPr>
+        <p:style>
+          <a:lnRef idx="2">
+            <a:schemeClr val="dk1"/>
+          </a:lnRef>
+          <a:fillRef idx="1">
+            <a:schemeClr val="lt1"/>
+          </a:fillRef>
+          <a:effectRef idx="0">
+            <a:schemeClr val="dk1"/>
+          </a:effectRef>
+          <a:fontRef idx="minor">
+            <a:schemeClr val="dk1"/>
+          </a:fontRef>
+        </p:style>
+        <p:txBody>
+          <a:bodyPr rtlCol="0" anchor="ctr"/>
+          <a:lstStyle/>
+          <a:p>
+            <a:pPr algn="ctr"/>
+            <a:endParaRPr kumimoji="1" lang="ja-JP" altLang="en-US"/>
+          </a:p>
+        </p:txBody>
+      </p:sp>
+      <p:sp>
+        <p:nvSpPr>
+          <p:cNvPr id="17" name="テキスト ボックス 16"/>
+          <p:cNvSpPr txBox="1"/>
+          <p:nvPr/>
+        </p:nvSpPr>
+        <p:spPr>
+          <a:xfrm>
+            <a:off x="539263" y="4264282"/>
+            <a:ext cx="2116909" cy="369332"/>
+          </a:xfrm>
+          <a:prstGeom prst="rect">
+            <a:avLst/>
+          </a:prstGeom>
+          <a:noFill/>
+        </p:spPr>
+        <p:txBody>
+          <a:bodyPr wrap="square" rtlCol="0">
+            <a:spAutoFit/>
+          </a:bodyPr>
+          <a:lstStyle/>
+          <a:p>
+            <a:r>
+              <a:rPr kumimoji="1" lang="ja-JP" altLang="en-US" dirty="0" smtClean="0"/>
+              <a:t>後ろに風景の画面</a:t>
+            </a:r>
+            <a:endParaRPr kumimoji="1" lang="ja-JP" altLang="en-US" dirty="0"/>
+          </a:p>
+        </p:txBody>
+      </p:sp>
+      <p:sp>
+        <p:nvSpPr>
+          <p:cNvPr id="18" name="片側の 2 つの角を切り取った四角形 17"/>
+          <p:cNvSpPr/>
+          <p:nvPr/>
+        </p:nvSpPr>
+        <p:spPr>
+          <a:xfrm>
+            <a:off x="905607" y="575896"/>
+            <a:ext cx="2963008" cy="650630"/>
+          </a:xfrm>
+          <a:prstGeom prst="snip2SameRect">
+            <a:avLst/>
+          </a:prstGeom>
+        </p:spPr>
+        <p:style>
+          <a:lnRef idx="2">
+            <a:schemeClr val="accent2">
+              <a:shade val="50000"/>
+            </a:schemeClr>
+          </a:lnRef>
+          <a:fillRef idx="1">
+            <a:schemeClr val="accent2"/>
+          </a:fillRef>
+          <a:effectRef idx="0">
+            <a:schemeClr val="accent2"/>
+          </a:effectRef>
+          <a:fontRef idx="minor">
+            <a:schemeClr val="lt1"/>
+          </a:fontRef>
+        </p:style>
+        <p:txBody>
+          <a:bodyPr rtlCol="0" anchor="ctr"/>
+          <a:lstStyle/>
+          <a:p>
+            <a:pPr algn="ctr"/>
+            <a:endParaRPr kumimoji="1" lang="ja-JP" altLang="en-US"/>
+          </a:p>
+        </p:txBody>
+      </p:sp>
+      <p:sp>
+        <p:nvSpPr>
+          <p:cNvPr id="19" name="テキスト ボックス 18"/>
+          <p:cNvSpPr txBox="1"/>
+          <p:nvPr/>
+        </p:nvSpPr>
+        <p:spPr>
+          <a:xfrm>
+            <a:off x="1005256" y="685876"/>
+            <a:ext cx="2634759" cy="523220"/>
+          </a:xfrm>
+          <a:prstGeom prst="rect">
+            <a:avLst/>
+          </a:prstGeom>
+          <a:noFill/>
+        </p:spPr>
+        <p:txBody>
+          <a:bodyPr wrap="square" rtlCol="0">
+            <a:spAutoFit/>
+          </a:bodyPr>
+          <a:lstStyle/>
+          <a:p>
+            <a:pPr algn="ctr"/>
+            <a:r>
+              <a:rPr kumimoji="1" lang="ja-JP" altLang="en-US" sz="2800" b="1" dirty="0" smtClean="0">
+                <a:solidFill>
+                  <a:schemeClr val="bg2"/>
+                </a:solidFill>
+              </a:rPr>
+              <a:t>１つの場合</a:t>
+            </a:r>
+            <a:endParaRPr kumimoji="1" lang="ja-JP" altLang="en-US" sz="2800" b="1" dirty="0">
+              <a:solidFill>
+                <a:schemeClr val="bg2"/>
+              </a:solidFill>
+            </a:endParaRPr>
+          </a:p>
+        </p:txBody>
+      </p:sp>
+      <p:sp>
+        <p:nvSpPr>
+          <p:cNvPr id="22" name="正方形/長方形 21"/>
+          <p:cNvSpPr/>
+          <p:nvPr/>
+        </p:nvSpPr>
+        <p:spPr>
+          <a:xfrm>
+            <a:off x="4554414" y="480564"/>
+            <a:ext cx="3622432" cy="699047"/>
+          </a:xfrm>
+          <a:prstGeom prst="rect">
+            <a:avLst/>
+          </a:prstGeom>
+        </p:spPr>
+        <p:style>
+          <a:lnRef idx="2">
+            <a:schemeClr val="dk1"/>
+          </a:lnRef>
+          <a:fillRef idx="1">
+            <a:schemeClr val="lt1"/>
+          </a:fillRef>
+          <a:effectRef idx="0">
+            <a:schemeClr val="dk1"/>
+          </a:effectRef>
+          <a:fontRef idx="minor">
+            <a:schemeClr val="dk1"/>
+          </a:fontRef>
+        </p:style>
+        <p:txBody>
+          <a:bodyPr rtlCol="0" anchor="ctr"/>
+          <a:lstStyle/>
+          <a:p>
+            <a:pPr algn="ctr"/>
+            <a:endParaRPr kumimoji="1" lang="ja-JP" altLang="en-US"/>
+          </a:p>
+        </p:txBody>
+      </p:sp>
+      <p:sp>
+        <p:nvSpPr>
+          <p:cNvPr id="23" name="正方形/長方形 22"/>
+          <p:cNvSpPr/>
+          <p:nvPr/>
+        </p:nvSpPr>
+        <p:spPr>
+          <a:xfrm>
+            <a:off x="5090353" y="565467"/>
+            <a:ext cx="2646878" cy="584775"/>
+          </a:xfrm>
+          <a:prstGeom prst="rect">
+            <a:avLst/>
+          </a:prstGeom>
+        </p:spPr>
+        <p:txBody>
+          <a:bodyPr wrap="none">
+            <a:spAutoFit/>
+          </a:bodyPr>
+          <a:lstStyle/>
+          <a:p>
+            <a:r>
+              <a:rPr lang="ja-JP" altLang="en-US" sz="3200" b="1" dirty="0" smtClean="0"/>
+              <a:t>タイトル画面</a:t>
+            </a:r>
+            <a:endParaRPr lang="ja-JP" altLang="en-US" sz="3200" b="1" dirty="0"/>
+          </a:p>
+        </p:txBody>
+      </p:sp>
+    </p:spTree>
+    <p:extLst>
+      <p:ext uri="{BB962C8B-B14F-4D97-AF65-F5344CB8AC3E}">
+        <p14:creationId xmlns:p14="http://schemas.microsoft.com/office/powerpoint/2010/main" val="2003107976"/>
+      </p:ext>
+    </p:extLst>
+  </p:cSld>
+  <p:clrMapOvr>
+    <a:masterClrMapping/>
+  </p:clrMapOvr>
+</p:sld>
+</file>
+
+<file path=ppt/slides/slide25.xml><?xml version="1.0" encoding="utf-8"?>
+<p:sld xmlns:a="http://schemas.openxmlformats.org/drawingml/2006/main" xmlns:r="http://schemas.openxmlformats.org/officeDocument/2006/relationships" xmlns:p="http://schemas.openxmlformats.org/presentationml/2006/main">
+  <p:cSld>
+    <p:spTree>
+      <p:nvGrpSpPr>
+        <p:cNvPr id="1" name=""/>
+        <p:cNvGrpSpPr/>
+        <p:nvPr/>
+      </p:nvGrpSpPr>
+      <p:grpSpPr>
+        <a:xfrm>
+          <a:off x="0" y="0"/>
+          <a:ext cx="0" cy="0"/>
+          <a:chOff x="0" y="0"/>
+          <a:chExt cx="0" cy="0"/>
+        </a:xfrm>
+      </p:grpSpPr>
+      <p:sp>
+        <p:nvSpPr>
+          <p:cNvPr id="2" name="タイトル 1"/>
+          <p:cNvSpPr>
+            <a:spLocks noGrp="1"/>
+          </p:cNvSpPr>
+          <p:nvPr>
+            <p:ph type="title"/>
+          </p:nvPr>
+        </p:nvSpPr>
+        <p:spPr/>
+        <p:txBody>
+          <a:bodyPr/>
+          <a:lstStyle/>
+          <a:p>
+            <a:endParaRPr kumimoji="1" lang="ja-JP" altLang="en-US"/>
+          </a:p>
+        </p:txBody>
+      </p:sp>
+      <p:sp>
+        <p:nvSpPr>
+          <p:cNvPr id="3" name="コンテンツ プレースホルダー 2"/>
+          <p:cNvSpPr>
+            <a:spLocks noGrp="1"/>
+          </p:cNvSpPr>
+          <p:nvPr>
+            <p:ph idx="1"/>
+          </p:nvPr>
+        </p:nvSpPr>
+        <p:spPr/>
+        <p:txBody>
+          <a:bodyPr/>
+          <a:lstStyle/>
+          <a:p>
+            <a:endParaRPr kumimoji="1" lang="ja-JP" altLang="en-US"/>
+          </a:p>
+        </p:txBody>
+      </p:sp>
+    </p:spTree>
+    <p:extLst>
+      <p:ext uri="{BB962C8B-B14F-4D97-AF65-F5344CB8AC3E}">
+        <p14:creationId xmlns:p14="http://schemas.microsoft.com/office/powerpoint/2010/main" val="3087006168"/>
       </p:ext>
     </p:extLst>
   </p:cSld>
@@ -8348,11 +10713,11 @@
   <p:clrMapOvr>
     <a:masterClrMapping/>
   </p:clrMapOvr>
-  <mc:AlternateContent xmlns:mc="http://schemas.openxmlformats.org/markup-compatibility/2006">
-    <mc:Choice xmlns:p14="http://schemas.microsoft.com/office/powerpoint/2010/main" Requires="p14">
+  <mc:AlternateContent xmlns:mc="http://schemas.openxmlformats.org/markup-compatibility/2006" xmlns:p14="http://schemas.microsoft.com/office/powerpoint/2010/main">
+    <mc:Choice Requires="p14">
       <p:transition spd="slow" p14:dur="2000"/>
     </mc:Choice>
-    <mc:Fallback>
+    <mc:Fallback xmlns="">
       <p:transition spd="slow"/>
     </mc:Fallback>
   </mc:AlternateContent>
@@ -9088,11 +11453,11 @@
   <p:clrMapOvr>
     <a:masterClrMapping/>
   </p:clrMapOvr>
-  <mc:AlternateContent xmlns:mc="http://schemas.openxmlformats.org/markup-compatibility/2006">
-    <mc:Choice xmlns:p14="http://schemas.microsoft.com/office/powerpoint/2010/main" Requires="p14">
+  <mc:AlternateContent xmlns:mc="http://schemas.openxmlformats.org/markup-compatibility/2006" xmlns:p14="http://schemas.microsoft.com/office/powerpoint/2010/main">
+    <mc:Choice Requires="p14">
       <p:transition spd="slow" p14:dur="2000"/>
     </mc:Choice>
-    <mc:Fallback>
+    <mc:Fallback xmlns="">
       <p:transition spd="slow"/>
     </mc:Fallback>
   </mc:AlternateContent>

--- a/卒業制作_大元_ミニゲーム大全（仮）.pptx
+++ b/卒業制作_大元_ミニゲーム大全（仮）.pptx
@@ -5,7 +5,7 @@
     <p:sldMasterId id="2147483648" r:id="rId1"/>
   </p:sldMasterIdLst>
   <p:notesMasterIdLst>
-    <p:notesMasterId r:id="rId27"/>
+    <p:notesMasterId r:id="rId32"/>
   </p:notesMasterIdLst>
   <p:sldIdLst>
     <p:sldId id="256" r:id="rId2"/>
@@ -32,7 +32,12 @@
     <p:sldId id="278" r:id="rId23"/>
     <p:sldId id="279" r:id="rId24"/>
     <p:sldId id="280" r:id="rId25"/>
-    <p:sldId id="281" r:id="rId26"/>
+    <p:sldId id="282" r:id="rId26"/>
+    <p:sldId id="285" r:id="rId27"/>
+    <p:sldId id="284" r:id="rId28"/>
+    <p:sldId id="281" r:id="rId29"/>
+    <p:sldId id="283" r:id="rId30"/>
+    <p:sldId id="286" r:id="rId31"/>
   </p:sldIdLst>
   <p:sldSz cx="12192000" cy="6858000"/>
   <p:notesSz cx="6858000" cy="9144000"/>
@@ -221,7 +226,7 @@
           <a:p>
             <a:fld id="{9F0EE0E9-C29C-4E39-90B8-02C3958C3D1E}" type="datetimeFigureOut">
               <a:rPr kumimoji="1" lang="ja-JP" altLang="en-US" smtClean="0"/>
-              <a:t>2022/10/19</a:t>
+              <a:t>2022/10/20</a:t>
             </a:fld>
             <a:endParaRPr kumimoji="1" lang="ja-JP" altLang="en-US"/>
           </a:p>
@@ -836,7 +841,7 @@
           <a:p>
             <a:fld id="{85AE5D95-22A4-4501-B904-E60E370D30E0}" type="datetimeFigureOut">
               <a:rPr kumimoji="1" lang="ja-JP" altLang="en-US" smtClean="0"/>
-              <a:t>2022/10/19</a:t>
+              <a:t>2022/10/20</a:t>
             </a:fld>
             <a:endParaRPr kumimoji="1" lang="ja-JP" altLang="en-US"/>
           </a:p>
@@ -1038,7 +1043,7 @@
           <a:p>
             <a:fld id="{85AE5D95-22A4-4501-B904-E60E370D30E0}" type="datetimeFigureOut">
               <a:rPr kumimoji="1" lang="ja-JP" altLang="en-US" smtClean="0"/>
-              <a:t>2022/10/19</a:t>
+              <a:t>2022/10/20</a:t>
             </a:fld>
             <a:endParaRPr kumimoji="1" lang="ja-JP" altLang="en-US"/>
           </a:p>
@@ -1250,7 +1255,7 @@
           <a:p>
             <a:fld id="{85AE5D95-22A4-4501-B904-E60E370D30E0}" type="datetimeFigureOut">
               <a:rPr kumimoji="1" lang="ja-JP" altLang="en-US" smtClean="0"/>
-              <a:t>2022/10/19</a:t>
+              <a:t>2022/10/20</a:t>
             </a:fld>
             <a:endParaRPr kumimoji="1" lang="ja-JP" altLang="en-US"/>
           </a:p>
@@ -1452,7 +1457,7 @@
           <a:p>
             <a:fld id="{85AE5D95-22A4-4501-B904-E60E370D30E0}" type="datetimeFigureOut">
               <a:rPr kumimoji="1" lang="ja-JP" altLang="en-US" smtClean="0"/>
-              <a:t>2022/10/19</a:t>
+              <a:t>2022/10/20</a:t>
             </a:fld>
             <a:endParaRPr kumimoji="1" lang="ja-JP" altLang="en-US"/>
           </a:p>
@@ -1698,7 +1703,7 @@
           <a:p>
             <a:fld id="{85AE5D95-22A4-4501-B904-E60E370D30E0}" type="datetimeFigureOut">
               <a:rPr kumimoji="1" lang="ja-JP" altLang="en-US" smtClean="0"/>
-              <a:t>2022/10/19</a:t>
+              <a:t>2022/10/20</a:t>
             </a:fld>
             <a:endParaRPr kumimoji="1" lang="ja-JP" altLang="en-US"/>
           </a:p>
@@ -1994,7 +1999,7 @@
           <a:p>
             <a:fld id="{85AE5D95-22A4-4501-B904-E60E370D30E0}" type="datetimeFigureOut">
               <a:rPr kumimoji="1" lang="ja-JP" altLang="en-US" smtClean="0"/>
-              <a:t>2022/10/19</a:t>
+              <a:t>2022/10/20</a:t>
             </a:fld>
             <a:endParaRPr kumimoji="1" lang="ja-JP" altLang="en-US"/>
           </a:p>
@@ -2425,7 +2430,7 @@
           <a:p>
             <a:fld id="{85AE5D95-22A4-4501-B904-E60E370D30E0}" type="datetimeFigureOut">
               <a:rPr kumimoji="1" lang="ja-JP" altLang="en-US" smtClean="0"/>
-              <a:t>2022/10/19</a:t>
+              <a:t>2022/10/20</a:t>
             </a:fld>
             <a:endParaRPr kumimoji="1" lang="ja-JP" altLang="en-US"/>
           </a:p>
@@ -2543,7 +2548,7 @@
           <a:p>
             <a:fld id="{85AE5D95-22A4-4501-B904-E60E370D30E0}" type="datetimeFigureOut">
               <a:rPr kumimoji="1" lang="ja-JP" altLang="en-US" smtClean="0"/>
-              <a:t>2022/10/19</a:t>
+              <a:t>2022/10/20</a:t>
             </a:fld>
             <a:endParaRPr kumimoji="1" lang="ja-JP" altLang="en-US"/>
           </a:p>
@@ -2638,7 +2643,7 @@
           <a:p>
             <a:fld id="{85AE5D95-22A4-4501-B904-E60E370D30E0}" type="datetimeFigureOut">
               <a:rPr kumimoji="1" lang="ja-JP" altLang="en-US" smtClean="0"/>
-              <a:t>2022/10/19</a:t>
+              <a:t>2022/10/20</a:t>
             </a:fld>
             <a:endParaRPr kumimoji="1" lang="ja-JP" altLang="en-US"/>
           </a:p>
@@ -2947,7 +2952,7 @@
           <a:p>
             <a:fld id="{85AE5D95-22A4-4501-B904-E60E370D30E0}" type="datetimeFigureOut">
               <a:rPr kumimoji="1" lang="ja-JP" altLang="en-US" smtClean="0"/>
-              <a:t>2022/10/19</a:t>
+              <a:t>2022/10/20</a:t>
             </a:fld>
             <a:endParaRPr kumimoji="1" lang="ja-JP" altLang="en-US"/>
           </a:p>
@@ -3200,7 +3205,7 @@
           <a:p>
             <a:fld id="{85AE5D95-22A4-4501-B904-E60E370D30E0}" type="datetimeFigureOut">
               <a:rPr kumimoji="1" lang="ja-JP" altLang="en-US" smtClean="0"/>
-              <a:t>2022/10/19</a:t>
+              <a:t>2022/10/20</a:t>
             </a:fld>
             <a:endParaRPr kumimoji="1" lang="ja-JP" altLang="en-US"/>
           </a:p>
@@ -3445,7 +3450,7 @@
           <a:p>
             <a:fld id="{85AE5D95-22A4-4501-B904-E60E370D30E0}" type="datetimeFigureOut">
               <a:rPr kumimoji="1" lang="ja-JP" altLang="en-US" smtClean="0"/>
-              <a:t>2022/10/19</a:t>
+              <a:t>2022/10/20</a:t>
             </a:fld>
             <a:endParaRPr kumimoji="1" lang="ja-JP" altLang="en-US"/>
           </a:p>
@@ -3916,6 +3921,13 @@
   <p:clrMapOvr>
     <a:masterClrMapping/>
   </p:clrMapOvr>
+  <p:timing>
+    <p:tnLst>
+      <p:par>
+        <p:cTn id="1" dur="indefinite" restart="never" nodeType="tmRoot"/>
+      </p:par>
+    </p:tnLst>
+  </p:timing>
 </p:sld>
 </file>
 
@@ -6227,6 +6239,13 @@
   <p:clrMapOvr>
     <a:masterClrMapping/>
   </p:clrMapOvr>
+  <p:timing>
+    <p:tnLst>
+      <p:par>
+        <p:cTn id="1" dur="indefinite" restart="never" nodeType="tmRoot"/>
+      </p:par>
+    </p:tnLst>
+  </p:timing>
 </p:sld>
 </file>
 
@@ -6383,7 +6402,7 @@
         </p:nvSpPr>
         <p:spPr>
           <a:xfrm>
-            <a:off x="1330109" y="2507253"/>
+            <a:off x="1318661" y="4679114"/>
             <a:ext cx="1874982" cy="551872"/>
           </a:xfrm>
           <a:prstGeom prst="flowChartProcess">
@@ -6467,7 +6486,7 @@
         </p:nvSpPr>
         <p:spPr>
           <a:xfrm>
-            <a:off x="1330107" y="3978598"/>
+            <a:off x="5153496" y="1464050"/>
             <a:ext cx="1874983" cy="472146"/>
           </a:xfrm>
           <a:prstGeom prst="flowChartProcess">
@@ -6509,7 +6528,7 @@
         </p:nvSpPr>
         <p:spPr>
           <a:xfrm>
-            <a:off x="1325491" y="4740957"/>
+            <a:off x="5148880" y="2226409"/>
             <a:ext cx="1874984" cy="497144"/>
           </a:xfrm>
           <a:prstGeom prst="flowChartProcess">
@@ -6553,9 +6572,9 @@
           <p:nvPr/>
         </p:nvCxnSpPr>
         <p:spPr>
-          <a:xfrm>
-            <a:off x="2267600" y="3059125"/>
-            <a:ext cx="2937" cy="242571"/>
+          <a:xfrm flipH="1">
+            <a:off x="2248598" y="5230986"/>
+            <a:ext cx="7554" cy="342000"/>
           </a:xfrm>
           <a:prstGeom prst="straightConnector1">
             <a:avLst/>
@@ -6590,7 +6609,7 @@
         </p:nvCxnSpPr>
         <p:spPr>
           <a:xfrm flipH="1">
-            <a:off x="2262983" y="4450744"/>
+            <a:off x="6086372" y="1936196"/>
             <a:ext cx="4616" cy="290213"/>
           </a:xfrm>
           <a:prstGeom prst="straightConnector1">
@@ -6725,7 +6744,7 @@
         </p:nvSpPr>
         <p:spPr>
           <a:xfrm>
-            <a:off x="1307021" y="2623986"/>
+            <a:off x="1295573" y="4795847"/>
             <a:ext cx="1893454" cy="369332"/>
           </a:xfrm>
           <a:prstGeom prst="rect">
@@ -6756,7 +6775,7 @@
         </p:nvSpPr>
         <p:spPr>
           <a:xfrm>
-            <a:off x="1335983" y="4079787"/>
+            <a:off x="5159372" y="1565239"/>
             <a:ext cx="1893454" cy="369332"/>
           </a:xfrm>
           <a:prstGeom prst="rect">
@@ -6787,8 +6806,8 @@
         </p:nvSpPr>
         <p:spPr>
           <a:xfrm>
-            <a:off x="1392458" y="4803483"/>
-            <a:ext cx="1711037" cy="369332"/>
+            <a:off x="5171969" y="2306118"/>
+            <a:ext cx="1904657" cy="369332"/>
           </a:xfrm>
           <a:prstGeom prst="rect">
             <a:avLst/>
@@ -6804,7 +6823,7 @@
             <a:pPr algn="ctr"/>
             <a:r>
               <a:rPr kumimoji="1" lang="ja-JP" altLang="en-US" dirty="0" smtClean="0"/>
-              <a:t>リザルト</a:t>
+              <a:t>ゲームリザルト</a:t>
             </a:r>
             <a:endParaRPr kumimoji="1" lang="en-US" altLang="ja-JP" dirty="0" smtClean="0"/>
           </a:p>
@@ -6815,16 +6834,955 @@
           <p:cNvPr id="52" name="直線矢印コネクタ 51"/>
           <p:cNvCxnSpPr>
             <a:stCxn id="6" idx="2"/>
+            <a:endCxn id="51" idx="0"/>
+          </p:cNvCxnSpPr>
+          <p:nvPr/>
+        </p:nvCxnSpPr>
+        <p:spPr>
+          <a:xfrm flipH="1">
+            <a:off x="2273474" y="2233246"/>
+            <a:ext cx="1" cy="251044"/>
+          </a:xfrm>
+          <a:prstGeom prst="straightConnector1">
+            <a:avLst/>
+          </a:prstGeom>
+          <a:ln w="38100">
+            <a:tailEnd type="triangle"/>
+          </a:ln>
+        </p:spPr>
+        <p:style>
+          <a:lnRef idx="1">
+            <a:schemeClr val="accent1"/>
+          </a:lnRef>
+          <a:fillRef idx="0">
+            <a:schemeClr val="accent1"/>
+          </a:fillRef>
+          <a:effectRef idx="0">
+            <a:schemeClr val="accent1"/>
+          </a:effectRef>
+          <a:fontRef idx="minor">
+            <a:schemeClr val="tx1"/>
+          </a:fontRef>
+        </p:style>
+      </p:cxnSp>
+      <p:sp>
+        <p:nvSpPr>
+          <p:cNvPr id="64" name="フローチャート: 処理 63"/>
+          <p:cNvSpPr/>
+          <p:nvPr/>
+        </p:nvSpPr>
+        <p:spPr>
+          <a:xfrm>
+            <a:off x="5151818" y="2977567"/>
+            <a:ext cx="1874984" cy="475612"/>
+          </a:xfrm>
+          <a:prstGeom prst="flowChartProcess">
+            <a:avLst/>
+          </a:prstGeom>
+          <a:noFill/>
+          <a:ln w="38100"/>
+        </p:spPr>
+        <p:style>
+          <a:lnRef idx="2">
+            <a:schemeClr val="accent1">
+              <a:shade val="50000"/>
+            </a:schemeClr>
+          </a:lnRef>
+          <a:fillRef idx="1">
+            <a:schemeClr val="accent1"/>
+          </a:fillRef>
+          <a:effectRef idx="0">
+            <a:schemeClr val="accent1"/>
+          </a:effectRef>
+          <a:fontRef idx="minor">
+            <a:schemeClr val="lt1"/>
+          </a:fontRef>
+        </p:style>
+        <p:txBody>
+          <a:bodyPr rtlCol="0" anchor="ctr"/>
+          <a:lstStyle/>
+          <a:p>
+            <a:pPr algn="ctr"/>
+            <a:endParaRPr kumimoji="1" lang="ja-JP" altLang="en-US"/>
+          </a:p>
+        </p:txBody>
+      </p:sp>
+      <p:sp>
+        <p:nvSpPr>
+          <p:cNvPr id="65" name="テキスト ボックス 64"/>
+          <p:cNvSpPr txBox="1"/>
+          <p:nvPr/>
+        </p:nvSpPr>
+        <p:spPr>
+          <a:xfrm>
+            <a:off x="5233791" y="3039425"/>
+            <a:ext cx="1711037" cy="369332"/>
+          </a:xfrm>
+          <a:prstGeom prst="rect">
+            <a:avLst/>
+          </a:prstGeom>
+          <a:noFill/>
+        </p:spPr>
+        <p:txBody>
+          <a:bodyPr wrap="square" rtlCol="0">
+            <a:spAutoFit/>
+          </a:bodyPr>
+          <a:lstStyle/>
+          <a:p>
+            <a:pPr algn="ctr"/>
+            <a:r>
+              <a:rPr kumimoji="1" lang="ja-JP" altLang="en-US" dirty="0" smtClean="0"/>
+              <a:t>噓つき選択</a:t>
+            </a:r>
+            <a:endParaRPr kumimoji="1" lang="en-US" altLang="ja-JP" dirty="0" smtClean="0"/>
+          </a:p>
+        </p:txBody>
+      </p:sp>
+      <p:sp>
+        <p:nvSpPr>
+          <p:cNvPr id="43" name="片側の 2 つの角を切り取った四角形 42"/>
+          <p:cNvSpPr/>
+          <p:nvPr/>
+        </p:nvSpPr>
+        <p:spPr>
+          <a:xfrm>
+            <a:off x="1308169" y="5572986"/>
+            <a:ext cx="1880858" cy="438495"/>
+          </a:xfrm>
+          <a:prstGeom prst="snip2SameRect">
+            <a:avLst/>
+          </a:prstGeom>
+          <a:solidFill>
+            <a:schemeClr val="bg1"/>
+          </a:solidFill>
+          <a:ln w="38100"/>
+        </p:spPr>
+        <p:style>
+          <a:lnRef idx="2">
+            <a:schemeClr val="accent1">
+              <a:shade val="50000"/>
+            </a:schemeClr>
+          </a:lnRef>
+          <a:fillRef idx="1">
+            <a:schemeClr val="accent1"/>
+          </a:fillRef>
+          <a:effectRef idx="0">
+            <a:schemeClr val="accent1"/>
+          </a:effectRef>
+          <a:fontRef idx="minor">
+            <a:schemeClr val="lt1"/>
+          </a:fontRef>
+        </p:style>
+        <p:txBody>
+          <a:bodyPr rtlCol="0" anchor="ctr"/>
+          <a:lstStyle/>
+          <a:p>
+            <a:pPr algn="ctr"/>
+            <a:endParaRPr kumimoji="1" lang="ja-JP" altLang="en-US"/>
+          </a:p>
+        </p:txBody>
+      </p:sp>
+      <p:sp>
+        <p:nvSpPr>
+          <p:cNvPr id="78" name="テキスト ボックス 77"/>
+          <p:cNvSpPr txBox="1"/>
+          <p:nvPr/>
+        </p:nvSpPr>
+        <p:spPr>
+          <a:xfrm>
+            <a:off x="1601009" y="5636155"/>
+            <a:ext cx="1297387" cy="369332"/>
+          </a:xfrm>
+          <a:prstGeom prst="rect">
+            <a:avLst/>
+          </a:prstGeom>
+          <a:noFill/>
+        </p:spPr>
+        <p:txBody>
+          <a:bodyPr wrap="square" rtlCol="0">
+            <a:spAutoFit/>
+          </a:bodyPr>
+          <a:lstStyle/>
+          <a:p>
+            <a:pPr algn="ctr"/>
+            <a:r>
+              <a:rPr kumimoji="1" lang="en-US" altLang="ja-JP" dirty="0" smtClean="0"/>
+              <a:t>n</a:t>
+            </a:r>
+            <a:r>
+              <a:rPr kumimoji="1" lang="ja-JP" altLang="en-US" dirty="0" smtClean="0"/>
+              <a:t>回分回す</a:t>
+            </a:r>
+            <a:endParaRPr kumimoji="1" lang="en-US" altLang="ja-JP" dirty="0" smtClean="0"/>
+          </a:p>
+        </p:txBody>
+      </p:sp>
+      <p:sp>
+        <p:nvSpPr>
+          <p:cNvPr id="28" name="フローチャート: 処理 27"/>
+          <p:cNvSpPr/>
+          <p:nvPr/>
+        </p:nvSpPr>
+        <p:spPr>
+          <a:xfrm>
+            <a:off x="5141170" y="4405674"/>
+            <a:ext cx="1874983" cy="574963"/>
+          </a:xfrm>
+          <a:prstGeom prst="flowChartProcess">
+            <a:avLst/>
+          </a:prstGeom>
+          <a:noFill/>
+          <a:ln w="38100"/>
+        </p:spPr>
+        <p:style>
+          <a:lnRef idx="2">
+            <a:schemeClr val="accent1">
+              <a:shade val="50000"/>
+            </a:schemeClr>
+          </a:lnRef>
+          <a:fillRef idx="1">
+            <a:schemeClr val="accent1"/>
+          </a:fillRef>
+          <a:effectRef idx="0">
+            <a:schemeClr val="accent1"/>
+          </a:effectRef>
+          <a:fontRef idx="minor">
+            <a:schemeClr val="lt1"/>
+          </a:fontRef>
+        </p:style>
+        <p:txBody>
+          <a:bodyPr rtlCol="0" anchor="ctr"/>
+          <a:lstStyle/>
+          <a:p>
+            <a:pPr algn="ctr"/>
+            <a:endParaRPr kumimoji="1" lang="ja-JP" altLang="en-US"/>
+          </a:p>
+        </p:txBody>
+      </p:sp>
+      <p:sp>
+        <p:nvSpPr>
+          <p:cNvPr id="31" name="テキスト ボックス 30"/>
+          <p:cNvSpPr txBox="1"/>
+          <p:nvPr/>
+        </p:nvSpPr>
+        <p:spPr>
+          <a:xfrm>
+            <a:off x="5131935" y="4506157"/>
+            <a:ext cx="1893454" cy="369332"/>
+          </a:xfrm>
+          <a:prstGeom prst="rect">
+            <a:avLst/>
+          </a:prstGeom>
+          <a:noFill/>
+        </p:spPr>
+        <p:txBody>
+          <a:bodyPr wrap="square" rtlCol="0">
+            <a:spAutoFit/>
+          </a:bodyPr>
+          <a:lstStyle/>
+          <a:p>
+            <a:pPr algn="ctr"/>
+            <a:r>
+              <a:rPr kumimoji="1" lang="ja-JP" altLang="en-US" dirty="0" smtClean="0"/>
+              <a:t>結果発表</a:t>
+            </a:r>
+            <a:endParaRPr kumimoji="1" lang="en-US" altLang="ja-JP" dirty="0" smtClean="0"/>
+          </a:p>
+        </p:txBody>
+      </p:sp>
+      <p:sp>
+        <p:nvSpPr>
+          <p:cNvPr id="41" name="片側の 2 つの角を切り取った四角形 40"/>
+          <p:cNvSpPr/>
+          <p:nvPr/>
+        </p:nvSpPr>
+        <p:spPr>
+          <a:xfrm rot="10800000">
+            <a:off x="5141171" y="3713084"/>
+            <a:ext cx="1880858" cy="413754"/>
+          </a:xfrm>
+          <a:prstGeom prst="snip2SameRect">
+            <a:avLst/>
+          </a:prstGeom>
+          <a:solidFill>
+            <a:schemeClr val="bg1"/>
+          </a:solidFill>
+          <a:ln w="38100"/>
+        </p:spPr>
+        <p:style>
+          <a:lnRef idx="2">
+            <a:schemeClr val="accent1">
+              <a:shade val="50000"/>
+            </a:schemeClr>
+          </a:lnRef>
+          <a:fillRef idx="1">
+            <a:schemeClr val="accent1"/>
+          </a:fillRef>
+          <a:effectRef idx="0">
+            <a:schemeClr val="accent1"/>
+          </a:effectRef>
+          <a:fontRef idx="minor">
+            <a:schemeClr val="lt1"/>
+          </a:fontRef>
+        </p:style>
+        <p:txBody>
+          <a:bodyPr rtlCol="0" anchor="ctr"/>
+          <a:lstStyle/>
+          <a:p>
+            <a:pPr algn="ctr"/>
+            <a:endParaRPr kumimoji="1" lang="ja-JP" altLang="en-US"/>
+          </a:p>
+        </p:txBody>
+      </p:sp>
+      <p:cxnSp>
+        <p:nvCxnSpPr>
+          <p:cNvPr id="49" name="直線矢印コネクタ 48"/>
+          <p:cNvCxnSpPr>
+            <a:stCxn id="64" idx="2"/>
+            <a:endCxn id="41" idx="1"/>
+          </p:cNvCxnSpPr>
+          <p:nvPr/>
+        </p:nvCxnSpPr>
+        <p:spPr>
+          <a:xfrm flipH="1">
+            <a:off x="6081600" y="3453179"/>
+            <a:ext cx="7710" cy="259905"/>
+          </a:xfrm>
+          <a:prstGeom prst="straightConnector1">
+            <a:avLst/>
+          </a:prstGeom>
+          <a:ln w="38100">
+            <a:tailEnd type="triangle"/>
+          </a:ln>
+        </p:spPr>
+        <p:style>
+          <a:lnRef idx="1">
+            <a:schemeClr val="accent1"/>
+          </a:lnRef>
+          <a:fillRef idx="0">
+            <a:schemeClr val="accent1"/>
+          </a:fillRef>
+          <a:effectRef idx="0">
+            <a:schemeClr val="accent1"/>
+          </a:effectRef>
+          <a:fontRef idx="minor">
+            <a:schemeClr val="tx1"/>
+          </a:fontRef>
+        </p:style>
+      </p:cxnSp>
+      <p:sp>
+        <p:nvSpPr>
+          <p:cNvPr id="63" name="フローチャート: 端子 62"/>
+          <p:cNvSpPr/>
+          <p:nvPr/>
+        </p:nvSpPr>
+        <p:spPr>
+          <a:xfrm>
+            <a:off x="1307020" y="1050122"/>
+            <a:ext cx="1903946" cy="461697"/>
+          </a:xfrm>
+          <a:prstGeom prst="flowChartTerminator">
+            <a:avLst/>
+          </a:prstGeom>
+          <a:solidFill>
+            <a:schemeClr val="bg1"/>
+          </a:solidFill>
+          <a:ln w="76200"/>
+        </p:spPr>
+        <p:style>
+          <a:lnRef idx="2">
+            <a:schemeClr val="accent1">
+              <a:shade val="50000"/>
+            </a:schemeClr>
+          </a:lnRef>
+          <a:fillRef idx="1">
+            <a:schemeClr val="accent1"/>
+          </a:fillRef>
+          <a:effectRef idx="0">
+            <a:schemeClr val="accent1"/>
+          </a:effectRef>
+          <a:fontRef idx="minor">
+            <a:schemeClr val="lt1"/>
+          </a:fontRef>
+        </p:style>
+        <p:txBody>
+          <a:bodyPr rtlCol="0" anchor="ctr"/>
+          <a:lstStyle/>
+          <a:p>
+            <a:pPr algn="ctr"/>
+            <a:endParaRPr kumimoji="1" lang="ja-JP" altLang="en-US"/>
+          </a:p>
+        </p:txBody>
+      </p:sp>
+      <p:sp>
+        <p:nvSpPr>
+          <p:cNvPr id="68" name="テキスト ボックス 67"/>
+          <p:cNvSpPr txBox="1"/>
+          <p:nvPr/>
+        </p:nvSpPr>
+        <p:spPr>
+          <a:xfrm>
+            <a:off x="1522178" y="1094718"/>
+            <a:ext cx="1376218" cy="369332"/>
+          </a:xfrm>
+          <a:prstGeom prst="rect">
+            <a:avLst/>
+          </a:prstGeom>
+          <a:noFill/>
+        </p:spPr>
+        <p:txBody>
+          <a:bodyPr wrap="square" rtlCol="0">
+            <a:spAutoFit/>
+          </a:bodyPr>
+          <a:lstStyle/>
+          <a:p>
+            <a:pPr algn="ctr"/>
+            <a:r>
+              <a:rPr kumimoji="1" lang="ja-JP" altLang="en-US" dirty="0" smtClean="0"/>
+              <a:t>スタート</a:t>
+            </a:r>
+            <a:endParaRPr kumimoji="1" lang="ja-JP" altLang="en-US" dirty="0"/>
+          </a:p>
+        </p:txBody>
+      </p:sp>
+      <p:cxnSp>
+        <p:nvCxnSpPr>
+          <p:cNvPr id="69" name="直線矢印コネクタ 68"/>
+          <p:cNvCxnSpPr>
+            <a:stCxn id="28" idx="2"/>
+            <a:endCxn id="72" idx="0"/>
+          </p:cNvCxnSpPr>
+          <p:nvPr/>
+        </p:nvCxnSpPr>
+        <p:spPr>
+          <a:xfrm>
+            <a:off x="6078662" y="4980637"/>
+            <a:ext cx="5246" cy="310359"/>
+          </a:xfrm>
+          <a:prstGeom prst="straightConnector1">
+            <a:avLst/>
+          </a:prstGeom>
+          <a:ln w="38100">
+            <a:tailEnd type="triangle"/>
+          </a:ln>
+        </p:spPr>
+        <p:style>
+          <a:lnRef idx="1">
+            <a:schemeClr val="accent1"/>
+          </a:lnRef>
+          <a:fillRef idx="0">
+            <a:schemeClr val="accent1"/>
+          </a:fillRef>
+          <a:effectRef idx="0">
+            <a:schemeClr val="accent1"/>
+          </a:effectRef>
+          <a:fontRef idx="minor">
+            <a:schemeClr val="tx1"/>
+          </a:fontRef>
+        </p:style>
+      </p:cxnSp>
+      <p:sp>
+        <p:nvSpPr>
+          <p:cNvPr id="72" name="フローチャート: 処理 71"/>
+          <p:cNvSpPr/>
+          <p:nvPr/>
+        </p:nvSpPr>
+        <p:spPr>
+          <a:xfrm>
+            <a:off x="5181117" y="5290996"/>
+            <a:ext cx="1805581" cy="419512"/>
+          </a:xfrm>
+          <a:prstGeom prst="flowChartProcess">
+            <a:avLst/>
+          </a:prstGeom>
+          <a:noFill/>
+          <a:ln w="38100"/>
+        </p:spPr>
+        <p:style>
+          <a:lnRef idx="2">
+            <a:schemeClr val="accent1">
+              <a:shade val="50000"/>
+            </a:schemeClr>
+          </a:lnRef>
+          <a:fillRef idx="1">
+            <a:schemeClr val="accent1"/>
+          </a:fillRef>
+          <a:effectRef idx="0">
+            <a:schemeClr val="accent1"/>
+          </a:effectRef>
+          <a:fontRef idx="minor">
+            <a:schemeClr val="lt1"/>
+          </a:fontRef>
+        </p:style>
+        <p:txBody>
+          <a:bodyPr rtlCol="0" anchor="ctr"/>
+          <a:lstStyle/>
+          <a:p>
+            <a:pPr algn="ctr"/>
+            <a:endParaRPr kumimoji="1" lang="ja-JP" altLang="en-US"/>
+          </a:p>
+        </p:txBody>
+      </p:sp>
+      <p:sp>
+        <p:nvSpPr>
+          <p:cNvPr id="75" name="テキスト ボックス 74"/>
+          <p:cNvSpPr txBox="1"/>
+          <p:nvPr/>
+        </p:nvSpPr>
+        <p:spPr>
+          <a:xfrm>
+            <a:off x="5142920" y="5381058"/>
+            <a:ext cx="1893454" cy="369332"/>
+          </a:xfrm>
+          <a:prstGeom prst="rect">
+            <a:avLst/>
+          </a:prstGeom>
+          <a:noFill/>
+        </p:spPr>
+        <p:txBody>
+          <a:bodyPr wrap="square" rtlCol="0">
+            <a:spAutoFit/>
+          </a:bodyPr>
+          <a:lstStyle/>
+          <a:p>
+            <a:pPr algn="ctr"/>
+            <a:r>
+              <a:rPr kumimoji="1" lang="ja-JP" altLang="en-US" dirty="0" smtClean="0"/>
+              <a:t>リザルト</a:t>
+            </a:r>
+            <a:endParaRPr kumimoji="1" lang="en-US" altLang="ja-JP" dirty="0" smtClean="0"/>
+          </a:p>
+        </p:txBody>
+      </p:sp>
+      <p:cxnSp>
+        <p:nvCxnSpPr>
+          <p:cNvPr id="86" name="直線矢印コネクタ 85"/>
+          <p:cNvCxnSpPr>
+            <a:stCxn id="72" idx="2"/>
+            <a:endCxn id="89" idx="0"/>
+          </p:cNvCxnSpPr>
+          <p:nvPr/>
+        </p:nvCxnSpPr>
+        <p:spPr>
+          <a:xfrm>
+            <a:off x="6083908" y="5710508"/>
+            <a:ext cx="0" cy="350723"/>
+          </a:xfrm>
+          <a:prstGeom prst="straightConnector1">
+            <a:avLst/>
+          </a:prstGeom>
+          <a:ln w="38100">
+            <a:tailEnd type="triangle"/>
+          </a:ln>
+        </p:spPr>
+        <p:style>
+          <a:lnRef idx="1">
+            <a:schemeClr val="accent1"/>
+          </a:lnRef>
+          <a:fillRef idx="0">
+            <a:schemeClr val="accent1"/>
+          </a:fillRef>
+          <a:effectRef idx="0">
+            <a:schemeClr val="accent1"/>
+          </a:effectRef>
+          <a:fontRef idx="minor">
+            <a:schemeClr val="tx1"/>
+          </a:fontRef>
+        </p:style>
+      </p:cxnSp>
+      <p:sp>
+        <p:nvSpPr>
+          <p:cNvPr id="89" name="フローチャート: 端子 88"/>
+          <p:cNvSpPr/>
+          <p:nvPr/>
+        </p:nvSpPr>
+        <p:spPr>
+          <a:xfrm>
+            <a:off x="5131935" y="6061231"/>
+            <a:ext cx="1903946" cy="461697"/>
+          </a:xfrm>
+          <a:prstGeom prst="flowChartTerminator">
+            <a:avLst/>
+          </a:prstGeom>
+          <a:solidFill>
+            <a:schemeClr val="bg1"/>
+          </a:solidFill>
+          <a:ln w="76200"/>
+        </p:spPr>
+        <p:style>
+          <a:lnRef idx="2">
+            <a:schemeClr val="accent1">
+              <a:shade val="50000"/>
+            </a:schemeClr>
+          </a:lnRef>
+          <a:fillRef idx="1">
+            <a:schemeClr val="accent1"/>
+          </a:fillRef>
+          <a:effectRef idx="0">
+            <a:schemeClr val="accent1"/>
+          </a:effectRef>
+          <a:fontRef idx="minor">
+            <a:schemeClr val="lt1"/>
+          </a:fontRef>
+        </p:style>
+        <p:txBody>
+          <a:bodyPr rtlCol="0" anchor="ctr"/>
+          <a:lstStyle/>
+          <a:p>
+            <a:pPr algn="ctr"/>
+            <a:endParaRPr kumimoji="1" lang="ja-JP" altLang="en-US"/>
+          </a:p>
+        </p:txBody>
+      </p:sp>
+      <p:sp>
+        <p:nvSpPr>
+          <p:cNvPr id="90" name="テキスト ボックス 89"/>
+          <p:cNvSpPr txBox="1"/>
+          <p:nvPr/>
+        </p:nvSpPr>
+        <p:spPr>
+          <a:xfrm>
+            <a:off x="5393272" y="6095751"/>
+            <a:ext cx="1376218" cy="369332"/>
+          </a:xfrm>
+          <a:prstGeom prst="rect">
+            <a:avLst/>
+          </a:prstGeom>
+          <a:noFill/>
+        </p:spPr>
+        <p:txBody>
+          <a:bodyPr wrap="square" rtlCol="0">
+            <a:spAutoFit/>
+          </a:bodyPr>
+          <a:lstStyle/>
+          <a:p>
+            <a:pPr algn="ctr"/>
+            <a:r>
+              <a:rPr kumimoji="1" lang="ja-JP" altLang="en-US" dirty="0" smtClean="0"/>
+              <a:t>終了</a:t>
+            </a:r>
+            <a:endParaRPr kumimoji="1" lang="ja-JP" altLang="en-US" dirty="0"/>
+          </a:p>
+        </p:txBody>
+      </p:sp>
+      <p:cxnSp>
+        <p:nvCxnSpPr>
+          <p:cNvPr id="40" name="直線矢印コネクタ 39"/>
+          <p:cNvCxnSpPr>
+            <a:stCxn id="41" idx="3"/>
+            <a:endCxn id="28" idx="0"/>
+          </p:cNvCxnSpPr>
+          <p:nvPr/>
+        </p:nvCxnSpPr>
+        <p:spPr>
+          <a:xfrm flipH="1">
+            <a:off x="6078662" y="4126838"/>
+            <a:ext cx="2938" cy="278836"/>
+          </a:xfrm>
+          <a:prstGeom prst="straightConnector1">
+            <a:avLst/>
+          </a:prstGeom>
+          <a:ln w="38100">
+            <a:tailEnd type="triangle"/>
+          </a:ln>
+        </p:spPr>
+        <p:style>
+          <a:lnRef idx="1">
+            <a:schemeClr val="accent1"/>
+          </a:lnRef>
+          <a:fillRef idx="0">
+            <a:schemeClr val="accent1"/>
+          </a:fillRef>
+          <a:effectRef idx="0">
+            <a:schemeClr val="accent1"/>
+          </a:effectRef>
+          <a:fontRef idx="minor">
+            <a:schemeClr val="tx1"/>
+          </a:fontRef>
+        </p:style>
+      </p:cxnSp>
+      <p:sp>
+        <p:nvSpPr>
+          <p:cNvPr id="50" name="テキスト ボックス 49"/>
+          <p:cNvSpPr txBox="1"/>
+          <p:nvPr/>
+        </p:nvSpPr>
+        <p:spPr>
+          <a:xfrm>
+            <a:off x="1385659" y="2775853"/>
+            <a:ext cx="1730138" cy="369332"/>
+          </a:xfrm>
+          <a:prstGeom prst="rect">
+            <a:avLst/>
+          </a:prstGeom>
+          <a:noFill/>
+        </p:spPr>
+        <p:txBody>
+          <a:bodyPr wrap="square" rtlCol="0">
+            <a:spAutoFit/>
+          </a:bodyPr>
+          <a:lstStyle/>
+          <a:p>
+            <a:pPr algn="ctr"/>
+            <a:r>
+              <a:rPr lang="ja-JP" altLang="en-US" dirty="0"/>
+              <a:t>２</a:t>
+            </a:r>
+            <a:r>
+              <a:rPr lang="ja-JP" altLang="en-US" dirty="0" smtClean="0"/>
+              <a:t>～３回遊ぶ</a:t>
+            </a:r>
+            <a:endParaRPr kumimoji="1" lang="en-US" altLang="ja-JP" dirty="0" smtClean="0"/>
+          </a:p>
+        </p:txBody>
+      </p:sp>
+      <p:sp>
+        <p:nvSpPr>
+          <p:cNvPr id="51" name="フローチャート: 判断 50"/>
+          <p:cNvSpPr/>
+          <p:nvPr/>
+        </p:nvSpPr>
+        <p:spPr>
+          <a:xfrm>
+            <a:off x="1306703" y="2484290"/>
+            <a:ext cx="1933541" cy="965200"/>
+          </a:xfrm>
+          <a:prstGeom prst="flowChartDecision">
+            <a:avLst/>
+          </a:prstGeom>
+          <a:noFill/>
+          <a:ln w="38100"/>
+        </p:spPr>
+        <p:style>
+          <a:lnRef idx="2">
+            <a:schemeClr val="accent1">
+              <a:shade val="50000"/>
+            </a:schemeClr>
+          </a:lnRef>
+          <a:fillRef idx="1">
+            <a:schemeClr val="accent1"/>
+          </a:fillRef>
+          <a:effectRef idx="0">
+            <a:schemeClr val="accent1"/>
+          </a:effectRef>
+          <a:fontRef idx="minor">
+            <a:schemeClr val="lt1"/>
+          </a:fontRef>
+        </p:style>
+        <p:txBody>
+          <a:bodyPr rtlCol="0" anchor="ctr"/>
+          <a:lstStyle/>
+          <a:p>
+            <a:pPr algn="ctr"/>
+            <a:endParaRPr kumimoji="1" lang="ja-JP" altLang="en-US"/>
+          </a:p>
+        </p:txBody>
+      </p:sp>
+      <p:cxnSp>
+        <p:nvCxnSpPr>
+          <p:cNvPr id="54" name="直線矢印コネクタ 53"/>
+          <p:cNvCxnSpPr>
+            <a:stCxn id="92" idx="2"/>
             <a:endCxn id="5" idx="0"/>
           </p:cNvCxnSpPr>
           <p:nvPr/>
         </p:nvCxnSpPr>
         <p:spPr>
           <a:xfrm flipH="1">
-            <a:off x="2267600" y="2233246"/>
-            <a:ext cx="5875" cy="274007"/>
+            <a:off x="2256152" y="4191956"/>
+            <a:ext cx="1057683" cy="487158"/>
           </a:xfrm>
           <a:prstGeom prst="straightConnector1">
+            <a:avLst/>
+          </a:prstGeom>
+          <a:ln w="38100">
+            <a:tailEnd type="triangle"/>
+          </a:ln>
+        </p:spPr>
+        <p:style>
+          <a:lnRef idx="1">
+            <a:schemeClr val="accent1"/>
+          </a:lnRef>
+          <a:fillRef idx="0">
+            <a:schemeClr val="accent1"/>
+          </a:fillRef>
+          <a:effectRef idx="0">
+            <a:schemeClr val="accent1"/>
+          </a:effectRef>
+          <a:fontRef idx="minor">
+            <a:schemeClr val="tx1"/>
+          </a:fontRef>
+        </p:style>
+      </p:cxnSp>
+      <p:sp>
+        <p:nvSpPr>
+          <p:cNvPr id="87" name="フローチャート: 処理 86"/>
+          <p:cNvSpPr/>
+          <p:nvPr/>
+        </p:nvSpPr>
+        <p:spPr>
+          <a:xfrm>
+            <a:off x="700877" y="3620521"/>
+            <a:ext cx="937491" cy="551872"/>
+          </a:xfrm>
+          <a:prstGeom prst="flowChartProcess">
+            <a:avLst/>
+          </a:prstGeom>
+          <a:noFill/>
+          <a:ln w="38100"/>
+        </p:spPr>
+        <p:style>
+          <a:lnRef idx="2">
+            <a:schemeClr val="accent1">
+              <a:shade val="50000"/>
+            </a:schemeClr>
+          </a:lnRef>
+          <a:fillRef idx="1">
+            <a:schemeClr val="accent1"/>
+          </a:fillRef>
+          <a:effectRef idx="0">
+            <a:schemeClr val="accent1"/>
+          </a:effectRef>
+          <a:fontRef idx="minor">
+            <a:schemeClr val="lt1"/>
+          </a:fontRef>
+        </p:style>
+        <p:txBody>
+          <a:bodyPr rtlCol="0" anchor="ctr"/>
+          <a:lstStyle/>
+          <a:p>
+            <a:pPr algn="ctr"/>
+            <a:endParaRPr kumimoji="1" lang="ja-JP" altLang="en-US"/>
+          </a:p>
+        </p:txBody>
+      </p:sp>
+      <p:sp>
+        <p:nvSpPr>
+          <p:cNvPr id="91" name="テキスト ボックス 90"/>
+          <p:cNvSpPr txBox="1"/>
+          <p:nvPr/>
+        </p:nvSpPr>
+        <p:spPr>
+          <a:xfrm>
+            <a:off x="727474" y="3721813"/>
+            <a:ext cx="910894" cy="369332"/>
+          </a:xfrm>
+          <a:prstGeom prst="rect">
+            <a:avLst/>
+          </a:prstGeom>
+          <a:noFill/>
+        </p:spPr>
+        <p:txBody>
+          <a:bodyPr wrap="square" rtlCol="0">
+            <a:spAutoFit/>
+          </a:bodyPr>
+          <a:lstStyle/>
+          <a:p>
+            <a:pPr algn="ctr"/>
+            <a:r>
+              <a:rPr lang="en-US" altLang="ja-JP" dirty="0" smtClean="0"/>
+              <a:t>n</a:t>
+            </a:r>
+            <a:r>
+              <a:rPr lang="ja-JP" altLang="en-US" dirty="0" smtClean="0"/>
+              <a:t>＝２</a:t>
+            </a:r>
+            <a:endParaRPr kumimoji="1" lang="en-US" altLang="ja-JP" dirty="0" smtClean="0"/>
+          </a:p>
+        </p:txBody>
+      </p:sp>
+      <p:sp>
+        <p:nvSpPr>
+          <p:cNvPr id="92" name="フローチャート: 処理 91"/>
+          <p:cNvSpPr/>
+          <p:nvPr/>
+        </p:nvSpPr>
+        <p:spPr>
+          <a:xfrm>
+            <a:off x="2869823" y="3640084"/>
+            <a:ext cx="888023" cy="551872"/>
+          </a:xfrm>
+          <a:prstGeom prst="flowChartProcess">
+            <a:avLst/>
+          </a:prstGeom>
+          <a:noFill/>
+          <a:ln w="38100"/>
+        </p:spPr>
+        <p:style>
+          <a:lnRef idx="2">
+            <a:schemeClr val="accent1">
+              <a:shade val="50000"/>
+            </a:schemeClr>
+          </a:lnRef>
+          <a:fillRef idx="1">
+            <a:schemeClr val="accent1"/>
+          </a:fillRef>
+          <a:effectRef idx="0">
+            <a:schemeClr val="accent1"/>
+          </a:effectRef>
+          <a:fontRef idx="minor">
+            <a:schemeClr val="lt1"/>
+          </a:fontRef>
+        </p:style>
+        <p:txBody>
+          <a:bodyPr rtlCol="0" anchor="ctr"/>
+          <a:lstStyle/>
+          <a:p>
+            <a:pPr algn="ctr"/>
+            <a:endParaRPr kumimoji="1" lang="ja-JP" altLang="en-US"/>
+          </a:p>
+        </p:txBody>
+      </p:sp>
+      <p:sp>
+        <p:nvSpPr>
+          <p:cNvPr id="93" name="テキスト ボックス 92"/>
+          <p:cNvSpPr txBox="1"/>
+          <p:nvPr/>
+        </p:nvSpPr>
+        <p:spPr>
+          <a:xfrm>
+            <a:off x="2912214" y="3742901"/>
+            <a:ext cx="845990" cy="369332"/>
+          </a:xfrm>
+          <a:prstGeom prst="rect">
+            <a:avLst/>
+          </a:prstGeom>
+          <a:noFill/>
+        </p:spPr>
+        <p:txBody>
+          <a:bodyPr wrap="square" rtlCol="0">
+            <a:spAutoFit/>
+          </a:bodyPr>
+          <a:lstStyle/>
+          <a:p>
+            <a:pPr algn="ctr"/>
+            <a:r>
+              <a:rPr lang="en-US" altLang="ja-JP" dirty="0" smtClean="0"/>
+              <a:t>n</a:t>
+            </a:r>
+            <a:r>
+              <a:rPr lang="ja-JP" altLang="en-US" dirty="0" smtClean="0"/>
+              <a:t>＝３</a:t>
+            </a:r>
+            <a:endParaRPr kumimoji="1" lang="en-US" altLang="ja-JP" dirty="0" smtClean="0"/>
+          </a:p>
+        </p:txBody>
+      </p:sp>
+      <p:cxnSp>
+        <p:nvCxnSpPr>
+          <p:cNvPr id="97" name="カギ線コネクタ 96"/>
+          <p:cNvCxnSpPr>
+            <a:stCxn id="51" idx="3"/>
+            <a:endCxn id="92" idx="0"/>
+          </p:cNvCxnSpPr>
+          <p:nvPr/>
+        </p:nvCxnSpPr>
+        <p:spPr>
+          <a:xfrm>
+            <a:off x="3240244" y="2966890"/>
+            <a:ext cx="73591" cy="673194"/>
+          </a:xfrm>
+          <a:prstGeom prst="bentConnector2">
             <a:avLst/>
           </a:prstGeom>
           <a:ln w="38100">
@@ -6848,398 +7806,19 @@
       </p:cxnSp>
       <p:cxnSp>
         <p:nvCxnSpPr>
-          <p:cNvPr id="61" name="直線矢印コネクタ 60"/>
+          <p:cNvPr id="101" name="カギ線コネクタ 100"/>
           <p:cNvCxnSpPr>
-            <a:stCxn id="8" idx="2"/>
-            <a:endCxn id="64" idx="0"/>
+            <a:stCxn id="51" idx="1"/>
+            <a:endCxn id="87" idx="0"/>
           </p:cNvCxnSpPr>
           <p:nvPr/>
         </p:nvCxnSpPr>
         <p:spPr>
-          <a:xfrm>
-            <a:off x="2262983" y="5238101"/>
-            <a:ext cx="0" cy="290214"/>
-          </a:xfrm>
-          <a:prstGeom prst="straightConnector1">
-            <a:avLst/>
-          </a:prstGeom>
-          <a:ln w="38100">
-            <a:tailEnd type="triangle"/>
-          </a:ln>
-        </p:spPr>
-        <p:style>
-          <a:lnRef idx="1">
-            <a:schemeClr val="accent1"/>
-          </a:lnRef>
-          <a:fillRef idx="0">
-            <a:schemeClr val="accent1"/>
-          </a:fillRef>
-          <a:effectRef idx="0">
-            <a:schemeClr val="accent1"/>
-          </a:effectRef>
-          <a:fontRef idx="minor">
-            <a:schemeClr val="tx1"/>
-          </a:fontRef>
-        </p:style>
-      </p:cxnSp>
-      <p:sp>
-        <p:nvSpPr>
-          <p:cNvPr id="64" name="フローチャート: 処理 63"/>
-          <p:cNvSpPr/>
-          <p:nvPr/>
-        </p:nvSpPr>
-        <p:spPr>
-          <a:xfrm>
-            <a:off x="1325491" y="5528315"/>
-            <a:ext cx="1874984" cy="475612"/>
-          </a:xfrm>
-          <a:prstGeom prst="flowChartProcess">
-            <a:avLst/>
-          </a:prstGeom>
-          <a:noFill/>
-          <a:ln w="38100"/>
-        </p:spPr>
-        <p:style>
-          <a:lnRef idx="2">
-            <a:schemeClr val="accent1">
-              <a:shade val="50000"/>
-            </a:schemeClr>
-          </a:lnRef>
-          <a:fillRef idx="1">
-            <a:schemeClr val="accent1"/>
-          </a:fillRef>
-          <a:effectRef idx="0">
-            <a:schemeClr val="accent1"/>
-          </a:effectRef>
-          <a:fontRef idx="minor">
-            <a:schemeClr val="lt1"/>
-          </a:fontRef>
-        </p:style>
-        <p:txBody>
-          <a:bodyPr rtlCol="0" anchor="ctr"/>
-          <a:lstStyle/>
-          <a:p>
-            <a:pPr algn="ctr"/>
-            <a:endParaRPr kumimoji="1" lang="ja-JP" altLang="en-US"/>
-          </a:p>
-        </p:txBody>
-      </p:sp>
-      <p:sp>
-        <p:nvSpPr>
-          <p:cNvPr id="65" name="テキスト ボックス 64"/>
-          <p:cNvSpPr txBox="1"/>
-          <p:nvPr/>
-        </p:nvSpPr>
-        <p:spPr>
-          <a:xfrm>
-            <a:off x="1407464" y="5590173"/>
-            <a:ext cx="1711037" cy="369332"/>
-          </a:xfrm>
-          <a:prstGeom prst="rect">
-            <a:avLst/>
-          </a:prstGeom>
-          <a:noFill/>
-        </p:spPr>
-        <p:txBody>
-          <a:bodyPr wrap="square" rtlCol="0">
-            <a:spAutoFit/>
-          </a:bodyPr>
-          <a:lstStyle/>
-          <a:p>
-            <a:pPr algn="ctr"/>
-            <a:r>
-              <a:rPr kumimoji="1" lang="ja-JP" altLang="en-US" dirty="0" smtClean="0"/>
-              <a:t>噓つき選択</a:t>
-            </a:r>
-            <a:endParaRPr kumimoji="1" lang="en-US" altLang="ja-JP" dirty="0" smtClean="0"/>
-          </a:p>
-        </p:txBody>
-      </p:sp>
-      <p:cxnSp>
-        <p:nvCxnSpPr>
-          <p:cNvPr id="39" name="カギ線コネクタ 38"/>
-          <p:cNvCxnSpPr>
-            <a:stCxn id="41" idx="0"/>
-            <a:endCxn id="43" idx="2"/>
-          </p:cNvCxnSpPr>
-          <p:nvPr/>
-        </p:nvCxnSpPr>
-        <p:spPr>
-          <a:xfrm rot="10800000" flipH="1">
-            <a:off x="1307020" y="3520944"/>
-            <a:ext cx="23088" cy="2860928"/>
-          </a:xfrm>
-          <a:prstGeom prst="bentConnector3">
-            <a:avLst>
-              <a:gd name="adj1" fmla="val -990125"/>
-            </a:avLst>
-          </a:prstGeom>
-          <a:ln w="38100">
-            <a:tailEnd type="triangle"/>
-          </a:ln>
-        </p:spPr>
-        <p:style>
-          <a:lnRef idx="1">
-            <a:schemeClr val="accent1"/>
-          </a:lnRef>
-          <a:fillRef idx="0">
-            <a:schemeClr val="accent1"/>
-          </a:fillRef>
-          <a:effectRef idx="0">
-            <a:schemeClr val="accent1"/>
-          </a:effectRef>
-          <a:fontRef idx="minor">
-            <a:schemeClr val="tx1"/>
-          </a:fontRef>
-        </p:style>
-      </p:cxnSp>
-      <p:sp>
-        <p:nvSpPr>
-          <p:cNvPr id="43" name="片側の 2 つの角を切り取った四角形 42"/>
-          <p:cNvSpPr/>
-          <p:nvPr/>
-        </p:nvSpPr>
-        <p:spPr>
-          <a:xfrm>
-            <a:off x="1330108" y="3301696"/>
-            <a:ext cx="1880858" cy="438495"/>
-          </a:xfrm>
-          <a:prstGeom prst="snip2SameRect">
-            <a:avLst/>
-          </a:prstGeom>
-          <a:solidFill>
-            <a:schemeClr val="bg1"/>
-          </a:solidFill>
-          <a:ln w="38100"/>
-        </p:spPr>
-        <p:style>
-          <a:lnRef idx="2">
-            <a:schemeClr val="accent1">
-              <a:shade val="50000"/>
-            </a:schemeClr>
-          </a:lnRef>
-          <a:fillRef idx="1">
-            <a:schemeClr val="accent1"/>
-          </a:fillRef>
-          <a:effectRef idx="0">
-            <a:schemeClr val="accent1"/>
-          </a:effectRef>
-          <a:fontRef idx="minor">
-            <a:schemeClr val="lt1"/>
-          </a:fontRef>
-        </p:style>
-        <p:txBody>
-          <a:bodyPr rtlCol="0" anchor="ctr"/>
-          <a:lstStyle/>
-          <a:p>
-            <a:pPr algn="ctr"/>
-            <a:endParaRPr kumimoji="1" lang="ja-JP" altLang="en-US"/>
-          </a:p>
-        </p:txBody>
-      </p:sp>
-      <p:sp>
-        <p:nvSpPr>
-          <p:cNvPr id="78" name="テキスト ボックス 77"/>
-          <p:cNvSpPr txBox="1"/>
-          <p:nvPr/>
-        </p:nvSpPr>
-        <p:spPr>
-          <a:xfrm>
-            <a:off x="1622948" y="3364865"/>
-            <a:ext cx="1297387" cy="369332"/>
-          </a:xfrm>
-          <a:prstGeom prst="rect">
-            <a:avLst/>
-          </a:prstGeom>
-          <a:noFill/>
-        </p:spPr>
-        <p:txBody>
-          <a:bodyPr wrap="square" rtlCol="0">
-            <a:spAutoFit/>
-          </a:bodyPr>
-          <a:lstStyle/>
-          <a:p>
-            <a:pPr algn="ctr"/>
-            <a:r>
-              <a:rPr kumimoji="1" lang="en-US" altLang="ja-JP" dirty="0" smtClean="0"/>
-              <a:t>n</a:t>
-            </a:r>
-            <a:r>
-              <a:rPr kumimoji="1" lang="ja-JP" altLang="en-US" dirty="0" smtClean="0"/>
-              <a:t>回分回す</a:t>
-            </a:r>
-            <a:endParaRPr kumimoji="1" lang="en-US" altLang="ja-JP" dirty="0" smtClean="0"/>
-          </a:p>
-        </p:txBody>
-      </p:sp>
-      <p:cxnSp>
-        <p:nvCxnSpPr>
-          <p:cNvPr id="80" name="直線矢印コネクタ 79"/>
-          <p:cNvCxnSpPr>
-            <a:stCxn id="43" idx="1"/>
-            <a:endCxn id="7" idx="0"/>
-          </p:cNvCxnSpPr>
-          <p:nvPr/>
-        </p:nvCxnSpPr>
-        <p:spPr>
-          <a:xfrm flipH="1">
-            <a:off x="2267599" y="3740191"/>
-            <a:ext cx="2938" cy="238407"/>
-          </a:xfrm>
-          <a:prstGeom prst="straightConnector1">
-            <a:avLst/>
-          </a:prstGeom>
-          <a:ln w="38100">
-            <a:tailEnd type="triangle"/>
-          </a:ln>
-        </p:spPr>
-        <p:style>
-          <a:lnRef idx="1">
-            <a:schemeClr val="accent1"/>
-          </a:lnRef>
-          <a:fillRef idx="0">
-            <a:schemeClr val="accent1"/>
-          </a:fillRef>
-          <a:effectRef idx="0">
-            <a:schemeClr val="accent1"/>
-          </a:effectRef>
-          <a:fontRef idx="minor">
-            <a:schemeClr val="tx1"/>
-          </a:fontRef>
-        </p:style>
-      </p:cxnSp>
-      <p:sp>
-        <p:nvSpPr>
-          <p:cNvPr id="28" name="フローチャート: 処理 27"/>
-          <p:cNvSpPr/>
-          <p:nvPr/>
-        </p:nvSpPr>
-        <p:spPr>
-          <a:xfrm>
-            <a:off x="3962044" y="1047923"/>
-            <a:ext cx="1874983" cy="574963"/>
-          </a:xfrm>
-          <a:prstGeom prst="flowChartProcess">
-            <a:avLst/>
-          </a:prstGeom>
-          <a:noFill/>
-          <a:ln w="38100"/>
-        </p:spPr>
-        <p:style>
-          <a:lnRef idx="2">
-            <a:schemeClr val="accent1">
-              <a:shade val="50000"/>
-            </a:schemeClr>
-          </a:lnRef>
-          <a:fillRef idx="1">
-            <a:schemeClr val="accent1"/>
-          </a:fillRef>
-          <a:effectRef idx="0">
-            <a:schemeClr val="accent1"/>
-          </a:effectRef>
-          <a:fontRef idx="minor">
-            <a:schemeClr val="lt1"/>
-          </a:fontRef>
-        </p:style>
-        <p:txBody>
-          <a:bodyPr rtlCol="0" anchor="ctr"/>
-          <a:lstStyle/>
-          <a:p>
-            <a:pPr algn="ctr"/>
-            <a:endParaRPr kumimoji="1" lang="ja-JP" altLang="en-US"/>
-          </a:p>
-        </p:txBody>
-      </p:sp>
-      <p:sp>
-        <p:nvSpPr>
-          <p:cNvPr id="31" name="テキスト ボックス 30"/>
-          <p:cNvSpPr txBox="1"/>
-          <p:nvPr/>
-        </p:nvSpPr>
-        <p:spPr>
-          <a:xfrm>
-            <a:off x="3952809" y="1148406"/>
-            <a:ext cx="1893454" cy="369332"/>
-          </a:xfrm>
-          <a:prstGeom prst="rect">
-            <a:avLst/>
-          </a:prstGeom>
-          <a:noFill/>
-        </p:spPr>
-        <p:txBody>
-          <a:bodyPr wrap="square" rtlCol="0">
-            <a:spAutoFit/>
-          </a:bodyPr>
-          <a:lstStyle/>
-          <a:p>
-            <a:pPr algn="ctr"/>
-            <a:r>
-              <a:rPr kumimoji="1" lang="ja-JP" altLang="en-US" dirty="0" smtClean="0"/>
-              <a:t>結果発表</a:t>
-            </a:r>
-            <a:endParaRPr kumimoji="1" lang="en-US" altLang="ja-JP" dirty="0" smtClean="0"/>
-          </a:p>
-        </p:txBody>
-      </p:sp>
-      <p:sp>
-        <p:nvSpPr>
-          <p:cNvPr id="41" name="片側の 2 つの角を切り取った四角形 40"/>
-          <p:cNvSpPr/>
-          <p:nvPr/>
-        </p:nvSpPr>
-        <p:spPr>
-          <a:xfrm rot="10800000">
-            <a:off x="1307020" y="6174995"/>
-            <a:ext cx="1880858" cy="413754"/>
-          </a:xfrm>
-          <a:prstGeom prst="snip2SameRect">
-            <a:avLst/>
-          </a:prstGeom>
-          <a:solidFill>
-            <a:schemeClr val="bg1"/>
-          </a:solidFill>
-          <a:ln w="38100"/>
-        </p:spPr>
-        <p:style>
-          <a:lnRef idx="2">
-            <a:schemeClr val="accent1">
-              <a:shade val="50000"/>
-            </a:schemeClr>
-          </a:lnRef>
-          <a:fillRef idx="1">
-            <a:schemeClr val="accent1"/>
-          </a:fillRef>
-          <a:effectRef idx="0">
-            <a:schemeClr val="accent1"/>
-          </a:effectRef>
-          <a:fontRef idx="minor">
-            <a:schemeClr val="lt1"/>
-          </a:fontRef>
-        </p:style>
-        <p:txBody>
-          <a:bodyPr rtlCol="0" anchor="ctr"/>
-          <a:lstStyle/>
-          <a:p>
-            <a:pPr algn="ctr"/>
-            <a:endParaRPr kumimoji="1" lang="ja-JP" altLang="en-US"/>
-          </a:p>
-        </p:txBody>
-      </p:sp>
-      <p:cxnSp>
-        <p:nvCxnSpPr>
-          <p:cNvPr id="49" name="直線矢印コネクタ 48"/>
-          <p:cNvCxnSpPr>
-            <a:stCxn id="64" idx="2"/>
-            <a:endCxn id="41" idx="1"/>
-          </p:cNvCxnSpPr>
-          <p:nvPr/>
-        </p:nvCxnSpPr>
-        <p:spPr>
-          <a:xfrm flipH="1">
-            <a:off x="2247449" y="6003927"/>
-            <a:ext cx="15534" cy="171068"/>
-          </a:xfrm>
-          <a:prstGeom prst="straightConnector1">
+          <a:xfrm rot="10800000" flipV="1">
+            <a:off x="1169623" y="2966889"/>
+            <a:ext cx="137080" cy="653631"/>
+          </a:xfrm>
+          <a:prstGeom prst="bentConnector2">
             <a:avLst/>
           </a:prstGeom>
           <a:ln w="38100">
@@ -7263,23 +7842,20 @@
       </p:cxnSp>
       <p:cxnSp>
         <p:nvCxnSpPr>
-          <p:cNvPr id="62" name="カギ線コネクタ 61"/>
+          <p:cNvPr id="107" name="直線矢印コネクタ 106"/>
           <p:cNvCxnSpPr>
-            <a:stCxn id="41" idx="3"/>
-            <a:endCxn id="31" idx="1"/>
+            <a:stCxn id="87" idx="2"/>
+            <a:endCxn id="5" idx="0"/>
           </p:cNvCxnSpPr>
           <p:nvPr/>
         </p:nvCxnSpPr>
         <p:spPr>
-          <a:xfrm rot="5400000" flipH="1" flipV="1">
-            <a:off x="472290" y="3108231"/>
-            <a:ext cx="5255677" cy="1705360"/>
-          </a:xfrm>
-          <a:prstGeom prst="bentConnector4">
-            <a:avLst>
-              <a:gd name="adj1" fmla="val -4350"/>
-              <a:gd name="adj2" fmla="val 77573"/>
-            </a:avLst>
+          <a:xfrm>
+            <a:off x="1169623" y="4172393"/>
+            <a:ext cx="1086529" cy="506721"/>
+          </a:xfrm>
+          <a:prstGeom prst="straightConnector1">
+            <a:avLst/>
           </a:prstGeom>
           <a:ln w="38100">
             <a:tailEnd type="triangle"/>
@@ -7300,97 +7876,26 @@
           </a:fontRef>
         </p:style>
       </p:cxnSp>
-      <p:sp>
-        <p:nvSpPr>
-          <p:cNvPr id="63" name="フローチャート: 端子 62"/>
-          <p:cNvSpPr/>
-          <p:nvPr/>
-        </p:nvSpPr>
-        <p:spPr>
-          <a:xfrm>
-            <a:off x="1307020" y="1050122"/>
-            <a:ext cx="1903946" cy="461697"/>
-          </a:xfrm>
-          <a:prstGeom prst="flowChartTerminator">
-            <a:avLst/>
-          </a:prstGeom>
-          <a:solidFill>
-            <a:schemeClr val="bg1"/>
-          </a:solidFill>
-          <a:ln w="76200"/>
-        </p:spPr>
-        <p:style>
-          <a:lnRef idx="2">
-            <a:schemeClr val="accent1">
-              <a:shade val="50000"/>
-            </a:schemeClr>
-          </a:lnRef>
-          <a:fillRef idx="1">
-            <a:schemeClr val="accent1"/>
-          </a:fillRef>
-          <a:effectRef idx="0">
-            <a:schemeClr val="accent1"/>
-          </a:effectRef>
-          <a:fontRef idx="minor">
-            <a:schemeClr val="lt1"/>
-          </a:fontRef>
-        </p:style>
-        <p:txBody>
-          <a:bodyPr rtlCol="0" anchor="ctr"/>
-          <a:lstStyle/>
-          <a:p>
-            <a:pPr algn="ctr"/>
-            <a:endParaRPr kumimoji="1" lang="ja-JP" altLang="en-US"/>
-          </a:p>
-        </p:txBody>
-      </p:sp>
-      <p:sp>
-        <p:nvSpPr>
-          <p:cNvPr id="68" name="テキスト ボックス 67"/>
-          <p:cNvSpPr txBox="1"/>
-          <p:nvPr/>
-        </p:nvSpPr>
-        <p:spPr>
-          <a:xfrm>
-            <a:off x="1522178" y="1094718"/>
-            <a:ext cx="1376218" cy="369332"/>
-          </a:xfrm>
-          <a:prstGeom prst="rect">
-            <a:avLst/>
-          </a:prstGeom>
-          <a:noFill/>
-        </p:spPr>
-        <p:txBody>
-          <a:bodyPr wrap="square" rtlCol="0">
-            <a:spAutoFit/>
-          </a:bodyPr>
-          <a:lstStyle/>
-          <a:p>
-            <a:pPr algn="ctr"/>
-            <a:r>
-              <a:rPr kumimoji="1" lang="ja-JP" altLang="en-US" dirty="0" smtClean="0"/>
-              <a:t>スタート</a:t>
-            </a:r>
-            <a:endParaRPr kumimoji="1" lang="ja-JP" altLang="en-US" dirty="0"/>
-          </a:p>
-        </p:txBody>
-      </p:sp>
       <p:cxnSp>
         <p:nvCxnSpPr>
-          <p:cNvPr id="69" name="直線矢印コネクタ 68"/>
+          <p:cNvPr id="126" name="カギ線コネクタ 125"/>
           <p:cNvCxnSpPr>
-            <a:stCxn id="28" idx="2"/>
-            <a:endCxn id="72" idx="0"/>
+            <a:stCxn id="78" idx="2"/>
+            <a:endCxn id="7" idx="0"/>
           </p:cNvCxnSpPr>
           <p:nvPr/>
         </p:nvCxnSpPr>
         <p:spPr>
-          <a:xfrm flipH="1">
-            <a:off x="4893237" y="1622886"/>
-            <a:ext cx="6299" cy="448221"/>
-          </a:xfrm>
-          <a:prstGeom prst="straightConnector1">
-            <a:avLst/>
+          <a:xfrm rot="5400000" flipH="1" flipV="1">
+            <a:off x="1899626" y="1814126"/>
+            <a:ext cx="4541437" cy="3841285"/>
+          </a:xfrm>
+          <a:prstGeom prst="bentConnector5">
+            <a:avLst>
+              <a:gd name="adj1" fmla="val -5034"/>
+              <a:gd name="adj2" fmla="val 46241"/>
+              <a:gd name="adj3" fmla="val 105034"/>
+            </a:avLst>
           </a:prstGeom>
           <a:ln w="38100">
             <a:tailEnd type="triangle"/>
@@ -7411,92 +7916,19 @@
           </a:fontRef>
         </p:style>
       </p:cxnSp>
-      <p:sp>
-        <p:nvSpPr>
-          <p:cNvPr id="72" name="フローチャート: 処理 71"/>
-          <p:cNvSpPr/>
-          <p:nvPr/>
-        </p:nvSpPr>
-        <p:spPr>
-          <a:xfrm>
-            <a:off x="3955745" y="2071107"/>
-            <a:ext cx="1874983" cy="574963"/>
-          </a:xfrm>
-          <a:prstGeom prst="flowChartProcess">
-            <a:avLst/>
-          </a:prstGeom>
-          <a:noFill/>
-          <a:ln w="38100"/>
-        </p:spPr>
-        <p:style>
-          <a:lnRef idx="2">
-            <a:schemeClr val="accent1">
-              <a:shade val="50000"/>
-            </a:schemeClr>
-          </a:lnRef>
-          <a:fillRef idx="1">
-            <a:schemeClr val="accent1"/>
-          </a:fillRef>
-          <a:effectRef idx="0">
-            <a:schemeClr val="accent1"/>
-          </a:effectRef>
-          <a:fontRef idx="minor">
-            <a:schemeClr val="lt1"/>
-          </a:fontRef>
-        </p:style>
-        <p:txBody>
-          <a:bodyPr rtlCol="0" anchor="ctr"/>
-          <a:lstStyle/>
-          <a:p>
-            <a:pPr algn="ctr"/>
-            <a:endParaRPr kumimoji="1" lang="ja-JP" altLang="en-US"/>
-          </a:p>
-        </p:txBody>
-      </p:sp>
-      <p:sp>
-        <p:nvSpPr>
-          <p:cNvPr id="75" name="テキスト ボックス 74"/>
-          <p:cNvSpPr txBox="1"/>
-          <p:nvPr/>
-        </p:nvSpPr>
-        <p:spPr>
-          <a:xfrm>
-            <a:off x="3917548" y="2169390"/>
-            <a:ext cx="1893454" cy="369332"/>
-          </a:xfrm>
-          <a:prstGeom prst="rect">
-            <a:avLst/>
-          </a:prstGeom>
-          <a:noFill/>
-        </p:spPr>
-        <p:txBody>
-          <a:bodyPr wrap="square" rtlCol="0">
-            <a:spAutoFit/>
-          </a:bodyPr>
-          <a:lstStyle/>
-          <a:p>
-            <a:pPr algn="ctr"/>
-            <a:r>
-              <a:rPr kumimoji="1" lang="ja-JP" altLang="en-US" dirty="0" smtClean="0"/>
-              <a:t>リザルト</a:t>
-            </a:r>
-            <a:endParaRPr kumimoji="1" lang="en-US" altLang="ja-JP" dirty="0" smtClean="0"/>
-          </a:p>
-        </p:txBody>
-      </p:sp>
       <p:cxnSp>
         <p:nvCxnSpPr>
-          <p:cNvPr id="86" name="直線矢印コネクタ 85"/>
+          <p:cNvPr id="149" name="直線矢印コネクタ 148"/>
           <p:cNvCxnSpPr>
-            <a:stCxn id="72" idx="2"/>
-            <a:endCxn id="89" idx="0"/>
+            <a:stCxn id="8" idx="2"/>
+            <a:endCxn id="64" idx="0"/>
           </p:cNvCxnSpPr>
           <p:nvPr/>
         </p:nvCxnSpPr>
         <p:spPr>
-          <a:xfrm flipH="1">
-            <a:off x="4878755" y="2646070"/>
-            <a:ext cx="14482" cy="498121"/>
+          <a:xfrm>
+            <a:off x="6086372" y="2723553"/>
+            <a:ext cx="2938" cy="254014"/>
           </a:xfrm>
           <a:prstGeom prst="straightConnector1">
             <a:avLst/>
@@ -7520,81 +7952,43 @@
           </a:fontRef>
         </p:style>
       </p:cxnSp>
-      <p:sp>
-        <p:nvSpPr>
-          <p:cNvPr id="89" name="フローチャート: 端子 88"/>
-          <p:cNvSpPr/>
-          <p:nvPr/>
-        </p:nvSpPr>
-        <p:spPr>
-          <a:xfrm>
-            <a:off x="3926782" y="3144191"/>
-            <a:ext cx="1903946" cy="461697"/>
-          </a:xfrm>
-          <a:prstGeom prst="flowChartTerminator">
-            <a:avLst/>
-          </a:prstGeom>
-          <a:solidFill>
-            <a:schemeClr val="bg1"/>
-          </a:solidFill>
-          <a:ln w="76200"/>
+      <p:cxnSp>
+        <p:nvCxnSpPr>
+          <p:cNvPr id="156" name="カギ線コネクタ 155"/>
+          <p:cNvCxnSpPr>
+            <a:stCxn id="41" idx="0"/>
+          </p:cNvCxnSpPr>
+          <p:nvPr/>
+        </p:nvCxnSpPr>
+        <p:spPr>
+          <a:xfrm rot="10800000" flipV="1">
+            <a:off x="2314185" y="3919961"/>
+            <a:ext cx="2826987" cy="1466196"/>
+          </a:xfrm>
+          <a:prstGeom prst="bentConnector3">
+            <a:avLst>
+              <a:gd name="adj1" fmla="val 33516"/>
+            </a:avLst>
+          </a:prstGeom>
+          <a:ln w="38100">
+            <a:tailEnd type="triangle"/>
+          </a:ln>
         </p:spPr>
         <p:style>
-          <a:lnRef idx="2">
-            <a:schemeClr val="accent1">
-              <a:shade val="50000"/>
-            </a:schemeClr>
+          <a:lnRef idx="1">
+            <a:schemeClr val="accent1"/>
           </a:lnRef>
-          <a:fillRef idx="1">
+          <a:fillRef idx="0">
             <a:schemeClr val="accent1"/>
           </a:fillRef>
           <a:effectRef idx="0">
             <a:schemeClr val="accent1"/>
           </a:effectRef>
           <a:fontRef idx="minor">
-            <a:schemeClr val="lt1"/>
+            <a:schemeClr val="tx1"/>
           </a:fontRef>
         </p:style>
-        <p:txBody>
-          <a:bodyPr rtlCol="0" anchor="ctr"/>
-          <a:lstStyle/>
-          <a:p>
-            <a:pPr algn="ctr"/>
-            <a:endParaRPr kumimoji="1" lang="ja-JP" altLang="en-US"/>
-          </a:p>
-        </p:txBody>
-      </p:sp>
-      <p:sp>
-        <p:nvSpPr>
-          <p:cNvPr id="90" name="テキスト ボックス 89"/>
-          <p:cNvSpPr txBox="1"/>
-          <p:nvPr/>
-        </p:nvSpPr>
-        <p:spPr>
-          <a:xfrm>
-            <a:off x="4188119" y="3178711"/>
-            <a:ext cx="1376218" cy="369332"/>
-          </a:xfrm>
-          <a:prstGeom prst="rect">
-            <a:avLst/>
-          </a:prstGeom>
-          <a:noFill/>
-        </p:spPr>
-        <p:txBody>
-          <a:bodyPr wrap="square" rtlCol="0">
-            <a:spAutoFit/>
-          </a:bodyPr>
-          <a:lstStyle/>
-          <a:p>
-            <a:pPr algn="ctr"/>
-            <a:r>
-              <a:rPr kumimoji="1" lang="ja-JP" altLang="en-US" dirty="0" smtClean="0"/>
-              <a:t>終了</a:t>
-            </a:r>
-            <a:endParaRPr kumimoji="1" lang="ja-JP" altLang="en-US" dirty="0"/>
-          </a:p>
-        </p:txBody>
-      </p:sp>
+      </p:cxnSp>
     </p:spTree>
     <p:extLst>
       <p:ext uri="{BB962C8B-B14F-4D97-AF65-F5344CB8AC3E}">
@@ -8233,38 +8627,213 @@
             <p:ph type="title"/>
           </p:nvPr>
         </p:nvSpPr>
-        <p:spPr/>
-        <p:txBody>
-          <a:bodyPr/>
-          <a:lstStyle/>
-          <a:p>
-            <a:endParaRPr kumimoji="1" lang="ja-JP" altLang="en-US"/>
-          </a:p>
-        </p:txBody>
-      </p:sp>
-      <p:sp>
-        <p:nvSpPr>
-          <p:cNvPr id="3" name="コンテンツ プレースホルダー 2"/>
+        <p:spPr>
+          <a:xfrm>
+            <a:off x="732692" y="2545617"/>
+            <a:ext cx="10515600" cy="1325563"/>
+          </a:xfrm>
+        </p:spPr>
+        <p:txBody>
+          <a:bodyPr>
+            <a:normAutofit/>
+          </a:bodyPr>
+          <a:lstStyle/>
+          <a:p>
+            <a:pPr algn="ctr"/>
+            <a:r>
+              <a:rPr kumimoji="1" lang="ja-JP" altLang="en-US" sz="7200" dirty="0" smtClean="0"/>
+              <a:t>チュートリアル画面</a:t>
+            </a:r>
+            <a:endParaRPr kumimoji="1" lang="ja-JP" altLang="en-US" sz="7200" dirty="0"/>
+          </a:p>
+        </p:txBody>
+      </p:sp>
+    </p:spTree>
+    <p:extLst>
+      <p:ext uri="{BB962C8B-B14F-4D97-AF65-F5344CB8AC3E}">
+        <p14:creationId xmlns:p14="http://schemas.microsoft.com/office/powerpoint/2010/main" val="3834296005"/>
+      </p:ext>
+    </p:extLst>
+  </p:cSld>
+  <p:clrMapOvr>
+    <a:masterClrMapping/>
+  </p:clrMapOvr>
+</p:sld>
+</file>
+
+<file path=ppt/slides/slide26.xml><?xml version="1.0" encoding="utf-8"?>
+<p:sld xmlns:a="http://schemas.openxmlformats.org/drawingml/2006/main" xmlns:r="http://schemas.openxmlformats.org/officeDocument/2006/relationships" xmlns:p="http://schemas.openxmlformats.org/presentationml/2006/main">
+  <p:cSld>
+    <p:spTree>
+      <p:nvGrpSpPr>
+        <p:cNvPr id="1" name=""/>
+        <p:cNvGrpSpPr/>
+        <p:nvPr/>
+      </p:nvGrpSpPr>
+      <p:grpSpPr>
+        <a:xfrm>
+          <a:off x="0" y="0"/>
+          <a:ext cx="0" cy="0"/>
+          <a:chOff x="0" y="0"/>
+          <a:chExt cx="0" cy="0"/>
+        </a:xfrm>
+      </p:grpSpPr>
+    </p:spTree>
+    <p:extLst>
+      <p:ext uri="{BB962C8B-B14F-4D97-AF65-F5344CB8AC3E}">
+        <p14:creationId xmlns:p14="http://schemas.microsoft.com/office/powerpoint/2010/main" val="1698994097"/>
+      </p:ext>
+    </p:extLst>
+  </p:cSld>
+  <p:clrMapOvr>
+    <a:masterClrMapping/>
+  </p:clrMapOvr>
+</p:sld>
+</file>
+
+<file path=ppt/slides/slide27.xml><?xml version="1.0" encoding="utf-8"?>
+<p:sld xmlns:a="http://schemas.openxmlformats.org/drawingml/2006/main" xmlns:r="http://schemas.openxmlformats.org/officeDocument/2006/relationships" xmlns:p="http://schemas.openxmlformats.org/presentationml/2006/main">
+  <p:cSld>
+    <p:spTree>
+      <p:nvGrpSpPr>
+        <p:cNvPr id="1" name=""/>
+        <p:cNvGrpSpPr/>
+        <p:nvPr/>
+      </p:nvGrpSpPr>
+      <p:grpSpPr>
+        <a:xfrm>
+          <a:off x="0" y="0"/>
+          <a:ext cx="0" cy="0"/>
+          <a:chOff x="0" y="0"/>
+          <a:chExt cx="0" cy="0"/>
+        </a:xfrm>
+      </p:grpSpPr>
+      <p:sp>
+        <p:nvSpPr>
+          <p:cNvPr id="2" name="タイトル 1"/>
           <p:cNvSpPr>
             <a:spLocks noGrp="1"/>
           </p:cNvSpPr>
           <p:nvPr>
-            <p:ph idx="1"/>
+            <p:ph type="title"/>
           </p:nvPr>
         </p:nvSpPr>
-        <p:spPr/>
-        <p:txBody>
-          <a:bodyPr/>
-          <a:lstStyle/>
-          <a:p>
-            <a:endParaRPr kumimoji="1" lang="ja-JP" altLang="en-US"/>
-          </a:p>
-        </p:txBody>
-      </p:sp>
+        <p:spPr>
+          <a:xfrm>
+            <a:off x="732692" y="2545617"/>
+            <a:ext cx="10515600" cy="1325563"/>
+          </a:xfrm>
+        </p:spPr>
+        <p:txBody>
+          <a:bodyPr>
+            <a:normAutofit/>
+          </a:bodyPr>
+          <a:lstStyle/>
+          <a:p>
+            <a:pPr algn="ctr"/>
+            <a:r>
+              <a:rPr kumimoji="1" lang="ja-JP" altLang="en-US" sz="7200" dirty="0" smtClean="0"/>
+              <a:t>ゲーム画面</a:t>
+            </a:r>
+            <a:endParaRPr kumimoji="1" lang="ja-JP" altLang="en-US" sz="7200" dirty="0"/>
+          </a:p>
+        </p:txBody>
+      </p:sp>
+    </p:spTree>
+    <p:extLst>
+      <p:ext uri="{BB962C8B-B14F-4D97-AF65-F5344CB8AC3E}">
+        <p14:creationId xmlns:p14="http://schemas.microsoft.com/office/powerpoint/2010/main" val="856371120"/>
+      </p:ext>
+    </p:extLst>
+  </p:cSld>
+  <p:clrMapOvr>
+    <a:masterClrMapping/>
+  </p:clrMapOvr>
+</p:sld>
+</file>
+
+<file path=ppt/slides/slide28.xml><?xml version="1.0" encoding="utf-8"?>
+<p:sld xmlns:a="http://schemas.openxmlformats.org/drawingml/2006/main" xmlns:r="http://schemas.openxmlformats.org/officeDocument/2006/relationships" xmlns:p="http://schemas.openxmlformats.org/presentationml/2006/main">
+  <p:cSld>
+    <p:spTree>
+      <p:nvGrpSpPr>
+        <p:cNvPr id="1" name=""/>
+        <p:cNvGrpSpPr/>
+        <p:nvPr/>
+      </p:nvGrpSpPr>
+      <p:grpSpPr>
+        <a:xfrm>
+          <a:off x="0" y="0"/>
+          <a:ext cx="0" cy="0"/>
+          <a:chOff x="0" y="0"/>
+          <a:chExt cx="0" cy="0"/>
+        </a:xfrm>
+      </p:grpSpPr>
     </p:spTree>
     <p:extLst>
       <p:ext uri="{BB962C8B-B14F-4D97-AF65-F5344CB8AC3E}">
         <p14:creationId xmlns:p14="http://schemas.microsoft.com/office/powerpoint/2010/main" val="3087006168"/>
+      </p:ext>
+    </p:extLst>
+  </p:cSld>
+  <p:clrMapOvr>
+    <a:masterClrMapping/>
+  </p:clrMapOvr>
+</p:sld>
+</file>
+
+<file path=ppt/slides/slide29.xml><?xml version="1.0" encoding="utf-8"?>
+<p:sld xmlns:a="http://schemas.openxmlformats.org/drawingml/2006/main" xmlns:r="http://schemas.openxmlformats.org/officeDocument/2006/relationships" xmlns:p="http://schemas.openxmlformats.org/presentationml/2006/main">
+  <p:cSld>
+    <p:spTree>
+      <p:nvGrpSpPr>
+        <p:cNvPr id="1" name=""/>
+        <p:cNvGrpSpPr/>
+        <p:nvPr/>
+      </p:nvGrpSpPr>
+      <p:grpSpPr>
+        <a:xfrm>
+          <a:off x="0" y="0"/>
+          <a:ext cx="0" cy="0"/>
+          <a:chOff x="0" y="0"/>
+          <a:chExt cx="0" cy="0"/>
+        </a:xfrm>
+      </p:grpSpPr>
+      <p:sp>
+        <p:nvSpPr>
+          <p:cNvPr id="2" name="タイトル 1"/>
+          <p:cNvSpPr>
+            <a:spLocks noGrp="1"/>
+          </p:cNvSpPr>
+          <p:nvPr>
+            <p:ph type="title"/>
+          </p:nvPr>
+        </p:nvSpPr>
+        <p:spPr>
+          <a:xfrm>
+            <a:off x="732692" y="2545617"/>
+            <a:ext cx="10515600" cy="1325563"/>
+          </a:xfrm>
+        </p:spPr>
+        <p:txBody>
+          <a:bodyPr>
+            <a:normAutofit/>
+          </a:bodyPr>
+          <a:lstStyle/>
+          <a:p>
+            <a:pPr algn="ctr"/>
+            <a:r>
+              <a:rPr kumimoji="1" lang="ja-JP" altLang="en-US" sz="7200" dirty="0" smtClean="0"/>
+              <a:t>リザルト画面</a:t>
+            </a:r>
+            <a:endParaRPr kumimoji="1" lang="ja-JP" altLang="en-US" sz="7200" dirty="0"/>
+          </a:p>
+        </p:txBody>
+      </p:sp>
+    </p:spTree>
+    <p:extLst>
+      <p:ext uri="{BB962C8B-B14F-4D97-AF65-F5344CB8AC3E}">
+        <p14:creationId xmlns:p14="http://schemas.microsoft.com/office/powerpoint/2010/main" val="4034990904"/>
       </p:ext>
     </p:extLst>
   </p:cSld>
@@ -10048,6 +10617,36 @@
     <p:extLst>
       <p:ext uri="{BB962C8B-B14F-4D97-AF65-F5344CB8AC3E}">
         <p14:creationId xmlns:p14="http://schemas.microsoft.com/office/powerpoint/2010/main" val="2820299476"/>
+      </p:ext>
+    </p:extLst>
+  </p:cSld>
+  <p:clrMapOvr>
+    <a:masterClrMapping/>
+  </p:clrMapOvr>
+</p:sld>
+</file>
+
+<file path=ppt/slides/slide30.xml><?xml version="1.0" encoding="utf-8"?>
+<p:sld xmlns:a="http://schemas.openxmlformats.org/drawingml/2006/main" xmlns:r="http://schemas.openxmlformats.org/officeDocument/2006/relationships" xmlns:p="http://schemas.openxmlformats.org/presentationml/2006/main">
+  <p:cSld>
+    <p:spTree>
+      <p:nvGrpSpPr>
+        <p:cNvPr id="1" name=""/>
+        <p:cNvGrpSpPr/>
+        <p:nvPr/>
+      </p:nvGrpSpPr>
+      <p:grpSpPr>
+        <a:xfrm>
+          <a:off x="0" y="0"/>
+          <a:ext cx="0" cy="0"/>
+          <a:chOff x="0" y="0"/>
+          <a:chExt cx="0" cy="0"/>
+        </a:xfrm>
+      </p:grpSpPr>
+    </p:spTree>
+    <p:extLst>
+      <p:ext uri="{BB962C8B-B14F-4D97-AF65-F5344CB8AC3E}">
+        <p14:creationId xmlns:p14="http://schemas.microsoft.com/office/powerpoint/2010/main" val="328704991"/>
       </p:ext>
     </p:extLst>
   </p:cSld>
